--- a/DICOTOMIZADOR IERATIVO  ID3.pptx
+++ b/DICOTOMIZADOR IERATIVO  ID3.pptx
@@ -6,7 +6,14 @@
   </p:sldMasterIdLst>
   <p:sldIdLst>
     <p:sldId id="259" r:id="rId2"/>
-    <p:sldId id="257" r:id="rId3"/>
+    <p:sldId id="260" r:id="rId3"/>
+    <p:sldId id="261" r:id="rId4"/>
+    <p:sldId id="262" r:id="rId5"/>
+    <p:sldId id="263" r:id="rId6"/>
+    <p:sldId id="265" r:id="rId7"/>
+    <p:sldId id="264" r:id="rId8"/>
+    <p:sldId id="266" r:id="rId9"/>
+    <p:sldId id="257" r:id="rId10"/>
   </p:sldIdLst>
   <p:sldSz cx="9906000" cy="6858000" type="A4"/>
   <p:notesSz cx="6858000" cy="9144000"/>
@@ -6177,7 +6184,7 @@
         </p:blipFill>
         <p:spPr bwMode="auto">
           <a:xfrm>
-            <a:off x="7298749" y="3040334"/>
+            <a:off x="5738639" y="2110772"/>
             <a:ext cx="2288209" cy="1727598"/>
           </a:xfrm>
           <a:prstGeom prst="rect">
@@ -6224,8 +6231,8 @@
         </p:blipFill>
         <p:spPr bwMode="auto">
           <a:xfrm rot="1131174">
-            <a:off x="570536" y="380052"/>
-            <a:ext cx="1078765" cy="1735667"/>
+            <a:off x="2391279" y="2156930"/>
+            <a:ext cx="972562" cy="1564792"/>
           </a:xfrm>
           <a:prstGeom prst="rect">
             <a:avLst/>
@@ -6271,7 +6278,7 @@
         </p:blipFill>
         <p:spPr bwMode="auto">
           <a:xfrm>
-            <a:off x="3799090" y="5178256"/>
+            <a:off x="3936008" y="4335720"/>
             <a:ext cx="1416925" cy="1464732"/>
           </a:xfrm>
           <a:prstGeom prst="rect">
@@ -6318,7 +6325,7 @@
         </p:blipFill>
         <p:spPr bwMode="auto">
           <a:xfrm>
-            <a:off x="196403" y="4411782"/>
+            <a:off x="689235" y="3824794"/>
             <a:ext cx="1300957" cy="1543993"/>
           </a:xfrm>
           <a:prstGeom prst="rect">
@@ -6365,7 +6372,7 @@
         </p:blipFill>
         <p:spPr bwMode="auto">
           <a:xfrm>
-            <a:off x="7738533" y="1247885"/>
+            <a:off x="7713743" y="3508721"/>
             <a:ext cx="2021457" cy="1459045"/>
           </a:xfrm>
           <a:prstGeom prst="rect">
@@ -6412,7 +6419,7 @@
         </p:blipFill>
         <p:spPr bwMode="auto">
           <a:xfrm>
-            <a:off x="5663224" y="4919918"/>
+            <a:off x="5445307" y="4355298"/>
             <a:ext cx="1761068" cy="1761068"/>
           </a:xfrm>
           <a:prstGeom prst="rect">
@@ -6506,7 +6513,7 @@
         </p:blipFill>
         <p:spPr bwMode="auto">
           <a:xfrm>
-            <a:off x="1334118" y="4596791"/>
+            <a:off x="1504970" y="4242720"/>
             <a:ext cx="2252133" cy="2252133"/>
           </a:xfrm>
           <a:prstGeom prst="rect">
@@ -6546,7 +6553,7 @@
         </p:blipFill>
         <p:spPr>
           <a:xfrm>
-            <a:off x="955777" y="3330398"/>
+            <a:off x="3590576" y="2565161"/>
             <a:ext cx="2148063" cy="1456733"/>
           </a:xfrm>
           <a:prstGeom prst="rect">
@@ -6583,7 +6590,7 @@
         </p:blipFill>
         <p:spPr bwMode="auto">
           <a:xfrm>
-            <a:off x="8040520" y="4937604"/>
+            <a:off x="7344329" y="5068086"/>
             <a:ext cx="1546438" cy="1761068"/>
           </a:xfrm>
           <a:prstGeom prst="rect">
@@ -6630,7 +6637,7 @@
         </p:blipFill>
         <p:spPr bwMode="auto">
           <a:xfrm>
-            <a:off x="7009409" y="332176"/>
+            <a:off x="7756322" y="2400609"/>
             <a:ext cx="1680638" cy="1077434"/>
           </a:xfrm>
           <a:prstGeom prst="rect">
@@ -6662,7 +6669,7 @@
         </p:nvSpPr>
         <p:spPr>
           <a:xfrm>
-            <a:off x="3256223" y="332176"/>
+            <a:off x="3580927" y="635528"/>
             <a:ext cx="2414693" cy="646331"/>
           </a:xfrm>
           <a:prstGeom prst="rect">
@@ -6687,282 +6694,6 @@
             <a:r>
               <a:rPr lang="es-MX" dirty="0"/>
               <a:t>Si es un objeto</a:t>
-            </a:r>
-            <a:endParaRPr lang="es-PE" dirty="0"/>
-          </a:p>
-        </p:txBody>
-      </p:sp>
-      <p:sp>
-        <p:nvSpPr>
-          <p:cNvPr id="15" name="CuadroTexto 14">
-            <a:extLst>
-              <a:ext uri="{FF2B5EF4-FFF2-40B4-BE49-F238E27FC236}">
-                <a16:creationId xmlns:a16="http://schemas.microsoft.com/office/drawing/2014/main" id="{9435F447-E7F3-4557-A1C4-A8DA3BC7B1E9}"/>
-              </a:ext>
-            </a:extLst>
-          </p:cNvPr>
-          <p:cNvSpPr txBox="1"/>
-          <p:nvPr/>
-        </p:nvSpPr>
-        <p:spPr>
-          <a:xfrm>
-            <a:off x="3400157" y="1057548"/>
-            <a:ext cx="2414693" cy="646331"/>
-          </a:xfrm>
-          <a:prstGeom prst="rect">
-            <a:avLst/>
-          </a:prstGeom>
-          <a:noFill/>
-        </p:spPr>
-        <p:txBody>
-          <a:bodyPr wrap="square" rtlCol="0">
-            <a:spAutoFit/>
-          </a:bodyPr>
-          <a:lstStyle/>
-          <a:p>
-            <a:pPr algn="ctr"/>
-            <a:r>
-              <a:rPr lang="es-MX" dirty="0"/>
-              <a:t>¿ es suave o </a:t>
-            </a:r>
-            <a:r>
-              <a:rPr lang="es-MX" dirty="0" err="1"/>
-              <a:t>aspero</a:t>
-            </a:r>
-            <a:r>
-              <a:rPr lang="es-MX" dirty="0"/>
-              <a:t>?</a:t>
-            </a:r>
-          </a:p>
-          <a:p>
-            <a:pPr algn="ctr"/>
-            <a:r>
-              <a:rPr lang="es-MX" dirty="0"/>
-              <a:t>Es </a:t>
-            </a:r>
-            <a:r>
-              <a:rPr lang="es-MX" dirty="0" err="1"/>
-              <a:t>aspero</a:t>
-            </a:r>
-            <a:endParaRPr lang="es-PE" dirty="0"/>
-          </a:p>
-        </p:txBody>
-      </p:sp>
-      <p:sp>
-        <p:nvSpPr>
-          <p:cNvPr id="16" name="CuadroTexto 15">
-            <a:extLst>
-              <a:ext uri="{FF2B5EF4-FFF2-40B4-BE49-F238E27FC236}">
-                <a16:creationId xmlns:a16="http://schemas.microsoft.com/office/drawing/2014/main" id="{DE771697-5F17-428E-A11B-40330E03A600}"/>
-              </a:ext>
-            </a:extLst>
-          </p:cNvPr>
-          <p:cNvSpPr txBox="1"/>
-          <p:nvPr/>
-        </p:nvSpPr>
-        <p:spPr>
-          <a:xfrm>
-            <a:off x="3270483" y="1711376"/>
-            <a:ext cx="2674039" cy="646331"/>
-          </a:xfrm>
-          <a:prstGeom prst="rect">
-            <a:avLst/>
-          </a:prstGeom>
-          <a:noFill/>
-        </p:spPr>
-        <p:txBody>
-          <a:bodyPr wrap="square" rtlCol="0">
-            <a:spAutoFit/>
-          </a:bodyPr>
-          <a:lstStyle/>
-          <a:p>
-            <a:pPr algn="ctr"/>
-            <a:r>
-              <a:rPr lang="es-MX" dirty="0"/>
-              <a:t>¿ su sonido es melodioso?</a:t>
-            </a:r>
-          </a:p>
-          <a:p>
-            <a:pPr algn="ctr"/>
-            <a:r>
-              <a:rPr lang="es-MX" dirty="0"/>
-              <a:t>si</a:t>
-            </a:r>
-            <a:endParaRPr lang="es-PE" dirty="0"/>
-          </a:p>
-        </p:txBody>
-      </p:sp>
-      <p:sp>
-        <p:nvSpPr>
-          <p:cNvPr id="17" name="CuadroTexto 16">
-            <a:extLst>
-              <a:ext uri="{FF2B5EF4-FFF2-40B4-BE49-F238E27FC236}">
-                <a16:creationId xmlns:a16="http://schemas.microsoft.com/office/drawing/2014/main" id="{4BAC4DF6-3FDA-4BF6-A6D2-2F5155659D82}"/>
-              </a:ext>
-            </a:extLst>
-          </p:cNvPr>
-          <p:cNvSpPr txBox="1"/>
-          <p:nvPr/>
-        </p:nvSpPr>
-        <p:spPr>
-          <a:xfrm>
-            <a:off x="3355700" y="2383764"/>
-            <a:ext cx="2674039" cy="646331"/>
-          </a:xfrm>
-          <a:prstGeom prst="rect">
-            <a:avLst/>
-          </a:prstGeom>
-          <a:noFill/>
-        </p:spPr>
-        <p:txBody>
-          <a:bodyPr wrap="square" rtlCol="0">
-            <a:spAutoFit/>
-          </a:bodyPr>
-          <a:lstStyle/>
-          <a:p>
-            <a:pPr algn="ctr"/>
-            <a:r>
-              <a:rPr lang="es-MX" dirty="0"/>
-              <a:t>¿ es un instrumento musical?</a:t>
-            </a:r>
-          </a:p>
-          <a:p>
-            <a:pPr algn="ctr"/>
-            <a:r>
-              <a:rPr lang="es-MX" dirty="0"/>
-              <a:t>si</a:t>
-            </a:r>
-            <a:endParaRPr lang="es-PE" dirty="0"/>
-          </a:p>
-        </p:txBody>
-      </p:sp>
-      <p:sp>
-        <p:nvSpPr>
-          <p:cNvPr id="19" name="CuadroTexto 18">
-            <a:extLst>
-              <a:ext uri="{FF2B5EF4-FFF2-40B4-BE49-F238E27FC236}">
-                <a16:creationId xmlns:a16="http://schemas.microsoft.com/office/drawing/2014/main" id="{FA3866BB-D8C3-4706-B801-A6CC50B9B51F}"/>
-              </a:ext>
-            </a:extLst>
-          </p:cNvPr>
-          <p:cNvSpPr txBox="1"/>
-          <p:nvPr/>
-        </p:nvSpPr>
-        <p:spPr>
-          <a:xfrm>
-            <a:off x="3400157" y="2923115"/>
-            <a:ext cx="2674039" cy="646331"/>
-          </a:xfrm>
-          <a:prstGeom prst="rect">
-            <a:avLst/>
-          </a:prstGeom>
-          <a:noFill/>
-        </p:spPr>
-        <p:txBody>
-          <a:bodyPr wrap="square" rtlCol="0">
-            <a:spAutoFit/>
-          </a:bodyPr>
-          <a:lstStyle/>
-          <a:p>
-            <a:pPr algn="ctr"/>
-            <a:r>
-              <a:rPr lang="es-MX" dirty="0"/>
-              <a:t>¿ es de madera?</a:t>
-            </a:r>
-          </a:p>
-          <a:p>
-            <a:pPr algn="ctr"/>
-            <a:r>
-              <a:rPr lang="es-MX" dirty="0"/>
-              <a:t>si</a:t>
-            </a:r>
-            <a:endParaRPr lang="es-PE" dirty="0"/>
-          </a:p>
-        </p:txBody>
-      </p:sp>
-      <p:sp>
-        <p:nvSpPr>
-          <p:cNvPr id="20" name="CuadroTexto 19">
-            <a:extLst>
-              <a:ext uri="{FF2B5EF4-FFF2-40B4-BE49-F238E27FC236}">
-                <a16:creationId xmlns:a16="http://schemas.microsoft.com/office/drawing/2014/main" id="{631447AD-97E9-41DF-AB99-8DC87ECF7E1C}"/>
-              </a:ext>
-            </a:extLst>
-          </p:cNvPr>
-          <p:cNvSpPr txBox="1"/>
-          <p:nvPr/>
-        </p:nvSpPr>
-        <p:spPr>
-          <a:xfrm>
-            <a:off x="3400157" y="3638896"/>
-            <a:ext cx="2674039" cy="646331"/>
-          </a:xfrm>
-          <a:prstGeom prst="rect">
-            <a:avLst/>
-          </a:prstGeom>
-          <a:noFill/>
-        </p:spPr>
-        <p:txBody>
-          <a:bodyPr wrap="square" rtlCol="0">
-            <a:spAutoFit/>
-          </a:bodyPr>
-          <a:lstStyle/>
-          <a:p>
-            <a:pPr algn="ctr"/>
-            <a:r>
-              <a:rPr lang="es-MX" dirty="0"/>
-              <a:t>¿ es liviano?</a:t>
-            </a:r>
-          </a:p>
-          <a:p>
-            <a:pPr algn="ctr"/>
-            <a:r>
-              <a:rPr lang="es-MX" dirty="0"/>
-              <a:t>si</a:t>
-            </a:r>
-            <a:endParaRPr lang="es-PE" dirty="0"/>
-          </a:p>
-        </p:txBody>
-      </p:sp>
-      <p:sp>
-        <p:nvSpPr>
-          <p:cNvPr id="21" name="CuadroTexto 20">
-            <a:extLst>
-              <a:ext uri="{FF2B5EF4-FFF2-40B4-BE49-F238E27FC236}">
-                <a16:creationId xmlns:a16="http://schemas.microsoft.com/office/drawing/2014/main" id="{ED283555-EABD-427F-BE21-C62313DF0FDB}"/>
-              </a:ext>
-            </a:extLst>
-          </p:cNvPr>
-          <p:cNvSpPr txBox="1"/>
-          <p:nvPr/>
-        </p:nvSpPr>
-        <p:spPr>
-          <a:xfrm>
-            <a:off x="3435237" y="4223275"/>
-            <a:ext cx="2674039" cy="646331"/>
-          </a:xfrm>
-          <a:prstGeom prst="rect">
-            <a:avLst/>
-          </a:prstGeom>
-          <a:noFill/>
-        </p:spPr>
-        <p:txBody>
-          <a:bodyPr wrap="square" rtlCol="0">
-            <a:spAutoFit/>
-          </a:bodyPr>
-          <a:lstStyle/>
-          <a:p>
-            <a:pPr algn="ctr"/>
-            <a:r>
-              <a:rPr lang="es-MX" dirty="0"/>
-              <a:t>¿ tiene cuerda?</a:t>
-            </a:r>
-          </a:p>
-          <a:p>
-            <a:pPr algn="ctr"/>
-            <a:r>
-              <a:rPr lang="es-MX" dirty="0"/>
-              <a:t>si</a:t>
             </a:r>
             <a:endParaRPr lang="es-PE" dirty="0"/>
           </a:p>
@@ -6982,6 +6713,1945 @@
 </file>
 
 <file path=ppt/slides/slide2.xml><?xml version="1.0" encoding="utf-8"?>
+<p:sld xmlns:a="http://schemas.openxmlformats.org/drawingml/2006/main" xmlns:r="http://schemas.openxmlformats.org/officeDocument/2006/relationships" xmlns:p="http://schemas.openxmlformats.org/presentationml/2006/main">
+  <p:cSld>
+    <p:spTree>
+      <p:nvGrpSpPr>
+        <p:cNvPr id="1" name=""/>
+        <p:cNvGrpSpPr/>
+        <p:nvPr/>
+      </p:nvGrpSpPr>
+      <p:grpSpPr>
+        <a:xfrm>
+          <a:off x="0" y="0"/>
+          <a:ext cx="0" cy="0"/>
+          <a:chOff x="0" y="0"/>
+          <a:chExt cx="0" cy="0"/>
+        </a:xfrm>
+      </p:grpSpPr>
+      <p:pic>
+        <p:nvPicPr>
+          <p:cNvPr id="2052" name="Picture 4" descr="Batería (instrumento musical) - Wikipedia, la enciclopedia libre">
+            <a:extLst>
+              <a:ext uri="{FF2B5EF4-FFF2-40B4-BE49-F238E27FC236}">
+                <a16:creationId xmlns:a16="http://schemas.microsoft.com/office/drawing/2014/main" id="{995B82D8-ED8F-40FD-982D-AFA104D7B10B}"/>
+              </a:ext>
+            </a:extLst>
+          </p:cNvPr>
+          <p:cNvPicPr>
+            <a:picLocks noChangeAspect="1" noChangeArrowheads="1"/>
+          </p:cNvPicPr>
+          <p:nvPr/>
+        </p:nvPicPr>
+        <p:blipFill>
+          <a:blip r:embed="rId2">
+            <a:extLst>
+              <a:ext uri="{28A0092B-C50C-407E-A947-70E740481C1C}">
+                <a14:useLocalDpi xmlns:a14="http://schemas.microsoft.com/office/drawing/2010/main" val="0"/>
+              </a:ext>
+            </a:extLst>
+          </a:blip>
+          <a:srcRect/>
+          <a:stretch>
+            <a:fillRect/>
+          </a:stretch>
+        </p:blipFill>
+        <p:spPr bwMode="auto">
+          <a:xfrm>
+            <a:off x="7421388" y="3732992"/>
+            <a:ext cx="2288209" cy="1727598"/>
+          </a:xfrm>
+          <a:prstGeom prst="rect">
+            <a:avLst/>
+          </a:prstGeom>
+          <a:noFill/>
+          <a:extLst>
+            <a:ext uri="{909E8E84-426E-40DD-AFC4-6F175D3DCCD1}">
+              <a14:hiddenFill xmlns:a14="http://schemas.microsoft.com/office/drawing/2010/main">
+                <a:solidFill>
+                  <a:srgbClr val="FFFFFF"/>
+                </a:solidFill>
+              </a14:hiddenFill>
+            </a:ext>
+          </a:extLst>
+        </p:spPr>
+      </p:pic>
+      <p:pic>
+        <p:nvPicPr>
+          <p:cNvPr id="2058" name="Picture 10" descr="mariachi instrumento musical violin 1206385 PNG">
+            <a:extLst>
+              <a:ext uri="{FF2B5EF4-FFF2-40B4-BE49-F238E27FC236}">
+                <a16:creationId xmlns:a16="http://schemas.microsoft.com/office/drawing/2014/main" id="{EB1E333C-6B1B-490E-81CB-1E825FC86D8C}"/>
+              </a:ext>
+            </a:extLst>
+          </p:cNvPr>
+          <p:cNvPicPr>
+            <a:picLocks noChangeAspect="1" noChangeArrowheads="1"/>
+          </p:cNvPicPr>
+          <p:nvPr/>
+        </p:nvPicPr>
+        <p:blipFill>
+          <a:blip r:embed="rId3">
+            <a:extLst>
+              <a:ext uri="{28A0092B-C50C-407E-A947-70E740481C1C}">
+                <a14:useLocalDpi xmlns:a14="http://schemas.microsoft.com/office/drawing/2010/main" val="0"/>
+              </a:ext>
+            </a:extLst>
+          </a:blip>
+          <a:srcRect/>
+          <a:stretch>
+            <a:fillRect/>
+          </a:stretch>
+        </p:blipFill>
+        <p:spPr bwMode="auto">
+          <a:xfrm rot="1131174">
+            <a:off x="3330574" y="2376372"/>
+            <a:ext cx="972562" cy="1564792"/>
+          </a:xfrm>
+          <a:prstGeom prst="rect">
+            <a:avLst/>
+          </a:prstGeom>
+          <a:noFill/>
+          <a:extLst>
+            <a:ext uri="{909E8E84-426E-40DD-AFC4-6F175D3DCCD1}">
+              <a14:hiddenFill xmlns:a14="http://schemas.microsoft.com/office/drawing/2010/main">
+                <a:solidFill>
+                  <a:srgbClr val="FFFFFF"/>
+                </a:solidFill>
+              </a14:hiddenFill>
+            </a:ext>
+          </a:extLst>
+        </p:spPr>
+      </p:pic>
+      <p:pic>
+        <p:nvPicPr>
+          <p:cNvPr id="2072" name="Picture 24">
+            <a:extLst>
+              <a:ext uri="{FF2B5EF4-FFF2-40B4-BE49-F238E27FC236}">
+                <a16:creationId xmlns:a16="http://schemas.microsoft.com/office/drawing/2014/main" id="{11C1434C-C96B-4ED9-BD96-BE2B57D9C6F7}"/>
+              </a:ext>
+            </a:extLst>
+          </p:cNvPr>
+          <p:cNvPicPr>
+            <a:picLocks noChangeAspect="1" noChangeArrowheads="1"/>
+          </p:cNvPicPr>
+          <p:nvPr/>
+        </p:nvPicPr>
+        <p:blipFill>
+          <a:blip r:embed="rId4">
+            <a:extLst>
+              <a:ext uri="{28A0092B-C50C-407E-A947-70E740481C1C}">
+                <a14:useLocalDpi xmlns:a14="http://schemas.microsoft.com/office/drawing/2010/main" val="0"/>
+              </a:ext>
+            </a:extLst>
+          </a:blip>
+          <a:srcRect/>
+          <a:stretch>
+            <a:fillRect/>
+          </a:stretch>
+        </p:blipFill>
+        <p:spPr bwMode="auto">
+          <a:xfrm>
+            <a:off x="3799090" y="5178256"/>
+            <a:ext cx="1416925" cy="1464732"/>
+          </a:xfrm>
+          <a:prstGeom prst="rect">
+            <a:avLst/>
+          </a:prstGeom>
+          <a:noFill/>
+          <a:extLst>
+            <a:ext uri="{909E8E84-426E-40DD-AFC4-6F175D3DCCD1}">
+              <a14:hiddenFill xmlns:a14="http://schemas.microsoft.com/office/drawing/2010/main">
+                <a:solidFill>
+                  <a:srgbClr val="FFFFFF"/>
+                </a:solidFill>
+              </a14:hiddenFill>
+            </a:ext>
+          </a:extLst>
+        </p:spPr>
+      </p:pic>
+      <p:pic>
+        <p:nvPicPr>
+          <p:cNvPr id="2074" name="Picture 26" descr="Maracas | Club Penguin Wiki | Fandom">
+            <a:extLst>
+              <a:ext uri="{FF2B5EF4-FFF2-40B4-BE49-F238E27FC236}">
+                <a16:creationId xmlns:a16="http://schemas.microsoft.com/office/drawing/2014/main" id="{2B556D2F-3F83-4837-A45F-E2E28860A7A3}"/>
+              </a:ext>
+            </a:extLst>
+          </p:cNvPr>
+          <p:cNvPicPr>
+            <a:picLocks noChangeAspect="1" noChangeArrowheads="1"/>
+          </p:cNvPicPr>
+          <p:nvPr/>
+        </p:nvPicPr>
+        <p:blipFill>
+          <a:blip r:embed="rId5">
+            <a:extLst>
+              <a:ext uri="{28A0092B-C50C-407E-A947-70E740481C1C}">
+                <a14:useLocalDpi xmlns:a14="http://schemas.microsoft.com/office/drawing/2010/main" val="0"/>
+              </a:ext>
+            </a:extLst>
+          </a:blip>
+          <a:srcRect/>
+          <a:stretch>
+            <a:fillRect/>
+          </a:stretch>
+        </p:blipFill>
+        <p:spPr bwMode="auto">
+          <a:xfrm>
+            <a:off x="196403" y="4411782"/>
+            <a:ext cx="1300957" cy="1543993"/>
+          </a:xfrm>
+          <a:prstGeom prst="rect">
+            <a:avLst/>
+          </a:prstGeom>
+          <a:noFill/>
+          <a:extLst>
+            <a:ext uri="{909E8E84-426E-40DD-AFC4-6F175D3DCCD1}">
+              <a14:hiddenFill xmlns:a14="http://schemas.microsoft.com/office/drawing/2010/main">
+                <a:solidFill>
+                  <a:srgbClr val="FFFFFF"/>
+                </a:solidFill>
+              </a14:hiddenFill>
+            </a:ext>
+          </a:extLst>
+        </p:spPr>
+      </p:pic>
+      <p:pic>
+        <p:nvPicPr>
+          <p:cNvPr id="18" name="Picture 6" descr="Tractores Agrícolas | John Deere LA">
+            <a:extLst>
+              <a:ext uri="{FF2B5EF4-FFF2-40B4-BE49-F238E27FC236}">
+                <a16:creationId xmlns:a16="http://schemas.microsoft.com/office/drawing/2014/main" id="{D34156E1-5FE8-481F-8F41-E55409C007F4}"/>
+              </a:ext>
+            </a:extLst>
+          </p:cNvPr>
+          <p:cNvPicPr>
+            <a:picLocks noChangeAspect="1" noChangeArrowheads="1"/>
+          </p:cNvPicPr>
+          <p:nvPr/>
+        </p:nvPicPr>
+        <p:blipFill>
+          <a:blip r:embed="rId6">
+            <a:extLst>
+              <a:ext uri="{28A0092B-C50C-407E-A947-70E740481C1C}">
+                <a14:useLocalDpi xmlns:a14="http://schemas.microsoft.com/office/drawing/2010/main" val="0"/>
+              </a:ext>
+            </a:extLst>
+          </a:blip>
+          <a:srcRect/>
+          <a:stretch>
+            <a:fillRect/>
+          </a:stretch>
+        </p:blipFill>
+        <p:spPr bwMode="auto">
+          <a:xfrm>
+            <a:off x="4571999" y="2609722"/>
+            <a:ext cx="2021457" cy="1459045"/>
+          </a:xfrm>
+          <a:prstGeom prst="rect">
+            <a:avLst/>
+          </a:prstGeom>
+          <a:noFill/>
+          <a:extLst>
+            <a:ext uri="{909E8E84-426E-40DD-AFC4-6F175D3DCCD1}">
+              <a14:hiddenFill xmlns:a14="http://schemas.microsoft.com/office/drawing/2010/main">
+                <a:solidFill>
+                  <a:srgbClr val="FFFFFF"/>
+                </a:solidFill>
+              </a14:hiddenFill>
+            </a:ext>
+          </a:extLst>
+        </p:spPr>
+      </p:pic>
+      <p:pic>
+        <p:nvPicPr>
+          <p:cNvPr id="2076" name="Picture 28" descr="dormido hora objetos acortar Arte dibujos animados alarma reloj 24996848 PNG">
+            <a:extLst>
+              <a:ext uri="{FF2B5EF4-FFF2-40B4-BE49-F238E27FC236}">
+                <a16:creationId xmlns:a16="http://schemas.microsoft.com/office/drawing/2014/main" id="{D2530CFB-65F0-4EB3-AC1B-7229C82890B3}"/>
+              </a:ext>
+            </a:extLst>
+          </p:cNvPr>
+          <p:cNvPicPr>
+            <a:picLocks noChangeAspect="1" noChangeArrowheads="1"/>
+          </p:cNvPicPr>
+          <p:nvPr/>
+        </p:nvPicPr>
+        <p:blipFill>
+          <a:blip r:embed="rId7">
+            <a:extLst>
+              <a:ext uri="{28A0092B-C50C-407E-A947-70E740481C1C}">
+                <a14:useLocalDpi xmlns:a14="http://schemas.microsoft.com/office/drawing/2010/main" val="0"/>
+              </a:ext>
+            </a:extLst>
+          </a:blip>
+          <a:srcRect/>
+          <a:stretch>
+            <a:fillRect/>
+          </a:stretch>
+        </p:blipFill>
+        <p:spPr bwMode="auto">
+          <a:xfrm>
+            <a:off x="5663224" y="4919918"/>
+            <a:ext cx="1761068" cy="1761068"/>
+          </a:xfrm>
+          <a:prstGeom prst="rect">
+            <a:avLst/>
+          </a:prstGeom>
+          <a:noFill/>
+          <a:extLst>
+            <a:ext uri="{909E8E84-426E-40DD-AFC4-6F175D3DCCD1}">
+              <a14:hiddenFill xmlns:a14="http://schemas.microsoft.com/office/drawing/2010/main">
+                <a:solidFill>
+                  <a:srgbClr val="FFFFFF"/>
+                </a:solidFill>
+              </a14:hiddenFill>
+            </a:ext>
+          </a:extLst>
+        </p:spPr>
+      </p:pic>
+      <p:pic>
+        <p:nvPicPr>
+          <p:cNvPr id="2078" name="Picture 30" descr="Toallas De Spa PNG, Vectores, PSD, e Clipart Para Descarga Gratuita -  Pngtree">
+            <a:extLst>
+              <a:ext uri="{FF2B5EF4-FFF2-40B4-BE49-F238E27FC236}">
+                <a16:creationId xmlns:a16="http://schemas.microsoft.com/office/drawing/2014/main" id="{77A9FEA2-BD44-4C4F-893D-9095252E1804}"/>
+              </a:ext>
+            </a:extLst>
+          </p:cNvPr>
+          <p:cNvPicPr>
+            <a:picLocks noChangeAspect="1" noChangeArrowheads="1"/>
+          </p:cNvPicPr>
+          <p:nvPr/>
+        </p:nvPicPr>
+        <p:blipFill>
+          <a:blip r:embed="rId8">
+            <a:extLst>
+              <a:ext uri="{28A0092B-C50C-407E-A947-70E740481C1C}">
+                <a14:useLocalDpi xmlns:a14="http://schemas.microsoft.com/office/drawing/2010/main" val="0"/>
+              </a:ext>
+            </a:extLst>
+          </a:blip>
+          <a:srcRect/>
+          <a:stretch>
+            <a:fillRect/>
+          </a:stretch>
+        </p:blipFill>
+        <p:spPr bwMode="auto">
+          <a:xfrm>
+            <a:off x="469040" y="2357707"/>
+            <a:ext cx="1368973" cy="1026730"/>
+          </a:xfrm>
+          <a:prstGeom prst="rect">
+            <a:avLst/>
+          </a:prstGeom>
+          <a:noFill/>
+          <a:extLst>
+            <a:ext uri="{909E8E84-426E-40DD-AFC4-6F175D3DCCD1}">
+              <a14:hiddenFill xmlns:a14="http://schemas.microsoft.com/office/drawing/2010/main">
+                <a:solidFill>
+                  <a:srgbClr val="FFFFFF"/>
+                </a:solidFill>
+              </a14:hiddenFill>
+            </a:ext>
+          </a:extLst>
+        </p:spPr>
+      </p:pic>
+      <p:pic>
+        <p:nvPicPr>
+          <p:cNvPr id="2080" name="Picture 32" descr="Helado Suave Amarillo PNG ,dibujos Servicio Débil, Helado, Atender PNG  Imagen para Descarga Gratuita | Pngtree">
+            <a:extLst>
+              <a:ext uri="{FF2B5EF4-FFF2-40B4-BE49-F238E27FC236}">
+                <a16:creationId xmlns:a16="http://schemas.microsoft.com/office/drawing/2014/main" id="{15A867C7-E7DA-4E98-816D-5D2998CEEAF1}"/>
+              </a:ext>
+            </a:extLst>
+          </p:cNvPr>
+          <p:cNvPicPr>
+            <a:picLocks noChangeAspect="1" noChangeArrowheads="1"/>
+          </p:cNvPicPr>
+          <p:nvPr/>
+        </p:nvPicPr>
+        <p:blipFill>
+          <a:blip r:embed="rId9">
+            <a:extLst>
+              <a:ext uri="{28A0092B-C50C-407E-A947-70E740481C1C}">
+                <a14:useLocalDpi xmlns:a14="http://schemas.microsoft.com/office/drawing/2010/main" val="0"/>
+              </a:ext>
+            </a:extLst>
+          </a:blip>
+          <a:srcRect/>
+          <a:stretch>
+            <a:fillRect/>
+          </a:stretch>
+        </p:blipFill>
+        <p:spPr bwMode="auto">
+          <a:xfrm>
+            <a:off x="1334118" y="4596791"/>
+            <a:ext cx="2252133" cy="2252133"/>
+          </a:xfrm>
+          <a:prstGeom prst="rect">
+            <a:avLst/>
+          </a:prstGeom>
+          <a:noFill/>
+          <a:extLst>
+            <a:ext uri="{909E8E84-426E-40DD-AFC4-6F175D3DCCD1}">
+              <a14:hiddenFill xmlns:a14="http://schemas.microsoft.com/office/drawing/2010/main">
+                <a:solidFill>
+                  <a:srgbClr val="FFFFFF"/>
+                </a:solidFill>
+              </a14:hiddenFill>
+            </a:ext>
+          </a:extLst>
+        </p:spPr>
+      </p:pic>
+      <p:pic>
+        <p:nvPicPr>
+          <p:cNvPr id="5" name="Imagen 4">
+            <a:extLst>
+              <a:ext uri="{FF2B5EF4-FFF2-40B4-BE49-F238E27FC236}">
+                <a16:creationId xmlns:a16="http://schemas.microsoft.com/office/drawing/2014/main" id="{2173F711-642A-43DB-8C92-EC2CC0FCE492}"/>
+              </a:ext>
+            </a:extLst>
+          </p:cNvPr>
+          <p:cNvPicPr>
+            <a:picLocks noChangeAspect="1"/>
+          </p:cNvPicPr>
+          <p:nvPr/>
+        </p:nvPicPr>
+        <p:blipFill>
+          <a:blip r:embed="rId10"/>
+          <a:stretch>
+            <a:fillRect/>
+          </a:stretch>
+        </p:blipFill>
+        <p:spPr>
+          <a:xfrm>
+            <a:off x="955777" y="3330398"/>
+            <a:ext cx="2148063" cy="1456733"/>
+          </a:xfrm>
+          <a:prstGeom prst="rect">
+            <a:avLst/>
+          </a:prstGeom>
+        </p:spPr>
+      </p:pic>
+      <p:sp>
+        <p:nvSpPr>
+          <p:cNvPr id="15" name="CuadroTexto 14">
+            <a:extLst>
+              <a:ext uri="{FF2B5EF4-FFF2-40B4-BE49-F238E27FC236}">
+                <a16:creationId xmlns:a16="http://schemas.microsoft.com/office/drawing/2014/main" id="{9435F447-E7F3-4557-A1C4-A8DA3BC7B1E9}"/>
+              </a:ext>
+            </a:extLst>
+          </p:cNvPr>
+          <p:cNvSpPr txBox="1"/>
+          <p:nvPr/>
+        </p:nvSpPr>
+        <p:spPr>
+          <a:xfrm>
+            <a:off x="3364653" y="1082460"/>
+            <a:ext cx="2414693" cy="646331"/>
+          </a:xfrm>
+          <a:prstGeom prst="rect">
+            <a:avLst/>
+          </a:prstGeom>
+          <a:noFill/>
+        </p:spPr>
+        <p:txBody>
+          <a:bodyPr wrap="square" rtlCol="0">
+            <a:spAutoFit/>
+          </a:bodyPr>
+          <a:lstStyle/>
+          <a:p>
+            <a:pPr algn="ctr"/>
+            <a:r>
+              <a:rPr lang="es-MX" dirty="0"/>
+              <a:t>¿ es suave o </a:t>
+            </a:r>
+            <a:r>
+              <a:rPr lang="es-MX" dirty="0" err="1"/>
+              <a:t>aspero</a:t>
+            </a:r>
+            <a:r>
+              <a:rPr lang="es-MX" dirty="0"/>
+              <a:t>?</a:t>
+            </a:r>
+          </a:p>
+          <a:p>
+            <a:pPr algn="ctr"/>
+            <a:r>
+              <a:rPr lang="es-MX" dirty="0"/>
+              <a:t>Es </a:t>
+            </a:r>
+            <a:r>
+              <a:rPr lang="es-MX" dirty="0" err="1"/>
+              <a:t>aspero</a:t>
+            </a:r>
+            <a:endParaRPr lang="es-PE" dirty="0"/>
+          </a:p>
+        </p:txBody>
+      </p:sp>
+    </p:spTree>
+    <p:extLst>
+      <p:ext uri="{BB962C8B-B14F-4D97-AF65-F5344CB8AC3E}">
+        <p14:creationId xmlns:p14="http://schemas.microsoft.com/office/powerpoint/2010/main" val="2970525996"/>
+      </p:ext>
+    </p:extLst>
+  </p:cSld>
+  <p:clrMapOvr>
+    <a:masterClrMapping/>
+  </p:clrMapOvr>
+</p:sld>
+</file>
+
+<file path=ppt/slides/slide3.xml><?xml version="1.0" encoding="utf-8"?>
+<p:sld xmlns:a="http://schemas.openxmlformats.org/drawingml/2006/main" xmlns:r="http://schemas.openxmlformats.org/officeDocument/2006/relationships" xmlns:p="http://schemas.openxmlformats.org/presentationml/2006/main">
+  <p:cSld>
+    <p:spTree>
+      <p:nvGrpSpPr>
+        <p:cNvPr id="1" name=""/>
+        <p:cNvGrpSpPr/>
+        <p:nvPr/>
+      </p:nvGrpSpPr>
+      <p:grpSpPr>
+        <a:xfrm>
+          <a:off x="0" y="0"/>
+          <a:ext cx="0" cy="0"/>
+          <a:chOff x="0" y="0"/>
+          <a:chExt cx="0" cy="0"/>
+        </a:xfrm>
+      </p:grpSpPr>
+      <p:pic>
+        <p:nvPicPr>
+          <p:cNvPr id="2052" name="Picture 4" descr="Batería (instrumento musical) - Wikipedia, la enciclopedia libre">
+            <a:extLst>
+              <a:ext uri="{FF2B5EF4-FFF2-40B4-BE49-F238E27FC236}">
+                <a16:creationId xmlns:a16="http://schemas.microsoft.com/office/drawing/2014/main" id="{995B82D8-ED8F-40FD-982D-AFA104D7B10B}"/>
+              </a:ext>
+            </a:extLst>
+          </p:cNvPr>
+          <p:cNvPicPr>
+            <a:picLocks noChangeAspect="1" noChangeArrowheads="1"/>
+          </p:cNvPicPr>
+          <p:nvPr/>
+        </p:nvPicPr>
+        <p:blipFill>
+          <a:blip r:embed="rId2">
+            <a:extLst>
+              <a:ext uri="{28A0092B-C50C-407E-A947-70E740481C1C}">
+                <a14:useLocalDpi xmlns:a14="http://schemas.microsoft.com/office/drawing/2010/main" val="0"/>
+              </a:ext>
+            </a:extLst>
+          </a:blip>
+          <a:srcRect/>
+          <a:stretch>
+            <a:fillRect/>
+          </a:stretch>
+        </p:blipFill>
+        <p:spPr bwMode="auto">
+          <a:xfrm>
+            <a:off x="7471781" y="4314457"/>
+            <a:ext cx="2288209" cy="1727598"/>
+          </a:xfrm>
+          <a:prstGeom prst="rect">
+            <a:avLst/>
+          </a:prstGeom>
+          <a:noFill/>
+          <a:extLst>
+            <a:ext uri="{909E8E84-426E-40DD-AFC4-6F175D3DCCD1}">
+              <a14:hiddenFill xmlns:a14="http://schemas.microsoft.com/office/drawing/2010/main">
+                <a:solidFill>
+                  <a:srgbClr val="FFFFFF"/>
+                </a:solidFill>
+              </a14:hiddenFill>
+            </a:ext>
+          </a:extLst>
+        </p:spPr>
+      </p:pic>
+      <p:pic>
+        <p:nvPicPr>
+          <p:cNvPr id="2058" name="Picture 10" descr="mariachi instrumento musical violin 1206385 PNG">
+            <a:extLst>
+              <a:ext uri="{FF2B5EF4-FFF2-40B4-BE49-F238E27FC236}">
+                <a16:creationId xmlns:a16="http://schemas.microsoft.com/office/drawing/2014/main" id="{EB1E333C-6B1B-490E-81CB-1E825FC86D8C}"/>
+              </a:ext>
+            </a:extLst>
+          </p:cNvPr>
+          <p:cNvPicPr>
+            <a:picLocks noChangeAspect="1" noChangeArrowheads="1"/>
+          </p:cNvPicPr>
+          <p:nvPr/>
+        </p:nvPicPr>
+        <p:blipFill>
+          <a:blip r:embed="rId3">
+            <a:extLst>
+              <a:ext uri="{28A0092B-C50C-407E-A947-70E740481C1C}">
+                <a14:useLocalDpi xmlns:a14="http://schemas.microsoft.com/office/drawing/2010/main" val="0"/>
+              </a:ext>
+            </a:extLst>
+          </a:blip>
+          <a:srcRect/>
+          <a:stretch>
+            <a:fillRect/>
+          </a:stretch>
+        </p:blipFill>
+        <p:spPr bwMode="auto">
+          <a:xfrm rot="1131174">
+            <a:off x="3905550" y="3107178"/>
+            <a:ext cx="972562" cy="1564792"/>
+          </a:xfrm>
+          <a:prstGeom prst="rect">
+            <a:avLst/>
+          </a:prstGeom>
+          <a:noFill/>
+          <a:extLst>
+            <a:ext uri="{909E8E84-426E-40DD-AFC4-6F175D3DCCD1}">
+              <a14:hiddenFill xmlns:a14="http://schemas.microsoft.com/office/drawing/2010/main">
+                <a:solidFill>
+                  <a:srgbClr val="FFFFFF"/>
+                </a:solidFill>
+              </a14:hiddenFill>
+            </a:ext>
+          </a:extLst>
+        </p:spPr>
+      </p:pic>
+      <p:pic>
+        <p:nvPicPr>
+          <p:cNvPr id="2072" name="Picture 24">
+            <a:extLst>
+              <a:ext uri="{FF2B5EF4-FFF2-40B4-BE49-F238E27FC236}">
+                <a16:creationId xmlns:a16="http://schemas.microsoft.com/office/drawing/2014/main" id="{11C1434C-C96B-4ED9-BD96-BE2B57D9C6F7}"/>
+              </a:ext>
+            </a:extLst>
+          </p:cNvPr>
+          <p:cNvPicPr>
+            <a:picLocks noChangeAspect="1" noChangeArrowheads="1"/>
+          </p:cNvPicPr>
+          <p:nvPr/>
+        </p:nvPicPr>
+        <p:blipFill>
+          <a:blip r:embed="rId4">
+            <a:extLst>
+              <a:ext uri="{28A0092B-C50C-407E-A947-70E740481C1C}">
+                <a14:useLocalDpi xmlns:a14="http://schemas.microsoft.com/office/drawing/2010/main" val="0"/>
+              </a:ext>
+            </a:extLst>
+          </a:blip>
+          <a:srcRect/>
+          <a:stretch>
+            <a:fillRect/>
+          </a:stretch>
+        </p:blipFill>
+        <p:spPr bwMode="auto">
+          <a:xfrm>
+            <a:off x="3799090" y="5178256"/>
+            <a:ext cx="1416925" cy="1464732"/>
+          </a:xfrm>
+          <a:prstGeom prst="rect">
+            <a:avLst/>
+          </a:prstGeom>
+          <a:noFill/>
+          <a:extLst>
+            <a:ext uri="{909E8E84-426E-40DD-AFC4-6F175D3DCCD1}">
+              <a14:hiddenFill xmlns:a14="http://schemas.microsoft.com/office/drawing/2010/main">
+                <a:solidFill>
+                  <a:srgbClr val="FFFFFF"/>
+                </a:solidFill>
+              </a14:hiddenFill>
+            </a:ext>
+          </a:extLst>
+        </p:spPr>
+      </p:pic>
+      <p:pic>
+        <p:nvPicPr>
+          <p:cNvPr id="2074" name="Picture 26" descr="Maracas | Club Penguin Wiki | Fandom">
+            <a:extLst>
+              <a:ext uri="{FF2B5EF4-FFF2-40B4-BE49-F238E27FC236}">
+                <a16:creationId xmlns:a16="http://schemas.microsoft.com/office/drawing/2014/main" id="{2B556D2F-3F83-4837-A45F-E2E28860A7A3}"/>
+              </a:ext>
+            </a:extLst>
+          </p:cNvPr>
+          <p:cNvPicPr>
+            <a:picLocks noChangeAspect="1" noChangeArrowheads="1"/>
+          </p:cNvPicPr>
+          <p:nvPr/>
+        </p:nvPicPr>
+        <p:blipFill>
+          <a:blip r:embed="rId5">
+            <a:extLst>
+              <a:ext uri="{28A0092B-C50C-407E-A947-70E740481C1C}">
+                <a14:useLocalDpi xmlns:a14="http://schemas.microsoft.com/office/drawing/2010/main" val="0"/>
+              </a:ext>
+            </a:extLst>
+          </a:blip>
+          <a:srcRect/>
+          <a:stretch>
+            <a:fillRect/>
+          </a:stretch>
+        </p:blipFill>
+        <p:spPr bwMode="auto">
+          <a:xfrm>
+            <a:off x="196403" y="4411782"/>
+            <a:ext cx="1300957" cy="1543993"/>
+          </a:xfrm>
+          <a:prstGeom prst="rect">
+            <a:avLst/>
+          </a:prstGeom>
+          <a:noFill/>
+          <a:extLst>
+            <a:ext uri="{909E8E84-426E-40DD-AFC4-6F175D3DCCD1}">
+              <a14:hiddenFill xmlns:a14="http://schemas.microsoft.com/office/drawing/2010/main">
+                <a:solidFill>
+                  <a:srgbClr val="FFFFFF"/>
+                </a:solidFill>
+              </a14:hiddenFill>
+            </a:ext>
+          </a:extLst>
+        </p:spPr>
+      </p:pic>
+      <p:pic>
+        <p:nvPicPr>
+          <p:cNvPr id="18" name="Picture 6" descr="Tractores Agrícolas | John Deere LA">
+            <a:extLst>
+              <a:ext uri="{FF2B5EF4-FFF2-40B4-BE49-F238E27FC236}">
+                <a16:creationId xmlns:a16="http://schemas.microsoft.com/office/drawing/2014/main" id="{D34156E1-5FE8-481F-8F41-E55409C007F4}"/>
+              </a:ext>
+            </a:extLst>
+          </p:cNvPr>
+          <p:cNvPicPr>
+            <a:picLocks noChangeAspect="1" noChangeArrowheads="1"/>
+          </p:cNvPicPr>
+          <p:nvPr/>
+        </p:nvPicPr>
+        <p:blipFill>
+          <a:blip r:embed="rId6">
+            <a:extLst>
+              <a:ext uri="{28A0092B-C50C-407E-A947-70E740481C1C}">
+                <a14:useLocalDpi xmlns:a14="http://schemas.microsoft.com/office/drawing/2010/main" val="0"/>
+              </a:ext>
+            </a:extLst>
+          </a:blip>
+          <a:srcRect/>
+          <a:stretch>
+            <a:fillRect/>
+          </a:stretch>
+        </p:blipFill>
+        <p:spPr bwMode="auto">
+          <a:xfrm>
+            <a:off x="7162800" y="2699477"/>
+            <a:ext cx="2021457" cy="1459045"/>
+          </a:xfrm>
+          <a:prstGeom prst="rect">
+            <a:avLst/>
+          </a:prstGeom>
+          <a:noFill/>
+          <a:extLst>
+            <a:ext uri="{909E8E84-426E-40DD-AFC4-6F175D3DCCD1}">
+              <a14:hiddenFill xmlns:a14="http://schemas.microsoft.com/office/drawing/2010/main">
+                <a:solidFill>
+                  <a:srgbClr val="FFFFFF"/>
+                </a:solidFill>
+              </a14:hiddenFill>
+            </a:ext>
+          </a:extLst>
+        </p:spPr>
+      </p:pic>
+      <p:pic>
+        <p:nvPicPr>
+          <p:cNvPr id="2076" name="Picture 28" descr="dormido hora objetos acortar Arte dibujos animados alarma reloj 24996848 PNG">
+            <a:extLst>
+              <a:ext uri="{FF2B5EF4-FFF2-40B4-BE49-F238E27FC236}">
+                <a16:creationId xmlns:a16="http://schemas.microsoft.com/office/drawing/2014/main" id="{D2530CFB-65F0-4EB3-AC1B-7229C82890B3}"/>
+              </a:ext>
+            </a:extLst>
+          </p:cNvPr>
+          <p:cNvPicPr>
+            <a:picLocks noChangeAspect="1" noChangeArrowheads="1"/>
+          </p:cNvPicPr>
+          <p:nvPr/>
+        </p:nvPicPr>
+        <p:blipFill>
+          <a:blip r:embed="rId7">
+            <a:extLst>
+              <a:ext uri="{28A0092B-C50C-407E-A947-70E740481C1C}">
+                <a14:useLocalDpi xmlns:a14="http://schemas.microsoft.com/office/drawing/2010/main" val="0"/>
+              </a:ext>
+            </a:extLst>
+          </a:blip>
+          <a:srcRect/>
+          <a:stretch>
+            <a:fillRect/>
+          </a:stretch>
+        </p:blipFill>
+        <p:spPr bwMode="auto">
+          <a:xfrm>
+            <a:off x="5663224" y="4919918"/>
+            <a:ext cx="1761068" cy="1761068"/>
+          </a:xfrm>
+          <a:prstGeom prst="rect">
+            <a:avLst/>
+          </a:prstGeom>
+          <a:noFill/>
+          <a:extLst>
+            <a:ext uri="{909E8E84-426E-40DD-AFC4-6F175D3DCCD1}">
+              <a14:hiddenFill xmlns:a14="http://schemas.microsoft.com/office/drawing/2010/main">
+                <a:solidFill>
+                  <a:srgbClr val="FFFFFF"/>
+                </a:solidFill>
+              </a14:hiddenFill>
+            </a:ext>
+          </a:extLst>
+        </p:spPr>
+      </p:pic>
+      <p:pic>
+        <p:nvPicPr>
+          <p:cNvPr id="5" name="Imagen 4">
+            <a:extLst>
+              <a:ext uri="{FF2B5EF4-FFF2-40B4-BE49-F238E27FC236}">
+                <a16:creationId xmlns:a16="http://schemas.microsoft.com/office/drawing/2014/main" id="{2173F711-642A-43DB-8C92-EC2CC0FCE492}"/>
+              </a:ext>
+            </a:extLst>
+          </p:cNvPr>
+          <p:cNvPicPr>
+            <a:picLocks noChangeAspect="1"/>
+          </p:cNvPicPr>
+          <p:nvPr/>
+        </p:nvPicPr>
+        <p:blipFill>
+          <a:blip r:embed="rId8"/>
+          <a:stretch>
+            <a:fillRect/>
+          </a:stretch>
+        </p:blipFill>
+        <p:spPr>
+          <a:xfrm>
+            <a:off x="955777" y="3330398"/>
+            <a:ext cx="2148063" cy="1456733"/>
+          </a:xfrm>
+          <a:prstGeom prst="rect">
+            <a:avLst/>
+          </a:prstGeom>
+        </p:spPr>
+      </p:pic>
+      <p:sp>
+        <p:nvSpPr>
+          <p:cNvPr id="16" name="CuadroTexto 15">
+            <a:extLst>
+              <a:ext uri="{FF2B5EF4-FFF2-40B4-BE49-F238E27FC236}">
+                <a16:creationId xmlns:a16="http://schemas.microsoft.com/office/drawing/2014/main" id="{DE771697-5F17-428E-A11B-40330E03A600}"/>
+              </a:ext>
+            </a:extLst>
+          </p:cNvPr>
+          <p:cNvSpPr txBox="1"/>
+          <p:nvPr/>
+        </p:nvSpPr>
+        <p:spPr>
+          <a:xfrm>
+            <a:off x="3433670" y="2210422"/>
+            <a:ext cx="2674039" cy="646331"/>
+          </a:xfrm>
+          <a:prstGeom prst="rect">
+            <a:avLst/>
+          </a:prstGeom>
+          <a:noFill/>
+        </p:spPr>
+        <p:txBody>
+          <a:bodyPr wrap="square" rtlCol="0">
+            <a:spAutoFit/>
+          </a:bodyPr>
+          <a:lstStyle/>
+          <a:p>
+            <a:pPr algn="ctr"/>
+            <a:r>
+              <a:rPr lang="es-MX" dirty="0"/>
+              <a:t>¿ su sonido es melodioso?</a:t>
+            </a:r>
+          </a:p>
+          <a:p>
+            <a:pPr algn="ctr"/>
+            <a:r>
+              <a:rPr lang="es-MX" dirty="0"/>
+              <a:t>si</a:t>
+            </a:r>
+            <a:endParaRPr lang="es-PE" dirty="0"/>
+          </a:p>
+        </p:txBody>
+      </p:sp>
+    </p:spTree>
+    <p:extLst>
+      <p:ext uri="{BB962C8B-B14F-4D97-AF65-F5344CB8AC3E}">
+        <p14:creationId xmlns:p14="http://schemas.microsoft.com/office/powerpoint/2010/main" val="3537798479"/>
+      </p:ext>
+    </p:extLst>
+  </p:cSld>
+  <p:clrMapOvr>
+    <a:masterClrMapping/>
+  </p:clrMapOvr>
+</p:sld>
+</file>
+
+<file path=ppt/slides/slide4.xml><?xml version="1.0" encoding="utf-8"?>
+<p:sld xmlns:a="http://schemas.openxmlformats.org/drawingml/2006/main" xmlns:r="http://schemas.openxmlformats.org/officeDocument/2006/relationships" xmlns:p="http://schemas.openxmlformats.org/presentationml/2006/main">
+  <p:cSld>
+    <p:spTree>
+      <p:nvGrpSpPr>
+        <p:cNvPr id="1" name=""/>
+        <p:cNvGrpSpPr/>
+        <p:nvPr/>
+      </p:nvGrpSpPr>
+      <p:grpSpPr>
+        <a:xfrm>
+          <a:off x="0" y="0"/>
+          <a:ext cx="0" cy="0"/>
+          <a:chOff x="0" y="0"/>
+          <a:chExt cx="0" cy="0"/>
+        </a:xfrm>
+      </p:grpSpPr>
+      <p:pic>
+        <p:nvPicPr>
+          <p:cNvPr id="2052" name="Picture 4" descr="Batería (instrumento musical) - Wikipedia, la enciclopedia libre">
+            <a:extLst>
+              <a:ext uri="{FF2B5EF4-FFF2-40B4-BE49-F238E27FC236}">
+                <a16:creationId xmlns:a16="http://schemas.microsoft.com/office/drawing/2014/main" id="{995B82D8-ED8F-40FD-982D-AFA104D7B10B}"/>
+              </a:ext>
+            </a:extLst>
+          </p:cNvPr>
+          <p:cNvPicPr>
+            <a:picLocks noChangeAspect="1" noChangeArrowheads="1"/>
+          </p:cNvPicPr>
+          <p:nvPr/>
+        </p:nvPicPr>
+        <p:blipFill>
+          <a:blip r:embed="rId2">
+            <a:extLst>
+              <a:ext uri="{28A0092B-C50C-407E-A947-70E740481C1C}">
+                <a14:useLocalDpi xmlns:a14="http://schemas.microsoft.com/office/drawing/2010/main" val="0"/>
+              </a:ext>
+            </a:extLst>
+          </a:blip>
+          <a:srcRect/>
+          <a:stretch>
+            <a:fillRect/>
+          </a:stretch>
+        </p:blipFill>
+        <p:spPr bwMode="auto">
+          <a:xfrm>
+            <a:off x="7298749" y="3040334"/>
+            <a:ext cx="2288209" cy="1727598"/>
+          </a:xfrm>
+          <a:prstGeom prst="rect">
+            <a:avLst/>
+          </a:prstGeom>
+          <a:noFill/>
+          <a:extLst>
+            <a:ext uri="{909E8E84-426E-40DD-AFC4-6F175D3DCCD1}">
+              <a14:hiddenFill xmlns:a14="http://schemas.microsoft.com/office/drawing/2010/main">
+                <a:solidFill>
+                  <a:srgbClr val="FFFFFF"/>
+                </a:solidFill>
+              </a14:hiddenFill>
+            </a:ext>
+          </a:extLst>
+        </p:spPr>
+      </p:pic>
+      <p:pic>
+        <p:nvPicPr>
+          <p:cNvPr id="2058" name="Picture 10" descr="mariachi instrumento musical violin 1206385 PNG">
+            <a:extLst>
+              <a:ext uri="{FF2B5EF4-FFF2-40B4-BE49-F238E27FC236}">
+                <a16:creationId xmlns:a16="http://schemas.microsoft.com/office/drawing/2014/main" id="{EB1E333C-6B1B-490E-81CB-1E825FC86D8C}"/>
+              </a:ext>
+            </a:extLst>
+          </p:cNvPr>
+          <p:cNvPicPr>
+            <a:picLocks noChangeAspect="1" noChangeArrowheads="1"/>
+          </p:cNvPicPr>
+          <p:nvPr/>
+        </p:nvPicPr>
+        <p:blipFill>
+          <a:blip r:embed="rId3">
+            <a:extLst>
+              <a:ext uri="{28A0092B-C50C-407E-A947-70E740481C1C}">
+                <a14:useLocalDpi xmlns:a14="http://schemas.microsoft.com/office/drawing/2010/main" val="0"/>
+              </a:ext>
+            </a:extLst>
+          </a:blip>
+          <a:srcRect/>
+          <a:stretch>
+            <a:fillRect/>
+          </a:stretch>
+        </p:blipFill>
+        <p:spPr bwMode="auto">
+          <a:xfrm rot="1131174">
+            <a:off x="4922637" y="3544161"/>
+            <a:ext cx="972562" cy="1564792"/>
+          </a:xfrm>
+          <a:prstGeom prst="rect">
+            <a:avLst/>
+          </a:prstGeom>
+          <a:noFill/>
+          <a:extLst>
+            <a:ext uri="{909E8E84-426E-40DD-AFC4-6F175D3DCCD1}">
+              <a14:hiddenFill xmlns:a14="http://schemas.microsoft.com/office/drawing/2010/main">
+                <a:solidFill>
+                  <a:srgbClr val="FFFFFF"/>
+                </a:solidFill>
+              </a14:hiddenFill>
+            </a:ext>
+          </a:extLst>
+        </p:spPr>
+      </p:pic>
+      <p:pic>
+        <p:nvPicPr>
+          <p:cNvPr id="2072" name="Picture 24">
+            <a:extLst>
+              <a:ext uri="{FF2B5EF4-FFF2-40B4-BE49-F238E27FC236}">
+                <a16:creationId xmlns:a16="http://schemas.microsoft.com/office/drawing/2014/main" id="{11C1434C-C96B-4ED9-BD96-BE2B57D9C6F7}"/>
+              </a:ext>
+            </a:extLst>
+          </p:cNvPr>
+          <p:cNvPicPr>
+            <a:picLocks noChangeAspect="1" noChangeArrowheads="1"/>
+          </p:cNvPicPr>
+          <p:nvPr/>
+        </p:nvPicPr>
+        <p:blipFill>
+          <a:blip r:embed="rId4">
+            <a:extLst>
+              <a:ext uri="{28A0092B-C50C-407E-A947-70E740481C1C}">
+                <a14:useLocalDpi xmlns:a14="http://schemas.microsoft.com/office/drawing/2010/main" val="0"/>
+              </a:ext>
+            </a:extLst>
+          </a:blip>
+          <a:srcRect/>
+          <a:stretch>
+            <a:fillRect/>
+          </a:stretch>
+        </p:blipFill>
+        <p:spPr bwMode="auto">
+          <a:xfrm>
+            <a:off x="3799090" y="5178256"/>
+            <a:ext cx="1416925" cy="1464732"/>
+          </a:xfrm>
+          <a:prstGeom prst="rect">
+            <a:avLst/>
+          </a:prstGeom>
+          <a:noFill/>
+          <a:extLst>
+            <a:ext uri="{909E8E84-426E-40DD-AFC4-6F175D3DCCD1}">
+              <a14:hiddenFill xmlns:a14="http://schemas.microsoft.com/office/drawing/2010/main">
+                <a:solidFill>
+                  <a:srgbClr val="FFFFFF"/>
+                </a:solidFill>
+              </a14:hiddenFill>
+            </a:ext>
+          </a:extLst>
+        </p:spPr>
+      </p:pic>
+      <p:pic>
+        <p:nvPicPr>
+          <p:cNvPr id="2074" name="Picture 26" descr="Maracas | Club Penguin Wiki | Fandom">
+            <a:extLst>
+              <a:ext uri="{FF2B5EF4-FFF2-40B4-BE49-F238E27FC236}">
+                <a16:creationId xmlns:a16="http://schemas.microsoft.com/office/drawing/2014/main" id="{2B556D2F-3F83-4837-A45F-E2E28860A7A3}"/>
+              </a:ext>
+            </a:extLst>
+          </p:cNvPr>
+          <p:cNvPicPr>
+            <a:picLocks noChangeAspect="1" noChangeArrowheads="1"/>
+          </p:cNvPicPr>
+          <p:nvPr/>
+        </p:nvPicPr>
+        <p:blipFill>
+          <a:blip r:embed="rId5">
+            <a:extLst>
+              <a:ext uri="{28A0092B-C50C-407E-A947-70E740481C1C}">
+                <a14:useLocalDpi xmlns:a14="http://schemas.microsoft.com/office/drawing/2010/main" val="0"/>
+              </a:ext>
+            </a:extLst>
+          </a:blip>
+          <a:srcRect/>
+          <a:stretch>
+            <a:fillRect/>
+          </a:stretch>
+        </p:blipFill>
+        <p:spPr bwMode="auto">
+          <a:xfrm>
+            <a:off x="196403" y="4411782"/>
+            <a:ext cx="1300957" cy="1543993"/>
+          </a:xfrm>
+          <a:prstGeom prst="rect">
+            <a:avLst/>
+          </a:prstGeom>
+          <a:noFill/>
+          <a:extLst>
+            <a:ext uri="{909E8E84-426E-40DD-AFC4-6F175D3DCCD1}">
+              <a14:hiddenFill xmlns:a14="http://schemas.microsoft.com/office/drawing/2010/main">
+                <a:solidFill>
+                  <a:srgbClr val="FFFFFF"/>
+                </a:solidFill>
+              </a14:hiddenFill>
+            </a:ext>
+          </a:extLst>
+        </p:spPr>
+      </p:pic>
+      <p:pic>
+        <p:nvPicPr>
+          <p:cNvPr id="2076" name="Picture 28" descr="dormido hora objetos acortar Arte dibujos animados alarma reloj 24996848 PNG">
+            <a:extLst>
+              <a:ext uri="{FF2B5EF4-FFF2-40B4-BE49-F238E27FC236}">
+                <a16:creationId xmlns:a16="http://schemas.microsoft.com/office/drawing/2014/main" id="{D2530CFB-65F0-4EB3-AC1B-7229C82890B3}"/>
+              </a:ext>
+            </a:extLst>
+          </p:cNvPr>
+          <p:cNvPicPr>
+            <a:picLocks noChangeAspect="1" noChangeArrowheads="1"/>
+          </p:cNvPicPr>
+          <p:nvPr/>
+        </p:nvPicPr>
+        <p:blipFill>
+          <a:blip r:embed="rId6">
+            <a:extLst>
+              <a:ext uri="{28A0092B-C50C-407E-A947-70E740481C1C}">
+                <a14:useLocalDpi xmlns:a14="http://schemas.microsoft.com/office/drawing/2010/main" val="0"/>
+              </a:ext>
+            </a:extLst>
+          </a:blip>
+          <a:srcRect/>
+          <a:stretch>
+            <a:fillRect/>
+          </a:stretch>
+        </p:blipFill>
+        <p:spPr bwMode="auto">
+          <a:xfrm>
+            <a:off x="5663224" y="4919918"/>
+            <a:ext cx="1761068" cy="1761068"/>
+          </a:xfrm>
+          <a:prstGeom prst="rect">
+            <a:avLst/>
+          </a:prstGeom>
+          <a:noFill/>
+          <a:extLst>
+            <a:ext uri="{909E8E84-426E-40DD-AFC4-6F175D3DCCD1}">
+              <a14:hiddenFill xmlns:a14="http://schemas.microsoft.com/office/drawing/2010/main">
+                <a:solidFill>
+                  <a:srgbClr val="FFFFFF"/>
+                </a:solidFill>
+              </a14:hiddenFill>
+            </a:ext>
+          </a:extLst>
+        </p:spPr>
+      </p:pic>
+      <p:pic>
+        <p:nvPicPr>
+          <p:cNvPr id="5" name="Imagen 4">
+            <a:extLst>
+              <a:ext uri="{FF2B5EF4-FFF2-40B4-BE49-F238E27FC236}">
+                <a16:creationId xmlns:a16="http://schemas.microsoft.com/office/drawing/2014/main" id="{2173F711-642A-43DB-8C92-EC2CC0FCE492}"/>
+              </a:ext>
+            </a:extLst>
+          </p:cNvPr>
+          <p:cNvPicPr>
+            <a:picLocks noChangeAspect="1"/>
+          </p:cNvPicPr>
+          <p:nvPr/>
+        </p:nvPicPr>
+        <p:blipFill>
+          <a:blip r:embed="rId7"/>
+          <a:stretch>
+            <a:fillRect/>
+          </a:stretch>
+        </p:blipFill>
+        <p:spPr>
+          <a:xfrm>
+            <a:off x="955777" y="3330398"/>
+            <a:ext cx="2148063" cy="1456733"/>
+          </a:xfrm>
+          <a:prstGeom prst="rect">
+            <a:avLst/>
+          </a:prstGeom>
+        </p:spPr>
+      </p:pic>
+      <p:sp>
+        <p:nvSpPr>
+          <p:cNvPr id="17" name="CuadroTexto 16">
+            <a:extLst>
+              <a:ext uri="{FF2B5EF4-FFF2-40B4-BE49-F238E27FC236}">
+                <a16:creationId xmlns:a16="http://schemas.microsoft.com/office/drawing/2014/main" id="{4BAC4DF6-3FDA-4BF6-A6D2-2F5155659D82}"/>
+              </a:ext>
+            </a:extLst>
+          </p:cNvPr>
+          <p:cNvSpPr txBox="1"/>
+          <p:nvPr/>
+        </p:nvSpPr>
+        <p:spPr>
+          <a:xfrm>
+            <a:off x="3358883" y="2406443"/>
+            <a:ext cx="2674039" cy="646331"/>
+          </a:xfrm>
+          <a:prstGeom prst="rect">
+            <a:avLst/>
+          </a:prstGeom>
+          <a:noFill/>
+        </p:spPr>
+        <p:txBody>
+          <a:bodyPr wrap="square" rtlCol="0">
+            <a:spAutoFit/>
+          </a:bodyPr>
+          <a:lstStyle/>
+          <a:p>
+            <a:pPr algn="ctr"/>
+            <a:r>
+              <a:rPr lang="es-MX" dirty="0"/>
+              <a:t>¿ es un instrumento musical?</a:t>
+            </a:r>
+          </a:p>
+          <a:p>
+            <a:pPr algn="ctr"/>
+            <a:r>
+              <a:rPr lang="es-MX" dirty="0"/>
+              <a:t>si</a:t>
+            </a:r>
+            <a:endParaRPr lang="es-PE" dirty="0"/>
+          </a:p>
+        </p:txBody>
+      </p:sp>
+    </p:spTree>
+    <p:extLst>
+      <p:ext uri="{BB962C8B-B14F-4D97-AF65-F5344CB8AC3E}">
+        <p14:creationId xmlns:p14="http://schemas.microsoft.com/office/powerpoint/2010/main" val="3000244891"/>
+      </p:ext>
+    </p:extLst>
+  </p:cSld>
+  <p:clrMapOvr>
+    <a:masterClrMapping/>
+  </p:clrMapOvr>
+</p:sld>
+</file>
+
+<file path=ppt/slides/slide5.xml><?xml version="1.0" encoding="utf-8"?>
+<p:sld xmlns:a="http://schemas.openxmlformats.org/drawingml/2006/main" xmlns:r="http://schemas.openxmlformats.org/officeDocument/2006/relationships" xmlns:p="http://schemas.openxmlformats.org/presentationml/2006/main">
+  <p:cSld>
+    <p:spTree>
+      <p:nvGrpSpPr>
+        <p:cNvPr id="1" name=""/>
+        <p:cNvGrpSpPr/>
+        <p:nvPr/>
+      </p:nvGrpSpPr>
+      <p:grpSpPr>
+        <a:xfrm>
+          <a:off x="0" y="0"/>
+          <a:ext cx="0" cy="0"/>
+          <a:chOff x="0" y="0"/>
+          <a:chExt cx="0" cy="0"/>
+        </a:xfrm>
+      </p:grpSpPr>
+      <p:pic>
+        <p:nvPicPr>
+          <p:cNvPr id="2052" name="Picture 4" descr="Batería (instrumento musical) - Wikipedia, la enciclopedia libre">
+            <a:extLst>
+              <a:ext uri="{FF2B5EF4-FFF2-40B4-BE49-F238E27FC236}">
+                <a16:creationId xmlns:a16="http://schemas.microsoft.com/office/drawing/2014/main" id="{995B82D8-ED8F-40FD-982D-AFA104D7B10B}"/>
+              </a:ext>
+            </a:extLst>
+          </p:cNvPr>
+          <p:cNvPicPr>
+            <a:picLocks noChangeAspect="1" noChangeArrowheads="1"/>
+          </p:cNvPicPr>
+          <p:nvPr/>
+        </p:nvPicPr>
+        <p:blipFill>
+          <a:blip r:embed="rId2">
+            <a:extLst>
+              <a:ext uri="{28A0092B-C50C-407E-A947-70E740481C1C}">
+                <a14:useLocalDpi xmlns:a14="http://schemas.microsoft.com/office/drawing/2010/main" val="0"/>
+              </a:ext>
+            </a:extLst>
+          </a:blip>
+          <a:srcRect/>
+          <a:stretch>
+            <a:fillRect/>
+          </a:stretch>
+        </p:blipFill>
+        <p:spPr bwMode="auto">
+          <a:xfrm>
+            <a:off x="7298749" y="3336668"/>
+            <a:ext cx="2288209" cy="1727598"/>
+          </a:xfrm>
+          <a:prstGeom prst="rect">
+            <a:avLst/>
+          </a:prstGeom>
+          <a:noFill/>
+          <a:extLst>
+            <a:ext uri="{909E8E84-426E-40DD-AFC4-6F175D3DCCD1}">
+              <a14:hiddenFill xmlns:a14="http://schemas.microsoft.com/office/drawing/2010/main">
+                <a:solidFill>
+                  <a:srgbClr val="FFFFFF"/>
+                </a:solidFill>
+              </a14:hiddenFill>
+            </a:ext>
+          </a:extLst>
+        </p:spPr>
+      </p:pic>
+      <p:pic>
+        <p:nvPicPr>
+          <p:cNvPr id="2058" name="Picture 10" descr="mariachi instrumento musical violin 1206385 PNG">
+            <a:extLst>
+              <a:ext uri="{FF2B5EF4-FFF2-40B4-BE49-F238E27FC236}">
+                <a16:creationId xmlns:a16="http://schemas.microsoft.com/office/drawing/2014/main" id="{EB1E333C-6B1B-490E-81CB-1E825FC86D8C}"/>
+              </a:ext>
+            </a:extLst>
+          </p:cNvPr>
+          <p:cNvPicPr>
+            <a:picLocks noChangeAspect="1" noChangeArrowheads="1"/>
+          </p:cNvPicPr>
+          <p:nvPr/>
+        </p:nvPicPr>
+        <p:blipFill>
+          <a:blip r:embed="rId3">
+            <a:extLst>
+              <a:ext uri="{28A0092B-C50C-407E-A947-70E740481C1C}">
+                <a14:useLocalDpi xmlns:a14="http://schemas.microsoft.com/office/drawing/2010/main" val="0"/>
+              </a:ext>
+            </a:extLst>
+          </a:blip>
+          <a:srcRect/>
+          <a:stretch>
+            <a:fillRect/>
+          </a:stretch>
+        </p:blipFill>
+        <p:spPr bwMode="auto">
+          <a:xfrm rot="1131174">
+            <a:off x="5554909" y="4019296"/>
+            <a:ext cx="972562" cy="1564792"/>
+          </a:xfrm>
+          <a:prstGeom prst="rect">
+            <a:avLst/>
+          </a:prstGeom>
+          <a:noFill/>
+          <a:extLst>
+            <a:ext uri="{909E8E84-426E-40DD-AFC4-6F175D3DCCD1}">
+              <a14:hiddenFill xmlns:a14="http://schemas.microsoft.com/office/drawing/2010/main">
+                <a:solidFill>
+                  <a:srgbClr val="FFFFFF"/>
+                </a:solidFill>
+              </a14:hiddenFill>
+            </a:ext>
+          </a:extLst>
+        </p:spPr>
+      </p:pic>
+      <p:pic>
+        <p:nvPicPr>
+          <p:cNvPr id="2072" name="Picture 24">
+            <a:extLst>
+              <a:ext uri="{FF2B5EF4-FFF2-40B4-BE49-F238E27FC236}">
+                <a16:creationId xmlns:a16="http://schemas.microsoft.com/office/drawing/2014/main" id="{11C1434C-C96B-4ED9-BD96-BE2B57D9C6F7}"/>
+              </a:ext>
+            </a:extLst>
+          </p:cNvPr>
+          <p:cNvPicPr>
+            <a:picLocks noChangeAspect="1" noChangeArrowheads="1"/>
+          </p:cNvPicPr>
+          <p:nvPr/>
+        </p:nvPicPr>
+        <p:blipFill>
+          <a:blip r:embed="rId4">
+            <a:extLst>
+              <a:ext uri="{28A0092B-C50C-407E-A947-70E740481C1C}">
+                <a14:useLocalDpi xmlns:a14="http://schemas.microsoft.com/office/drawing/2010/main" val="0"/>
+              </a:ext>
+            </a:extLst>
+          </a:blip>
+          <a:srcRect/>
+          <a:stretch>
+            <a:fillRect/>
+          </a:stretch>
+        </p:blipFill>
+        <p:spPr bwMode="auto">
+          <a:xfrm>
+            <a:off x="2533006" y="4491043"/>
+            <a:ext cx="1416925" cy="1464732"/>
+          </a:xfrm>
+          <a:prstGeom prst="rect">
+            <a:avLst/>
+          </a:prstGeom>
+          <a:noFill/>
+          <a:extLst>
+            <a:ext uri="{909E8E84-426E-40DD-AFC4-6F175D3DCCD1}">
+              <a14:hiddenFill xmlns:a14="http://schemas.microsoft.com/office/drawing/2010/main">
+                <a:solidFill>
+                  <a:srgbClr val="FFFFFF"/>
+                </a:solidFill>
+              </a14:hiddenFill>
+            </a:ext>
+          </a:extLst>
+        </p:spPr>
+      </p:pic>
+      <p:pic>
+        <p:nvPicPr>
+          <p:cNvPr id="2074" name="Picture 26" descr="Maracas | Club Penguin Wiki | Fandom">
+            <a:extLst>
+              <a:ext uri="{FF2B5EF4-FFF2-40B4-BE49-F238E27FC236}">
+                <a16:creationId xmlns:a16="http://schemas.microsoft.com/office/drawing/2014/main" id="{2B556D2F-3F83-4837-A45F-E2E28860A7A3}"/>
+              </a:ext>
+            </a:extLst>
+          </p:cNvPr>
+          <p:cNvPicPr>
+            <a:picLocks noChangeAspect="1" noChangeArrowheads="1"/>
+          </p:cNvPicPr>
+          <p:nvPr/>
+        </p:nvPicPr>
+        <p:blipFill>
+          <a:blip r:embed="rId5">
+            <a:extLst>
+              <a:ext uri="{28A0092B-C50C-407E-A947-70E740481C1C}">
+                <a14:useLocalDpi xmlns:a14="http://schemas.microsoft.com/office/drawing/2010/main" val="0"/>
+              </a:ext>
+            </a:extLst>
+          </a:blip>
+          <a:srcRect/>
+          <a:stretch>
+            <a:fillRect/>
+          </a:stretch>
+        </p:blipFill>
+        <p:spPr bwMode="auto">
+          <a:xfrm>
+            <a:off x="687506" y="3923244"/>
+            <a:ext cx="1300957" cy="1543993"/>
+          </a:xfrm>
+          <a:prstGeom prst="rect">
+            <a:avLst/>
+          </a:prstGeom>
+          <a:noFill/>
+          <a:extLst>
+            <a:ext uri="{909E8E84-426E-40DD-AFC4-6F175D3DCCD1}">
+              <a14:hiddenFill xmlns:a14="http://schemas.microsoft.com/office/drawing/2010/main">
+                <a:solidFill>
+                  <a:srgbClr val="FFFFFF"/>
+                </a:solidFill>
+              </a14:hiddenFill>
+            </a:ext>
+          </a:extLst>
+        </p:spPr>
+      </p:pic>
+      <p:sp>
+        <p:nvSpPr>
+          <p:cNvPr id="15" name="CuadroTexto 14">
+            <a:extLst>
+              <a:ext uri="{FF2B5EF4-FFF2-40B4-BE49-F238E27FC236}">
+                <a16:creationId xmlns:a16="http://schemas.microsoft.com/office/drawing/2014/main" id="{E15E0F4A-009A-4760-A4D3-849FB7293672}"/>
+              </a:ext>
+            </a:extLst>
+          </p:cNvPr>
+          <p:cNvSpPr txBox="1"/>
+          <p:nvPr/>
+        </p:nvSpPr>
+        <p:spPr>
+          <a:xfrm>
+            <a:off x="3535624" y="2782669"/>
+            <a:ext cx="2674039" cy="646331"/>
+          </a:xfrm>
+          <a:prstGeom prst="rect">
+            <a:avLst/>
+          </a:prstGeom>
+          <a:noFill/>
+        </p:spPr>
+        <p:txBody>
+          <a:bodyPr wrap="square" rtlCol="0">
+            <a:spAutoFit/>
+          </a:bodyPr>
+          <a:lstStyle/>
+          <a:p>
+            <a:pPr algn="ctr"/>
+            <a:r>
+              <a:rPr lang="es-MX" dirty="0"/>
+              <a:t>¿ es de madera?</a:t>
+            </a:r>
+          </a:p>
+          <a:p>
+            <a:pPr algn="ctr"/>
+            <a:r>
+              <a:rPr lang="es-MX" dirty="0"/>
+              <a:t>si</a:t>
+            </a:r>
+            <a:endParaRPr lang="es-PE" dirty="0"/>
+          </a:p>
+        </p:txBody>
+      </p:sp>
+    </p:spTree>
+    <p:extLst>
+      <p:ext uri="{BB962C8B-B14F-4D97-AF65-F5344CB8AC3E}">
+        <p14:creationId xmlns:p14="http://schemas.microsoft.com/office/powerpoint/2010/main" val="2903359874"/>
+      </p:ext>
+    </p:extLst>
+  </p:cSld>
+  <p:clrMapOvr>
+    <a:masterClrMapping/>
+  </p:clrMapOvr>
+</p:sld>
+</file>
+
+<file path=ppt/slides/slide6.xml><?xml version="1.0" encoding="utf-8"?>
+<p:sld xmlns:a="http://schemas.openxmlformats.org/drawingml/2006/main" xmlns:r="http://schemas.openxmlformats.org/officeDocument/2006/relationships" xmlns:p="http://schemas.openxmlformats.org/presentationml/2006/main">
+  <p:cSld>
+    <p:spTree>
+      <p:nvGrpSpPr>
+        <p:cNvPr id="1" name=""/>
+        <p:cNvGrpSpPr/>
+        <p:nvPr/>
+      </p:nvGrpSpPr>
+      <p:grpSpPr>
+        <a:xfrm>
+          <a:off x="0" y="0"/>
+          <a:ext cx="0" cy="0"/>
+          <a:chOff x="0" y="0"/>
+          <a:chExt cx="0" cy="0"/>
+        </a:xfrm>
+      </p:grpSpPr>
+      <p:pic>
+        <p:nvPicPr>
+          <p:cNvPr id="2058" name="Picture 10" descr="mariachi instrumento musical violin 1206385 PNG">
+            <a:extLst>
+              <a:ext uri="{FF2B5EF4-FFF2-40B4-BE49-F238E27FC236}">
+                <a16:creationId xmlns:a16="http://schemas.microsoft.com/office/drawing/2014/main" id="{EB1E333C-6B1B-490E-81CB-1E825FC86D8C}"/>
+              </a:ext>
+            </a:extLst>
+          </p:cNvPr>
+          <p:cNvPicPr>
+            <a:picLocks noChangeAspect="1" noChangeArrowheads="1"/>
+          </p:cNvPicPr>
+          <p:nvPr/>
+        </p:nvPicPr>
+        <p:blipFill>
+          <a:blip r:embed="rId2">
+            <a:extLst>
+              <a:ext uri="{28A0092B-C50C-407E-A947-70E740481C1C}">
+                <a14:useLocalDpi xmlns:a14="http://schemas.microsoft.com/office/drawing/2010/main" val="0"/>
+              </a:ext>
+            </a:extLst>
+          </a:blip>
+          <a:srcRect/>
+          <a:stretch>
+            <a:fillRect/>
+          </a:stretch>
+        </p:blipFill>
+        <p:spPr bwMode="auto">
+          <a:xfrm rot="1131174">
+            <a:off x="1831217" y="3609134"/>
+            <a:ext cx="972562" cy="1564792"/>
+          </a:xfrm>
+          <a:prstGeom prst="rect">
+            <a:avLst/>
+          </a:prstGeom>
+          <a:noFill/>
+          <a:extLst>
+            <a:ext uri="{909E8E84-426E-40DD-AFC4-6F175D3DCCD1}">
+              <a14:hiddenFill xmlns:a14="http://schemas.microsoft.com/office/drawing/2010/main">
+                <a:solidFill>
+                  <a:srgbClr val="FFFFFF"/>
+                </a:solidFill>
+              </a14:hiddenFill>
+            </a:ext>
+          </a:extLst>
+        </p:spPr>
+      </p:pic>
+      <p:pic>
+        <p:nvPicPr>
+          <p:cNvPr id="2072" name="Picture 24">
+            <a:extLst>
+              <a:ext uri="{FF2B5EF4-FFF2-40B4-BE49-F238E27FC236}">
+                <a16:creationId xmlns:a16="http://schemas.microsoft.com/office/drawing/2014/main" id="{11C1434C-C96B-4ED9-BD96-BE2B57D9C6F7}"/>
+              </a:ext>
+            </a:extLst>
+          </p:cNvPr>
+          <p:cNvPicPr>
+            <a:picLocks noChangeAspect="1" noChangeArrowheads="1"/>
+          </p:cNvPicPr>
+          <p:nvPr/>
+        </p:nvPicPr>
+        <p:blipFill>
+          <a:blip r:embed="rId3">
+            <a:extLst>
+              <a:ext uri="{28A0092B-C50C-407E-A947-70E740481C1C}">
+                <a14:useLocalDpi xmlns:a14="http://schemas.microsoft.com/office/drawing/2010/main" val="0"/>
+              </a:ext>
+            </a:extLst>
+          </a:blip>
+          <a:srcRect/>
+          <a:stretch>
+            <a:fillRect/>
+          </a:stretch>
+        </p:blipFill>
+        <p:spPr bwMode="auto">
+          <a:xfrm>
+            <a:off x="6991024" y="3349456"/>
+            <a:ext cx="1416925" cy="1464732"/>
+          </a:xfrm>
+          <a:prstGeom prst="rect">
+            <a:avLst/>
+          </a:prstGeom>
+          <a:noFill/>
+          <a:extLst>
+            <a:ext uri="{909E8E84-426E-40DD-AFC4-6F175D3DCCD1}">
+              <a14:hiddenFill xmlns:a14="http://schemas.microsoft.com/office/drawing/2010/main">
+                <a:solidFill>
+                  <a:srgbClr val="FFFFFF"/>
+                </a:solidFill>
+              </a14:hiddenFill>
+            </a:ext>
+          </a:extLst>
+        </p:spPr>
+      </p:pic>
+      <p:pic>
+        <p:nvPicPr>
+          <p:cNvPr id="2074" name="Picture 26" descr="Maracas | Club Penguin Wiki | Fandom">
+            <a:extLst>
+              <a:ext uri="{FF2B5EF4-FFF2-40B4-BE49-F238E27FC236}">
+                <a16:creationId xmlns:a16="http://schemas.microsoft.com/office/drawing/2014/main" id="{2B556D2F-3F83-4837-A45F-E2E28860A7A3}"/>
+              </a:ext>
+            </a:extLst>
+          </p:cNvPr>
+          <p:cNvPicPr>
+            <a:picLocks noChangeAspect="1" noChangeArrowheads="1"/>
+          </p:cNvPicPr>
+          <p:nvPr/>
+        </p:nvPicPr>
+        <p:blipFill>
+          <a:blip r:embed="rId4">
+            <a:extLst>
+              <a:ext uri="{28A0092B-C50C-407E-A947-70E740481C1C}">
+                <a14:useLocalDpi xmlns:a14="http://schemas.microsoft.com/office/drawing/2010/main" val="0"/>
+              </a:ext>
+            </a:extLst>
+          </a:blip>
+          <a:srcRect/>
+          <a:stretch>
+            <a:fillRect/>
+          </a:stretch>
+        </p:blipFill>
+        <p:spPr bwMode="auto">
+          <a:xfrm>
+            <a:off x="4360290" y="3619533"/>
+            <a:ext cx="1300957" cy="1543993"/>
+          </a:xfrm>
+          <a:prstGeom prst="rect">
+            <a:avLst/>
+          </a:prstGeom>
+          <a:noFill/>
+          <a:extLst>
+            <a:ext uri="{909E8E84-426E-40DD-AFC4-6F175D3DCCD1}">
+              <a14:hiddenFill xmlns:a14="http://schemas.microsoft.com/office/drawing/2010/main">
+                <a:solidFill>
+                  <a:srgbClr val="FFFFFF"/>
+                </a:solidFill>
+              </a14:hiddenFill>
+            </a:ext>
+          </a:extLst>
+        </p:spPr>
+      </p:pic>
+      <p:sp>
+        <p:nvSpPr>
+          <p:cNvPr id="15" name="CuadroTexto 14">
+            <a:extLst>
+              <a:ext uri="{FF2B5EF4-FFF2-40B4-BE49-F238E27FC236}">
+                <a16:creationId xmlns:a16="http://schemas.microsoft.com/office/drawing/2014/main" id="{2201ABF4-5C25-4D52-9457-8FA5624B744C}"/>
+              </a:ext>
+            </a:extLst>
+          </p:cNvPr>
+          <p:cNvSpPr txBox="1"/>
+          <p:nvPr/>
+        </p:nvSpPr>
+        <p:spPr>
+          <a:xfrm>
+            <a:off x="3493290" y="2538230"/>
+            <a:ext cx="2674039" cy="646331"/>
+          </a:xfrm>
+          <a:prstGeom prst="rect">
+            <a:avLst/>
+          </a:prstGeom>
+          <a:noFill/>
+        </p:spPr>
+        <p:txBody>
+          <a:bodyPr wrap="square" rtlCol="0">
+            <a:spAutoFit/>
+          </a:bodyPr>
+          <a:lstStyle/>
+          <a:p>
+            <a:pPr algn="ctr"/>
+            <a:r>
+              <a:rPr lang="es-MX" dirty="0"/>
+              <a:t>¿ es liviano?</a:t>
+            </a:r>
+          </a:p>
+          <a:p>
+            <a:pPr algn="ctr"/>
+            <a:r>
+              <a:rPr lang="es-MX" dirty="0"/>
+              <a:t>si</a:t>
+            </a:r>
+            <a:endParaRPr lang="es-PE" dirty="0"/>
+          </a:p>
+        </p:txBody>
+      </p:sp>
+    </p:spTree>
+    <p:extLst>
+      <p:ext uri="{BB962C8B-B14F-4D97-AF65-F5344CB8AC3E}">
+        <p14:creationId xmlns:p14="http://schemas.microsoft.com/office/powerpoint/2010/main" val="3837207041"/>
+      </p:ext>
+    </p:extLst>
+  </p:cSld>
+  <p:clrMapOvr>
+    <a:masterClrMapping/>
+  </p:clrMapOvr>
+</p:sld>
+</file>
+
+<file path=ppt/slides/slide7.xml><?xml version="1.0" encoding="utf-8"?>
+<p:sld xmlns:a="http://schemas.openxmlformats.org/drawingml/2006/main" xmlns:r="http://schemas.openxmlformats.org/officeDocument/2006/relationships" xmlns:p="http://schemas.openxmlformats.org/presentationml/2006/main">
+  <p:cSld>
+    <p:spTree>
+      <p:nvGrpSpPr>
+        <p:cNvPr id="1" name=""/>
+        <p:cNvGrpSpPr/>
+        <p:nvPr/>
+      </p:nvGrpSpPr>
+      <p:grpSpPr>
+        <a:xfrm>
+          <a:off x="0" y="0"/>
+          <a:ext cx="0" cy="0"/>
+          <a:chOff x="0" y="0"/>
+          <a:chExt cx="0" cy="0"/>
+        </a:xfrm>
+      </p:grpSpPr>
+      <p:pic>
+        <p:nvPicPr>
+          <p:cNvPr id="2058" name="Picture 10" descr="mariachi instrumento musical violin 1206385 PNG">
+            <a:extLst>
+              <a:ext uri="{FF2B5EF4-FFF2-40B4-BE49-F238E27FC236}">
+                <a16:creationId xmlns:a16="http://schemas.microsoft.com/office/drawing/2014/main" id="{EB1E333C-6B1B-490E-81CB-1E825FC86D8C}"/>
+              </a:ext>
+            </a:extLst>
+          </p:cNvPr>
+          <p:cNvPicPr>
+            <a:picLocks noChangeAspect="1" noChangeArrowheads="1"/>
+          </p:cNvPicPr>
+          <p:nvPr/>
+        </p:nvPicPr>
+        <p:blipFill>
+          <a:blip r:embed="rId2">
+            <a:extLst>
+              <a:ext uri="{28A0092B-C50C-407E-A947-70E740481C1C}">
+                <a14:useLocalDpi xmlns:a14="http://schemas.microsoft.com/office/drawing/2010/main" val="0"/>
+              </a:ext>
+            </a:extLst>
+          </a:blip>
+          <a:srcRect/>
+          <a:stretch>
+            <a:fillRect/>
+          </a:stretch>
+        </p:blipFill>
+        <p:spPr bwMode="auto">
+          <a:xfrm rot="1131174">
+            <a:off x="2663916" y="3795400"/>
+            <a:ext cx="972562" cy="1564792"/>
+          </a:xfrm>
+          <a:prstGeom prst="rect">
+            <a:avLst/>
+          </a:prstGeom>
+          <a:noFill/>
+          <a:extLst>
+            <a:ext uri="{909E8E84-426E-40DD-AFC4-6F175D3DCCD1}">
+              <a14:hiddenFill xmlns:a14="http://schemas.microsoft.com/office/drawing/2010/main">
+                <a:solidFill>
+                  <a:srgbClr val="FFFFFF"/>
+                </a:solidFill>
+              </a14:hiddenFill>
+            </a:ext>
+          </a:extLst>
+        </p:spPr>
+      </p:pic>
+      <p:pic>
+        <p:nvPicPr>
+          <p:cNvPr id="2074" name="Picture 26" descr="Maracas | Club Penguin Wiki | Fandom">
+            <a:extLst>
+              <a:ext uri="{FF2B5EF4-FFF2-40B4-BE49-F238E27FC236}">
+                <a16:creationId xmlns:a16="http://schemas.microsoft.com/office/drawing/2014/main" id="{2B556D2F-3F83-4837-A45F-E2E28860A7A3}"/>
+              </a:ext>
+            </a:extLst>
+          </p:cNvPr>
+          <p:cNvPicPr>
+            <a:picLocks noChangeAspect="1" noChangeArrowheads="1"/>
+          </p:cNvPicPr>
+          <p:nvPr/>
+        </p:nvPicPr>
+        <p:blipFill>
+          <a:blip r:embed="rId3">
+            <a:extLst>
+              <a:ext uri="{28A0092B-C50C-407E-A947-70E740481C1C}">
+                <a14:useLocalDpi xmlns:a14="http://schemas.microsoft.com/office/drawing/2010/main" val="0"/>
+              </a:ext>
+            </a:extLst>
+          </a:blip>
+          <a:srcRect/>
+          <a:stretch>
+            <a:fillRect/>
+          </a:stretch>
+        </p:blipFill>
+        <p:spPr bwMode="auto">
+          <a:xfrm>
+            <a:off x="6042789" y="3984340"/>
+            <a:ext cx="1300957" cy="1543993"/>
+          </a:xfrm>
+          <a:prstGeom prst="rect">
+            <a:avLst/>
+          </a:prstGeom>
+          <a:noFill/>
+          <a:extLst>
+            <a:ext uri="{909E8E84-426E-40DD-AFC4-6F175D3DCCD1}">
+              <a14:hiddenFill xmlns:a14="http://schemas.microsoft.com/office/drawing/2010/main">
+                <a:solidFill>
+                  <a:srgbClr val="FFFFFF"/>
+                </a:solidFill>
+              </a14:hiddenFill>
+            </a:ext>
+          </a:extLst>
+        </p:spPr>
+      </p:pic>
+      <p:sp>
+        <p:nvSpPr>
+          <p:cNvPr id="15" name="CuadroTexto 14">
+            <a:extLst>
+              <a:ext uri="{FF2B5EF4-FFF2-40B4-BE49-F238E27FC236}">
+                <a16:creationId xmlns:a16="http://schemas.microsoft.com/office/drawing/2014/main" id="{9BF236B2-4BF6-4CD8-85FB-2C39AAE5C68C}"/>
+              </a:ext>
+            </a:extLst>
+          </p:cNvPr>
+          <p:cNvSpPr txBox="1"/>
+          <p:nvPr/>
+        </p:nvSpPr>
+        <p:spPr>
+          <a:xfrm>
+            <a:off x="3486037" y="2873660"/>
+            <a:ext cx="2674039" cy="646331"/>
+          </a:xfrm>
+          <a:prstGeom prst="rect">
+            <a:avLst/>
+          </a:prstGeom>
+          <a:noFill/>
+        </p:spPr>
+        <p:txBody>
+          <a:bodyPr wrap="square" rtlCol="0">
+            <a:spAutoFit/>
+          </a:bodyPr>
+          <a:lstStyle/>
+          <a:p>
+            <a:pPr algn="ctr"/>
+            <a:r>
+              <a:rPr lang="es-MX" dirty="0"/>
+              <a:t>¿ tiene cuerda?</a:t>
+            </a:r>
+          </a:p>
+          <a:p>
+            <a:pPr algn="ctr"/>
+            <a:r>
+              <a:rPr lang="es-MX" dirty="0"/>
+              <a:t>si</a:t>
+            </a:r>
+            <a:endParaRPr lang="es-PE" dirty="0"/>
+          </a:p>
+        </p:txBody>
+      </p:sp>
+    </p:spTree>
+    <p:extLst>
+      <p:ext uri="{BB962C8B-B14F-4D97-AF65-F5344CB8AC3E}">
+        <p14:creationId xmlns:p14="http://schemas.microsoft.com/office/powerpoint/2010/main" val="2619839619"/>
+      </p:ext>
+    </p:extLst>
+  </p:cSld>
+  <p:clrMapOvr>
+    <a:masterClrMapping/>
+  </p:clrMapOvr>
+</p:sld>
+</file>
+
+<file path=ppt/slides/slide8.xml><?xml version="1.0" encoding="utf-8"?>
+<p:sld xmlns:a="http://schemas.openxmlformats.org/drawingml/2006/main" xmlns:r="http://schemas.openxmlformats.org/officeDocument/2006/relationships" xmlns:p="http://schemas.openxmlformats.org/presentationml/2006/main">
+  <p:cSld>
+    <p:spTree>
+      <p:nvGrpSpPr>
+        <p:cNvPr id="1" name=""/>
+        <p:cNvGrpSpPr/>
+        <p:nvPr/>
+      </p:nvGrpSpPr>
+      <p:grpSpPr>
+        <a:xfrm>
+          <a:off x="0" y="0"/>
+          <a:ext cx="0" cy="0"/>
+          <a:chOff x="0" y="0"/>
+          <a:chExt cx="0" cy="0"/>
+        </a:xfrm>
+      </p:grpSpPr>
+      <p:pic>
+        <p:nvPicPr>
+          <p:cNvPr id="2058" name="Picture 10" descr="mariachi instrumento musical violin 1206385 PNG">
+            <a:extLst>
+              <a:ext uri="{FF2B5EF4-FFF2-40B4-BE49-F238E27FC236}">
+                <a16:creationId xmlns:a16="http://schemas.microsoft.com/office/drawing/2014/main" id="{EB1E333C-6B1B-490E-81CB-1E825FC86D8C}"/>
+              </a:ext>
+            </a:extLst>
+          </p:cNvPr>
+          <p:cNvPicPr>
+            <a:picLocks noChangeAspect="1" noChangeArrowheads="1"/>
+          </p:cNvPicPr>
+          <p:nvPr/>
+        </p:nvPicPr>
+        <p:blipFill>
+          <a:blip r:embed="rId2">
+            <a:extLst>
+              <a:ext uri="{28A0092B-C50C-407E-A947-70E740481C1C}">
+                <a14:useLocalDpi xmlns:a14="http://schemas.microsoft.com/office/drawing/2010/main" val="0"/>
+              </a:ext>
+            </a:extLst>
+          </a:blip>
+          <a:srcRect/>
+          <a:stretch>
+            <a:fillRect/>
+          </a:stretch>
+        </p:blipFill>
+        <p:spPr bwMode="auto">
+          <a:xfrm rot="1131174">
+            <a:off x="3315432" y="1236670"/>
+            <a:ext cx="2294140" cy="3691129"/>
+          </a:xfrm>
+          <a:prstGeom prst="rect">
+            <a:avLst/>
+          </a:prstGeom>
+          <a:noFill/>
+          <a:extLst>
+            <a:ext uri="{909E8E84-426E-40DD-AFC4-6F175D3DCCD1}">
+              <a14:hiddenFill xmlns:a14="http://schemas.microsoft.com/office/drawing/2010/main">
+                <a:solidFill>
+                  <a:srgbClr val="FFFFFF"/>
+                </a:solidFill>
+              </a14:hiddenFill>
+            </a:ext>
+          </a:extLst>
+        </p:spPr>
+      </p:pic>
+    </p:spTree>
+    <p:extLst>
+      <p:ext uri="{BB962C8B-B14F-4D97-AF65-F5344CB8AC3E}">
+        <p14:creationId xmlns:p14="http://schemas.microsoft.com/office/powerpoint/2010/main" val="442628962"/>
+      </p:ext>
+    </p:extLst>
+  </p:cSld>
+  <p:clrMapOvr>
+    <a:masterClrMapping/>
+  </p:clrMapOvr>
+</p:sld>
+</file>
+
+<file path=ppt/slides/slide9.xml><?xml version="1.0" encoding="utf-8"?>
 <p:sld xmlns:a="http://schemas.openxmlformats.org/drawingml/2006/main" xmlns:r="http://schemas.openxmlformats.org/officeDocument/2006/relationships" xmlns:p="http://schemas.openxmlformats.org/presentationml/2006/main">
   <p:cSld>
     <p:spTree>

--- a/DICOTOMIZADOR IERATIVO  ID3.pptx
+++ b/DICOTOMIZADOR IERATIVO  ID3.pptx
@@ -13,7 +13,8 @@
     <p:sldId id="265" r:id="rId7"/>
     <p:sldId id="264" r:id="rId8"/>
     <p:sldId id="266" r:id="rId9"/>
-    <p:sldId id="257" r:id="rId10"/>
+    <p:sldId id="267" r:id="rId10"/>
+    <p:sldId id="257" r:id="rId11"/>
   </p:sldIdLst>
   <p:sldSz cx="9906000" cy="6858000" type="A4"/>
   <p:notesSz cx="6858000" cy="9144000"/>
@@ -6699,10 +6700,1220 @@
           </a:p>
         </p:txBody>
       </p:sp>
+      <p:pic>
+        <p:nvPicPr>
+          <p:cNvPr id="6" name="Imagen 5">
+            <a:extLst>
+              <a:ext uri="{FF2B5EF4-FFF2-40B4-BE49-F238E27FC236}">
+                <a16:creationId xmlns:a16="http://schemas.microsoft.com/office/drawing/2014/main" id="{9A93078D-29D3-46D6-AEEA-2B42D43BCD04}"/>
+              </a:ext>
+            </a:extLst>
+          </p:cNvPr>
+          <p:cNvPicPr>
+            <a:picLocks noChangeAspect="1"/>
+          </p:cNvPicPr>
+          <p:nvPr/>
+        </p:nvPicPr>
+        <p:blipFill>
+          <a:blip r:embed="rId13"/>
+          <a:stretch>
+            <a:fillRect/>
+          </a:stretch>
+        </p:blipFill>
+        <p:spPr>
+          <a:xfrm>
+            <a:off x="7928524" y="1963591"/>
+            <a:ext cx="1905000" cy="1905000"/>
+          </a:xfrm>
+          <a:prstGeom prst="rect">
+            <a:avLst/>
+          </a:prstGeom>
+        </p:spPr>
+      </p:pic>
+      <p:pic>
+        <p:nvPicPr>
+          <p:cNvPr id="6146" name="Picture 2" descr="X PNG para descargar gratis">
+            <a:extLst>
+              <a:ext uri="{FF2B5EF4-FFF2-40B4-BE49-F238E27FC236}">
+                <a16:creationId xmlns:a16="http://schemas.microsoft.com/office/drawing/2014/main" id="{9AA78A2B-0DA2-4A14-939F-6BFB7018E68A}"/>
+              </a:ext>
+            </a:extLst>
+          </p:cNvPr>
+          <p:cNvPicPr>
+            <a:picLocks noChangeAspect="1" noChangeArrowheads="1"/>
+          </p:cNvPicPr>
+          <p:nvPr/>
+        </p:nvPicPr>
+        <p:blipFill>
+          <a:blip r:embed="rId14">
+            <a:extLst>
+              <a:ext uri="{28A0092B-C50C-407E-A947-70E740481C1C}">
+                <a14:useLocalDpi xmlns:a14="http://schemas.microsoft.com/office/drawing/2010/main" val="0"/>
+              </a:ext>
+            </a:extLst>
+          </a:blip>
+          <a:srcRect/>
+          <a:stretch>
+            <a:fillRect/>
+          </a:stretch>
+        </p:blipFill>
+        <p:spPr bwMode="auto">
+          <a:xfrm>
+            <a:off x="7311765" y="5068086"/>
+            <a:ext cx="1905000" cy="1905000"/>
+          </a:xfrm>
+          <a:prstGeom prst="rect">
+            <a:avLst/>
+          </a:prstGeom>
+          <a:noFill/>
+          <a:extLst>
+            <a:ext uri="{909E8E84-426E-40DD-AFC4-6F175D3DCCD1}">
+              <a14:hiddenFill xmlns:a14="http://schemas.microsoft.com/office/drawing/2010/main">
+                <a:solidFill>
+                  <a:srgbClr val="FFFFFF"/>
+                </a:solidFill>
+              </a14:hiddenFill>
+            </a:ext>
+          </a:extLst>
+        </p:spPr>
+      </p:pic>
     </p:spTree>
     <p:extLst>
       <p:ext uri="{BB962C8B-B14F-4D97-AF65-F5344CB8AC3E}">
         <p14:creationId xmlns:p14="http://schemas.microsoft.com/office/powerpoint/2010/main" val="3466856519"/>
+      </p:ext>
+    </p:extLst>
+  </p:cSld>
+  <p:clrMapOvr>
+    <a:masterClrMapping/>
+  </p:clrMapOvr>
+  <p:timing>
+    <p:tnLst>
+      <p:par>
+        <p:cTn id="1" dur="indefinite" restart="never" nodeType="tmRoot">
+          <p:childTnLst>
+            <p:seq concurrent="1" nextAc="seek">
+              <p:cTn id="2" dur="indefinite" nodeType="mainSeq">
+                <p:childTnLst>
+                  <p:par>
+                    <p:cTn id="3" fill="hold">
+                      <p:stCondLst>
+                        <p:cond delay="indefinite"/>
+                      </p:stCondLst>
+                      <p:childTnLst>
+                        <p:par>
+                          <p:cTn id="4" fill="hold">
+                            <p:stCondLst>
+                              <p:cond delay="0"/>
+                            </p:stCondLst>
+                            <p:childTnLst>
+                              <p:par>
+                                <p:cTn id="5" presetID="31" presetClass="entr" presetSubtype="0" fill="hold" nodeType="clickEffect">
+                                  <p:stCondLst>
+                                    <p:cond delay="0"/>
+                                  </p:stCondLst>
+                                  <p:childTnLst>
+                                    <p:set>
+                                      <p:cBhvr>
+                                        <p:cTn id="6" dur="1" fill="hold">
+                                          <p:stCondLst>
+                                            <p:cond delay="0"/>
+                                          </p:stCondLst>
+                                        </p:cTn>
+                                        <p:tgtEl>
+                                          <p:spTgt spid="6"/>
+                                        </p:tgtEl>
+                                        <p:attrNameLst>
+                                          <p:attrName>style.visibility</p:attrName>
+                                        </p:attrNameLst>
+                                      </p:cBhvr>
+                                      <p:to>
+                                        <p:strVal val="visible"/>
+                                      </p:to>
+                                    </p:set>
+                                    <p:anim calcmode="lin" valueType="num">
+                                      <p:cBhvr>
+                                        <p:cTn id="7" dur="1000" fill="hold"/>
+                                        <p:tgtEl>
+                                          <p:spTgt spid="6"/>
+                                        </p:tgtEl>
+                                        <p:attrNameLst>
+                                          <p:attrName>ppt_w</p:attrName>
+                                        </p:attrNameLst>
+                                      </p:cBhvr>
+                                      <p:tavLst>
+                                        <p:tav tm="0">
+                                          <p:val>
+                                            <p:fltVal val="0"/>
+                                          </p:val>
+                                        </p:tav>
+                                        <p:tav tm="100000">
+                                          <p:val>
+                                            <p:strVal val="#ppt_w"/>
+                                          </p:val>
+                                        </p:tav>
+                                      </p:tavLst>
+                                    </p:anim>
+                                    <p:anim calcmode="lin" valueType="num">
+                                      <p:cBhvr>
+                                        <p:cTn id="8" dur="1000" fill="hold"/>
+                                        <p:tgtEl>
+                                          <p:spTgt spid="6"/>
+                                        </p:tgtEl>
+                                        <p:attrNameLst>
+                                          <p:attrName>ppt_h</p:attrName>
+                                        </p:attrNameLst>
+                                      </p:cBhvr>
+                                      <p:tavLst>
+                                        <p:tav tm="0">
+                                          <p:val>
+                                            <p:fltVal val="0"/>
+                                          </p:val>
+                                        </p:tav>
+                                        <p:tav tm="100000">
+                                          <p:val>
+                                            <p:strVal val="#ppt_h"/>
+                                          </p:val>
+                                        </p:tav>
+                                      </p:tavLst>
+                                    </p:anim>
+                                    <p:anim calcmode="lin" valueType="num">
+                                      <p:cBhvr>
+                                        <p:cTn id="9" dur="1000" fill="hold"/>
+                                        <p:tgtEl>
+                                          <p:spTgt spid="6"/>
+                                        </p:tgtEl>
+                                        <p:attrNameLst>
+                                          <p:attrName>style.rotation</p:attrName>
+                                        </p:attrNameLst>
+                                      </p:cBhvr>
+                                      <p:tavLst>
+                                        <p:tav tm="0">
+                                          <p:val>
+                                            <p:fltVal val="90"/>
+                                          </p:val>
+                                        </p:tav>
+                                        <p:tav tm="100000">
+                                          <p:val>
+                                            <p:fltVal val="0"/>
+                                          </p:val>
+                                        </p:tav>
+                                      </p:tavLst>
+                                    </p:anim>
+                                    <p:animEffect transition="in" filter="fade">
+                                      <p:cBhvr>
+                                        <p:cTn id="10" dur="1000"/>
+                                        <p:tgtEl>
+                                          <p:spTgt spid="6"/>
+                                        </p:tgtEl>
+                                      </p:cBhvr>
+                                    </p:animEffect>
+                                  </p:childTnLst>
+                                </p:cTn>
+                              </p:par>
+                            </p:childTnLst>
+                          </p:cTn>
+                        </p:par>
+                      </p:childTnLst>
+                    </p:cTn>
+                  </p:par>
+                  <p:par>
+                    <p:cTn id="11" fill="hold">
+                      <p:stCondLst>
+                        <p:cond delay="indefinite"/>
+                      </p:stCondLst>
+                      <p:childTnLst>
+                        <p:par>
+                          <p:cTn id="12" fill="hold">
+                            <p:stCondLst>
+                              <p:cond delay="0"/>
+                            </p:stCondLst>
+                            <p:childTnLst>
+                              <p:par>
+                                <p:cTn id="13" presetID="31" presetClass="entr" presetSubtype="0" fill="hold" nodeType="clickEffect">
+                                  <p:stCondLst>
+                                    <p:cond delay="0"/>
+                                  </p:stCondLst>
+                                  <p:childTnLst>
+                                    <p:set>
+                                      <p:cBhvr>
+                                        <p:cTn id="14" dur="1" fill="hold">
+                                          <p:stCondLst>
+                                            <p:cond delay="0"/>
+                                          </p:stCondLst>
+                                        </p:cTn>
+                                        <p:tgtEl>
+                                          <p:spTgt spid="6146"/>
+                                        </p:tgtEl>
+                                        <p:attrNameLst>
+                                          <p:attrName>style.visibility</p:attrName>
+                                        </p:attrNameLst>
+                                      </p:cBhvr>
+                                      <p:to>
+                                        <p:strVal val="visible"/>
+                                      </p:to>
+                                    </p:set>
+                                    <p:anim calcmode="lin" valueType="num">
+                                      <p:cBhvr>
+                                        <p:cTn id="15" dur="1000" fill="hold"/>
+                                        <p:tgtEl>
+                                          <p:spTgt spid="6146"/>
+                                        </p:tgtEl>
+                                        <p:attrNameLst>
+                                          <p:attrName>ppt_w</p:attrName>
+                                        </p:attrNameLst>
+                                      </p:cBhvr>
+                                      <p:tavLst>
+                                        <p:tav tm="0">
+                                          <p:val>
+                                            <p:fltVal val="0"/>
+                                          </p:val>
+                                        </p:tav>
+                                        <p:tav tm="100000">
+                                          <p:val>
+                                            <p:strVal val="#ppt_w"/>
+                                          </p:val>
+                                        </p:tav>
+                                      </p:tavLst>
+                                    </p:anim>
+                                    <p:anim calcmode="lin" valueType="num">
+                                      <p:cBhvr>
+                                        <p:cTn id="16" dur="1000" fill="hold"/>
+                                        <p:tgtEl>
+                                          <p:spTgt spid="6146"/>
+                                        </p:tgtEl>
+                                        <p:attrNameLst>
+                                          <p:attrName>ppt_h</p:attrName>
+                                        </p:attrNameLst>
+                                      </p:cBhvr>
+                                      <p:tavLst>
+                                        <p:tav tm="0">
+                                          <p:val>
+                                            <p:fltVal val="0"/>
+                                          </p:val>
+                                        </p:tav>
+                                        <p:tav tm="100000">
+                                          <p:val>
+                                            <p:strVal val="#ppt_h"/>
+                                          </p:val>
+                                        </p:tav>
+                                      </p:tavLst>
+                                    </p:anim>
+                                    <p:anim calcmode="lin" valueType="num">
+                                      <p:cBhvr>
+                                        <p:cTn id="17" dur="1000" fill="hold"/>
+                                        <p:tgtEl>
+                                          <p:spTgt spid="6146"/>
+                                        </p:tgtEl>
+                                        <p:attrNameLst>
+                                          <p:attrName>style.rotation</p:attrName>
+                                        </p:attrNameLst>
+                                      </p:cBhvr>
+                                      <p:tavLst>
+                                        <p:tav tm="0">
+                                          <p:val>
+                                            <p:fltVal val="90"/>
+                                          </p:val>
+                                        </p:tav>
+                                        <p:tav tm="100000">
+                                          <p:val>
+                                            <p:fltVal val="0"/>
+                                          </p:val>
+                                        </p:tav>
+                                      </p:tavLst>
+                                    </p:anim>
+                                    <p:animEffect transition="in" filter="fade">
+                                      <p:cBhvr>
+                                        <p:cTn id="18" dur="1000"/>
+                                        <p:tgtEl>
+                                          <p:spTgt spid="6146"/>
+                                        </p:tgtEl>
+                                      </p:cBhvr>
+                                    </p:animEffect>
+                                  </p:childTnLst>
+                                </p:cTn>
+                              </p:par>
+                            </p:childTnLst>
+                          </p:cTn>
+                        </p:par>
+                      </p:childTnLst>
+                    </p:cTn>
+                  </p:par>
+                </p:childTnLst>
+              </p:cTn>
+              <p:prevCondLst>
+                <p:cond evt="onPrev" delay="0">
+                  <p:tgtEl>
+                    <p:sldTgt/>
+                  </p:tgtEl>
+                </p:cond>
+              </p:prevCondLst>
+              <p:nextCondLst>
+                <p:cond evt="onNext" delay="0">
+                  <p:tgtEl>
+                    <p:sldTgt/>
+                  </p:tgtEl>
+                </p:cond>
+              </p:nextCondLst>
+            </p:seq>
+          </p:childTnLst>
+        </p:cTn>
+      </p:par>
+    </p:tnLst>
+  </p:timing>
+</p:sld>
+</file>
+
+<file path=ppt/slides/slide10.xml><?xml version="1.0" encoding="utf-8"?>
+<p:sld xmlns:a="http://schemas.openxmlformats.org/drawingml/2006/main" xmlns:r="http://schemas.openxmlformats.org/officeDocument/2006/relationships" xmlns:p="http://schemas.openxmlformats.org/presentationml/2006/main">
+  <p:cSld>
+    <p:spTree>
+      <p:nvGrpSpPr>
+        <p:cNvPr id="1" name=""/>
+        <p:cNvGrpSpPr/>
+        <p:nvPr/>
+      </p:nvGrpSpPr>
+      <p:grpSpPr>
+        <a:xfrm>
+          <a:off x="0" y="0"/>
+          <a:ext cx="0" cy="0"/>
+          <a:chOff x="0" y="0"/>
+          <a:chExt cx="0" cy="0"/>
+        </a:xfrm>
+      </p:grpSpPr>
+      <p:pic>
+        <p:nvPicPr>
+          <p:cNvPr id="2052" name="Picture 4" descr="Batería (instrumento musical) - Wikipedia, la enciclopedia libre">
+            <a:extLst>
+              <a:ext uri="{FF2B5EF4-FFF2-40B4-BE49-F238E27FC236}">
+                <a16:creationId xmlns:a16="http://schemas.microsoft.com/office/drawing/2014/main" id="{995B82D8-ED8F-40FD-982D-AFA104D7B10B}"/>
+              </a:ext>
+            </a:extLst>
+          </p:cNvPr>
+          <p:cNvPicPr>
+            <a:picLocks noChangeAspect="1" noChangeArrowheads="1"/>
+          </p:cNvPicPr>
+          <p:nvPr/>
+        </p:nvPicPr>
+        <p:blipFill>
+          <a:blip r:embed="rId2">
+            <a:lum bright="70000" contrast="-70000"/>
+            <a:extLst>
+              <a:ext uri="{28A0092B-C50C-407E-A947-70E740481C1C}">
+                <a14:useLocalDpi xmlns:a14="http://schemas.microsoft.com/office/drawing/2010/main" val="0"/>
+              </a:ext>
+            </a:extLst>
+          </a:blip>
+          <a:srcRect/>
+          <a:stretch>
+            <a:fillRect/>
+          </a:stretch>
+        </p:blipFill>
+        <p:spPr bwMode="auto">
+          <a:xfrm>
+            <a:off x="7361831" y="2998803"/>
+            <a:ext cx="2288209" cy="1727598"/>
+          </a:xfrm>
+          <a:prstGeom prst="rect">
+            <a:avLst/>
+          </a:prstGeom>
+          <a:noFill/>
+          <a:extLst>
+            <a:ext uri="{909E8E84-426E-40DD-AFC4-6F175D3DCCD1}">
+              <a14:hiddenFill xmlns:a14="http://schemas.microsoft.com/office/drawing/2010/main">
+                <a:solidFill>
+                  <a:srgbClr val="FFFFFF"/>
+                </a:solidFill>
+              </a14:hiddenFill>
+            </a:ext>
+          </a:extLst>
+        </p:spPr>
+      </p:pic>
+      <p:pic>
+        <p:nvPicPr>
+          <p:cNvPr id="2058" name="Picture 10" descr="mariachi instrumento musical violin 1206385 PNG">
+            <a:extLst>
+              <a:ext uri="{FF2B5EF4-FFF2-40B4-BE49-F238E27FC236}">
+                <a16:creationId xmlns:a16="http://schemas.microsoft.com/office/drawing/2014/main" id="{EB1E333C-6B1B-490E-81CB-1E825FC86D8C}"/>
+              </a:ext>
+            </a:extLst>
+          </p:cNvPr>
+          <p:cNvPicPr>
+            <a:picLocks noChangeAspect="1" noChangeArrowheads="1"/>
+          </p:cNvPicPr>
+          <p:nvPr/>
+        </p:nvPicPr>
+        <p:blipFill>
+          <a:blip r:embed="rId3">
+            <a:extLst>
+              <a:ext uri="{28A0092B-C50C-407E-A947-70E740481C1C}">
+                <a14:useLocalDpi xmlns:a14="http://schemas.microsoft.com/office/drawing/2010/main" val="0"/>
+              </a:ext>
+            </a:extLst>
+          </a:blip>
+          <a:srcRect/>
+          <a:stretch>
+            <a:fillRect/>
+          </a:stretch>
+        </p:blipFill>
+        <p:spPr bwMode="auto">
+          <a:xfrm rot="1131174">
+            <a:off x="570536" y="380052"/>
+            <a:ext cx="1078765" cy="1735667"/>
+          </a:xfrm>
+          <a:prstGeom prst="rect">
+            <a:avLst/>
+          </a:prstGeom>
+          <a:noFill/>
+          <a:extLst>
+            <a:ext uri="{909E8E84-426E-40DD-AFC4-6F175D3DCCD1}">
+              <a14:hiddenFill xmlns:a14="http://schemas.microsoft.com/office/drawing/2010/main">
+                <a:solidFill>
+                  <a:srgbClr val="FFFFFF"/>
+                </a:solidFill>
+              </a14:hiddenFill>
+            </a:ext>
+          </a:extLst>
+        </p:spPr>
+      </p:pic>
+      <p:pic>
+        <p:nvPicPr>
+          <p:cNvPr id="2072" name="Picture 24">
+            <a:extLst>
+              <a:ext uri="{FF2B5EF4-FFF2-40B4-BE49-F238E27FC236}">
+                <a16:creationId xmlns:a16="http://schemas.microsoft.com/office/drawing/2014/main" id="{11C1434C-C96B-4ED9-BD96-BE2B57D9C6F7}"/>
+              </a:ext>
+            </a:extLst>
+          </p:cNvPr>
+          <p:cNvPicPr>
+            <a:picLocks noChangeAspect="1" noChangeArrowheads="1"/>
+          </p:cNvPicPr>
+          <p:nvPr/>
+        </p:nvPicPr>
+        <p:blipFill>
+          <a:blip r:embed="rId4">
+            <a:lum bright="70000" contrast="-70000"/>
+            <a:extLst>
+              <a:ext uri="{28A0092B-C50C-407E-A947-70E740481C1C}">
+                <a14:useLocalDpi xmlns:a14="http://schemas.microsoft.com/office/drawing/2010/main" val="0"/>
+              </a:ext>
+            </a:extLst>
+          </a:blip>
+          <a:srcRect/>
+          <a:stretch>
+            <a:fillRect/>
+          </a:stretch>
+        </p:blipFill>
+        <p:spPr bwMode="auto">
+          <a:xfrm>
+            <a:off x="2726775" y="5291441"/>
+            <a:ext cx="1416925" cy="1464732"/>
+          </a:xfrm>
+          <a:prstGeom prst="rect">
+            <a:avLst/>
+          </a:prstGeom>
+          <a:noFill/>
+          <a:extLst>
+            <a:ext uri="{909E8E84-426E-40DD-AFC4-6F175D3DCCD1}">
+              <a14:hiddenFill xmlns:a14="http://schemas.microsoft.com/office/drawing/2010/main">
+                <a:solidFill>
+                  <a:srgbClr val="FFFFFF"/>
+                </a:solidFill>
+              </a14:hiddenFill>
+            </a:ext>
+          </a:extLst>
+        </p:spPr>
+      </p:pic>
+      <p:pic>
+        <p:nvPicPr>
+          <p:cNvPr id="2074" name="Picture 26" descr="Maracas | Club Penguin Wiki | Fandom">
+            <a:extLst>
+              <a:ext uri="{FF2B5EF4-FFF2-40B4-BE49-F238E27FC236}">
+                <a16:creationId xmlns:a16="http://schemas.microsoft.com/office/drawing/2014/main" id="{2B556D2F-3F83-4837-A45F-E2E28860A7A3}"/>
+              </a:ext>
+            </a:extLst>
+          </p:cNvPr>
+          <p:cNvPicPr>
+            <a:picLocks noChangeAspect="1" noChangeArrowheads="1"/>
+          </p:cNvPicPr>
+          <p:nvPr/>
+        </p:nvPicPr>
+        <p:blipFill>
+          <a:blip r:embed="rId5">
+            <a:lum bright="70000" contrast="-70000"/>
+            <a:extLst>
+              <a:ext uri="{28A0092B-C50C-407E-A947-70E740481C1C}">
+                <a14:useLocalDpi xmlns:a14="http://schemas.microsoft.com/office/drawing/2010/main" val="0"/>
+              </a:ext>
+            </a:extLst>
+          </a:blip>
+          <a:srcRect/>
+          <a:stretch>
+            <a:fillRect/>
+          </a:stretch>
+        </p:blipFill>
+        <p:spPr bwMode="auto">
+          <a:xfrm>
+            <a:off x="169761" y="3449287"/>
+            <a:ext cx="1300957" cy="1543993"/>
+          </a:xfrm>
+          <a:prstGeom prst="rect">
+            <a:avLst/>
+          </a:prstGeom>
+          <a:noFill/>
+          <a:extLst>
+            <a:ext uri="{909E8E84-426E-40DD-AFC4-6F175D3DCCD1}">
+              <a14:hiddenFill xmlns:a14="http://schemas.microsoft.com/office/drawing/2010/main">
+                <a:solidFill>
+                  <a:srgbClr val="FFFFFF"/>
+                </a:solidFill>
+              </a14:hiddenFill>
+            </a:ext>
+          </a:extLst>
+        </p:spPr>
+      </p:pic>
+      <p:sp>
+        <p:nvSpPr>
+          <p:cNvPr id="4" name="CuadroTexto 3">
+            <a:extLst>
+              <a:ext uri="{FF2B5EF4-FFF2-40B4-BE49-F238E27FC236}">
+                <a16:creationId xmlns:a16="http://schemas.microsoft.com/office/drawing/2014/main" id="{44CBE067-DFBA-41BC-B17D-1D5856298F98}"/>
+              </a:ext>
+            </a:extLst>
+          </p:cNvPr>
+          <p:cNvSpPr txBox="1"/>
+          <p:nvPr/>
+        </p:nvSpPr>
+        <p:spPr>
+          <a:xfrm>
+            <a:off x="3256223" y="332176"/>
+            <a:ext cx="2414693" cy="646331"/>
+          </a:xfrm>
+          <a:prstGeom prst="rect">
+            <a:avLst/>
+          </a:prstGeom>
+          <a:noFill/>
+        </p:spPr>
+        <p:txBody>
+          <a:bodyPr wrap="square" rtlCol="0">
+            <a:spAutoFit/>
+          </a:bodyPr>
+          <a:lstStyle/>
+          <a:p>
+            <a:pPr algn="ctr"/>
+            <a:r>
+              <a:rPr lang="es-MX" dirty="0"/>
+              <a:t>¿ es un objeto o animal?</a:t>
+            </a:r>
+          </a:p>
+          <a:p>
+            <a:pPr algn="ctr"/>
+            <a:r>
+              <a:rPr lang="es-MX" dirty="0"/>
+              <a:t>Si es un objeto</a:t>
+            </a:r>
+            <a:endParaRPr lang="es-PE" dirty="0"/>
+          </a:p>
+        </p:txBody>
+      </p:sp>
+      <p:pic>
+        <p:nvPicPr>
+          <p:cNvPr id="18" name="Picture 6" descr="Tractores Agrícolas | John Deere LA">
+            <a:extLst>
+              <a:ext uri="{FF2B5EF4-FFF2-40B4-BE49-F238E27FC236}">
+                <a16:creationId xmlns:a16="http://schemas.microsoft.com/office/drawing/2014/main" id="{D34156E1-5FE8-481F-8F41-E55409C007F4}"/>
+              </a:ext>
+            </a:extLst>
+          </p:cNvPr>
+          <p:cNvPicPr>
+            <a:picLocks noChangeAspect="1" noChangeArrowheads="1"/>
+          </p:cNvPicPr>
+          <p:nvPr/>
+        </p:nvPicPr>
+        <p:blipFill>
+          <a:blip r:embed="rId6">
+            <a:lum bright="70000" contrast="-70000"/>
+            <a:extLst>
+              <a:ext uri="{28A0092B-C50C-407E-A947-70E740481C1C}">
+                <a14:useLocalDpi xmlns:a14="http://schemas.microsoft.com/office/drawing/2010/main" val="0"/>
+              </a:ext>
+            </a:extLst>
+          </a:blip>
+          <a:srcRect/>
+          <a:stretch>
+            <a:fillRect/>
+          </a:stretch>
+        </p:blipFill>
+        <p:spPr bwMode="auto">
+          <a:xfrm>
+            <a:off x="7738533" y="1247885"/>
+            <a:ext cx="2021457" cy="1459045"/>
+          </a:xfrm>
+          <a:prstGeom prst="rect">
+            <a:avLst/>
+          </a:prstGeom>
+          <a:noFill/>
+          <a:extLst>
+            <a:ext uri="{909E8E84-426E-40DD-AFC4-6F175D3DCCD1}">
+              <a14:hiddenFill xmlns:a14="http://schemas.microsoft.com/office/drawing/2010/main">
+                <a:solidFill>
+                  <a:srgbClr val="FFFFFF"/>
+                </a:solidFill>
+              </a14:hiddenFill>
+            </a:ext>
+          </a:extLst>
+        </p:spPr>
+      </p:pic>
+      <p:pic>
+        <p:nvPicPr>
+          <p:cNvPr id="2076" name="Picture 28" descr="dormido hora objetos acortar Arte dibujos animados alarma reloj 24996848 PNG">
+            <a:extLst>
+              <a:ext uri="{FF2B5EF4-FFF2-40B4-BE49-F238E27FC236}">
+                <a16:creationId xmlns:a16="http://schemas.microsoft.com/office/drawing/2014/main" id="{D2530CFB-65F0-4EB3-AC1B-7229C82890B3}"/>
+              </a:ext>
+            </a:extLst>
+          </p:cNvPr>
+          <p:cNvPicPr>
+            <a:picLocks noChangeAspect="1" noChangeArrowheads="1"/>
+          </p:cNvPicPr>
+          <p:nvPr/>
+        </p:nvPicPr>
+        <p:blipFill>
+          <a:blip r:embed="rId7">
+            <a:lum bright="70000" contrast="-70000"/>
+            <a:extLst>
+              <a:ext uri="{28A0092B-C50C-407E-A947-70E740481C1C}">
+                <a14:useLocalDpi xmlns:a14="http://schemas.microsoft.com/office/drawing/2010/main" val="0"/>
+              </a:ext>
+            </a:extLst>
+          </a:blip>
+          <a:srcRect/>
+          <a:stretch>
+            <a:fillRect/>
+          </a:stretch>
+        </p:blipFill>
+        <p:spPr bwMode="auto">
+          <a:xfrm>
+            <a:off x="4881768" y="4971933"/>
+            <a:ext cx="1761068" cy="1761068"/>
+          </a:xfrm>
+          <a:prstGeom prst="rect">
+            <a:avLst/>
+          </a:prstGeom>
+          <a:noFill/>
+          <a:extLst>
+            <a:ext uri="{909E8E84-426E-40DD-AFC4-6F175D3DCCD1}">
+              <a14:hiddenFill xmlns:a14="http://schemas.microsoft.com/office/drawing/2010/main">
+                <a:solidFill>
+                  <a:srgbClr val="FFFFFF"/>
+                </a:solidFill>
+              </a14:hiddenFill>
+            </a:ext>
+          </a:extLst>
+        </p:spPr>
+      </p:pic>
+      <p:pic>
+        <p:nvPicPr>
+          <p:cNvPr id="2078" name="Picture 30" descr="Toallas De Spa PNG, Vectores, PSD, e Clipart Para Descarga Gratuita -  Pngtree">
+            <a:extLst>
+              <a:ext uri="{FF2B5EF4-FFF2-40B4-BE49-F238E27FC236}">
+                <a16:creationId xmlns:a16="http://schemas.microsoft.com/office/drawing/2014/main" id="{77A9FEA2-BD44-4C4F-893D-9095252E1804}"/>
+              </a:ext>
+            </a:extLst>
+          </p:cNvPr>
+          <p:cNvPicPr>
+            <a:picLocks noChangeAspect="1" noChangeArrowheads="1"/>
+          </p:cNvPicPr>
+          <p:nvPr/>
+        </p:nvPicPr>
+        <p:blipFill>
+          <a:blip r:embed="rId8">
+            <a:lum bright="70000" contrast="-70000"/>
+            <a:extLst>
+              <a:ext uri="{28A0092B-C50C-407E-A947-70E740481C1C}">
+                <a14:useLocalDpi xmlns:a14="http://schemas.microsoft.com/office/drawing/2010/main" val="0"/>
+              </a:ext>
+            </a:extLst>
+          </a:blip>
+          <a:srcRect/>
+          <a:stretch>
+            <a:fillRect/>
+          </a:stretch>
+        </p:blipFill>
+        <p:spPr bwMode="auto">
+          <a:xfrm>
+            <a:off x="1400064" y="2310723"/>
+            <a:ext cx="1368973" cy="1026730"/>
+          </a:xfrm>
+          <a:prstGeom prst="rect">
+            <a:avLst/>
+          </a:prstGeom>
+          <a:noFill/>
+          <a:extLst>
+            <a:ext uri="{909E8E84-426E-40DD-AFC4-6F175D3DCCD1}">
+              <a14:hiddenFill xmlns:a14="http://schemas.microsoft.com/office/drawing/2010/main">
+                <a:solidFill>
+                  <a:srgbClr val="FFFFFF"/>
+                </a:solidFill>
+              </a14:hiddenFill>
+            </a:ext>
+          </a:extLst>
+        </p:spPr>
+      </p:pic>
+      <p:pic>
+        <p:nvPicPr>
+          <p:cNvPr id="2080" name="Picture 32" descr="Helado Suave Amarillo PNG ,dibujos Servicio Débil, Helado, Atender PNG  Imagen para Descarga Gratuita | Pngtree">
+            <a:extLst>
+              <a:ext uri="{FF2B5EF4-FFF2-40B4-BE49-F238E27FC236}">
+                <a16:creationId xmlns:a16="http://schemas.microsoft.com/office/drawing/2014/main" id="{15A867C7-E7DA-4E98-816D-5D2998CEEAF1}"/>
+              </a:ext>
+            </a:extLst>
+          </p:cNvPr>
+          <p:cNvPicPr>
+            <a:picLocks noChangeAspect="1" noChangeArrowheads="1"/>
+          </p:cNvPicPr>
+          <p:nvPr/>
+        </p:nvPicPr>
+        <p:blipFill>
+          <a:blip r:embed="rId9">
+            <a:lum bright="70000" contrast="-70000"/>
+            <a:extLst>
+              <a:ext uri="{28A0092B-C50C-407E-A947-70E740481C1C}">
+                <a14:useLocalDpi xmlns:a14="http://schemas.microsoft.com/office/drawing/2010/main" val="0"/>
+              </a:ext>
+            </a:extLst>
+          </a:blip>
+          <a:srcRect/>
+          <a:stretch>
+            <a:fillRect/>
+          </a:stretch>
+        </p:blipFill>
+        <p:spPr bwMode="auto">
+          <a:xfrm>
+            <a:off x="337723" y="4726401"/>
+            <a:ext cx="2252133" cy="2252133"/>
+          </a:xfrm>
+          <a:prstGeom prst="rect">
+            <a:avLst/>
+          </a:prstGeom>
+          <a:noFill/>
+          <a:extLst>
+            <a:ext uri="{909E8E84-426E-40DD-AFC4-6F175D3DCCD1}">
+              <a14:hiddenFill xmlns:a14="http://schemas.microsoft.com/office/drawing/2010/main">
+                <a:solidFill>
+                  <a:srgbClr val="FFFFFF"/>
+                </a:solidFill>
+              </a14:hiddenFill>
+            </a:ext>
+          </a:extLst>
+        </p:spPr>
+      </p:pic>
+      <p:pic>
+        <p:nvPicPr>
+          <p:cNvPr id="5" name="Imagen 4">
+            <a:extLst>
+              <a:ext uri="{FF2B5EF4-FFF2-40B4-BE49-F238E27FC236}">
+                <a16:creationId xmlns:a16="http://schemas.microsoft.com/office/drawing/2014/main" id="{2173F711-642A-43DB-8C92-EC2CC0FCE492}"/>
+              </a:ext>
+            </a:extLst>
+          </p:cNvPr>
+          <p:cNvPicPr>
+            <a:picLocks noChangeAspect="1"/>
+          </p:cNvPicPr>
+          <p:nvPr/>
+        </p:nvPicPr>
+        <p:blipFill>
+          <a:blip r:embed="rId10">
+            <a:lum bright="70000" contrast="-70000"/>
+          </a:blip>
+          <a:stretch>
+            <a:fillRect/>
+          </a:stretch>
+        </p:blipFill>
+        <p:spPr>
+          <a:xfrm>
+            <a:off x="1737606" y="3657867"/>
+            <a:ext cx="2148063" cy="1456733"/>
+          </a:xfrm>
+          <a:prstGeom prst="rect">
+            <a:avLst/>
+          </a:prstGeom>
+        </p:spPr>
+      </p:pic>
+      <p:pic>
+        <p:nvPicPr>
+          <p:cNvPr id="2082" name="Picture 34" descr="Más de 200 imágenes gratis de Puma y Naturaleza - Pixabay">
+            <a:extLst>
+              <a:ext uri="{FF2B5EF4-FFF2-40B4-BE49-F238E27FC236}">
+                <a16:creationId xmlns:a16="http://schemas.microsoft.com/office/drawing/2014/main" id="{B864A8CA-EC79-471C-B2A9-63EACBAC86DA}"/>
+              </a:ext>
+            </a:extLst>
+          </p:cNvPr>
+          <p:cNvPicPr>
+            <a:picLocks noChangeAspect="1" noChangeArrowheads="1"/>
+          </p:cNvPicPr>
+          <p:nvPr/>
+        </p:nvPicPr>
+        <p:blipFill>
+          <a:blip r:embed="rId11">
+            <a:lum bright="70000" contrast="-70000"/>
+            <a:extLst>
+              <a:ext uri="{28A0092B-C50C-407E-A947-70E740481C1C}">
+                <a14:useLocalDpi xmlns:a14="http://schemas.microsoft.com/office/drawing/2010/main" val="0"/>
+              </a:ext>
+            </a:extLst>
+          </a:blip>
+          <a:srcRect/>
+          <a:stretch>
+            <a:fillRect/>
+          </a:stretch>
+        </p:blipFill>
+        <p:spPr bwMode="auto">
+          <a:xfrm>
+            <a:off x="8040520" y="4937604"/>
+            <a:ext cx="1546438" cy="1761068"/>
+          </a:xfrm>
+          <a:prstGeom prst="rect">
+            <a:avLst/>
+          </a:prstGeom>
+          <a:extLst>
+            <a:ext uri="{909E8E84-426E-40DD-AFC4-6F175D3DCCD1}">
+              <a14:hiddenFill xmlns:a14="http://schemas.microsoft.com/office/drawing/2010/main">
+                <a:solidFill>
+                  <a:srgbClr val="FFFFFF"/>
+                </a:solidFill>
+              </a14:hiddenFill>
+            </a:ext>
+          </a:extLst>
+        </p:spPr>
+      </p:pic>
+      <p:pic>
+        <p:nvPicPr>
+          <p:cNvPr id="2084" name="Picture 36" descr="LOS ANIMALES DE LA GRANJA EN EI - Pictoeduca">
+            <a:extLst>
+              <a:ext uri="{FF2B5EF4-FFF2-40B4-BE49-F238E27FC236}">
+                <a16:creationId xmlns:a16="http://schemas.microsoft.com/office/drawing/2014/main" id="{14D91834-8D9E-4B92-891E-B58880899348}"/>
+              </a:ext>
+            </a:extLst>
+          </p:cNvPr>
+          <p:cNvPicPr>
+            <a:picLocks noChangeAspect="1" noChangeArrowheads="1"/>
+          </p:cNvPicPr>
+          <p:nvPr/>
+        </p:nvPicPr>
+        <p:blipFill>
+          <a:blip r:embed="rId12">
+            <a:lum bright="70000" contrast="-70000"/>
+            <a:extLst>
+              <a:ext uri="{28A0092B-C50C-407E-A947-70E740481C1C}">
+                <a14:useLocalDpi xmlns:a14="http://schemas.microsoft.com/office/drawing/2010/main" val="0"/>
+              </a:ext>
+            </a:extLst>
+          </a:blip>
+          <a:srcRect/>
+          <a:stretch>
+            <a:fillRect/>
+          </a:stretch>
+        </p:blipFill>
+        <p:spPr bwMode="auto">
+          <a:xfrm>
+            <a:off x="7009409" y="332176"/>
+            <a:ext cx="1680638" cy="1077434"/>
+          </a:xfrm>
+          <a:prstGeom prst="rect">
+            <a:avLst/>
+          </a:prstGeom>
+          <a:extLst>
+            <a:ext uri="{909E8E84-426E-40DD-AFC4-6F175D3DCCD1}">
+              <a14:hiddenFill xmlns:a14="http://schemas.microsoft.com/office/drawing/2010/main">
+                <a:solidFill>
+                  <a:srgbClr val="FFFFFF"/>
+                </a:solidFill>
+              </a14:hiddenFill>
+            </a:ext>
+          </a:extLst>
+        </p:spPr>
+      </p:pic>
+      <p:sp>
+        <p:nvSpPr>
+          <p:cNvPr id="26" name="CuadroTexto 25">
+            <a:extLst>
+              <a:ext uri="{FF2B5EF4-FFF2-40B4-BE49-F238E27FC236}">
+                <a16:creationId xmlns:a16="http://schemas.microsoft.com/office/drawing/2014/main" id="{C15FD58A-A29B-4F64-8C47-A3B83AD24760}"/>
+              </a:ext>
+            </a:extLst>
+          </p:cNvPr>
+          <p:cNvSpPr txBox="1"/>
+          <p:nvPr/>
+        </p:nvSpPr>
+        <p:spPr>
+          <a:xfrm>
+            <a:off x="3400157" y="1057548"/>
+            <a:ext cx="2414693" cy="646331"/>
+          </a:xfrm>
+          <a:prstGeom prst="rect">
+            <a:avLst/>
+          </a:prstGeom>
+          <a:noFill/>
+        </p:spPr>
+        <p:txBody>
+          <a:bodyPr wrap="square" rtlCol="0">
+            <a:spAutoFit/>
+          </a:bodyPr>
+          <a:lstStyle/>
+          <a:p>
+            <a:pPr algn="ctr"/>
+            <a:r>
+              <a:rPr lang="es-MX" dirty="0"/>
+              <a:t>¿ es suave o </a:t>
+            </a:r>
+            <a:r>
+              <a:rPr lang="es-MX" dirty="0" err="1"/>
+              <a:t>aspero</a:t>
+            </a:r>
+            <a:r>
+              <a:rPr lang="es-MX" dirty="0"/>
+              <a:t>?</a:t>
+            </a:r>
+          </a:p>
+          <a:p>
+            <a:pPr algn="ctr"/>
+            <a:r>
+              <a:rPr lang="es-MX" dirty="0"/>
+              <a:t>Es </a:t>
+            </a:r>
+            <a:r>
+              <a:rPr lang="es-MX" dirty="0" err="1"/>
+              <a:t>aspero</a:t>
+            </a:r>
+            <a:endParaRPr lang="es-PE" dirty="0"/>
+          </a:p>
+        </p:txBody>
+      </p:sp>
+      <p:sp>
+        <p:nvSpPr>
+          <p:cNvPr id="28" name="CuadroTexto 27">
+            <a:extLst>
+              <a:ext uri="{FF2B5EF4-FFF2-40B4-BE49-F238E27FC236}">
+                <a16:creationId xmlns:a16="http://schemas.microsoft.com/office/drawing/2014/main" id="{0AB1D748-9C50-47BA-829B-D20E6DE2E4C6}"/>
+              </a:ext>
+            </a:extLst>
+          </p:cNvPr>
+          <p:cNvSpPr txBox="1"/>
+          <p:nvPr/>
+        </p:nvSpPr>
+        <p:spPr>
+          <a:xfrm>
+            <a:off x="3270483" y="1711376"/>
+            <a:ext cx="2674039" cy="646331"/>
+          </a:xfrm>
+          <a:prstGeom prst="rect">
+            <a:avLst/>
+          </a:prstGeom>
+          <a:noFill/>
+        </p:spPr>
+        <p:txBody>
+          <a:bodyPr wrap="square" rtlCol="0">
+            <a:spAutoFit/>
+          </a:bodyPr>
+          <a:lstStyle/>
+          <a:p>
+            <a:pPr algn="ctr"/>
+            <a:r>
+              <a:rPr lang="es-MX" dirty="0"/>
+              <a:t>¿ su sonido es melodioso?</a:t>
+            </a:r>
+          </a:p>
+          <a:p>
+            <a:pPr algn="ctr"/>
+            <a:r>
+              <a:rPr lang="es-MX" dirty="0"/>
+              <a:t>si</a:t>
+            </a:r>
+            <a:endParaRPr lang="es-PE" dirty="0"/>
+          </a:p>
+        </p:txBody>
+      </p:sp>
+      <p:sp>
+        <p:nvSpPr>
+          <p:cNvPr id="29" name="CuadroTexto 28">
+            <a:extLst>
+              <a:ext uri="{FF2B5EF4-FFF2-40B4-BE49-F238E27FC236}">
+                <a16:creationId xmlns:a16="http://schemas.microsoft.com/office/drawing/2014/main" id="{54389017-4270-41A3-A8A4-C43091C54001}"/>
+              </a:ext>
+            </a:extLst>
+          </p:cNvPr>
+          <p:cNvSpPr txBox="1"/>
+          <p:nvPr/>
+        </p:nvSpPr>
+        <p:spPr>
+          <a:xfrm>
+            <a:off x="3355700" y="2383764"/>
+            <a:ext cx="2674039" cy="646331"/>
+          </a:xfrm>
+          <a:prstGeom prst="rect">
+            <a:avLst/>
+          </a:prstGeom>
+          <a:noFill/>
+        </p:spPr>
+        <p:txBody>
+          <a:bodyPr wrap="square" rtlCol="0">
+            <a:spAutoFit/>
+          </a:bodyPr>
+          <a:lstStyle/>
+          <a:p>
+            <a:pPr algn="ctr"/>
+            <a:r>
+              <a:rPr lang="es-MX" dirty="0"/>
+              <a:t>¿ es un instrumento musical?</a:t>
+            </a:r>
+          </a:p>
+          <a:p>
+            <a:pPr algn="ctr"/>
+            <a:r>
+              <a:rPr lang="es-MX" dirty="0"/>
+              <a:t>si</a:t>
+            </a:r>
+            <a:endParaRPr lang="es-PE" dirty="0"/>
+          </a:p>
+        </p:txBody>
+      </p:sp>
+      <p:sp>
+        <p:nvSpPr>
+          <p:cNvPr id="30" name="CuadroTexto 29">
+            <a:extLst>
+              <a:ext uri="{FF2B5EF4-FFF2-40B4-BE49-F238E27FC236}">
+                <a16:creationId xmlns:a16="http://schemas.microsoft.com/office/drawing/2014/main" id="{B334233B-EE3A-4FBE-A682-6CCE13634F5E}"/>
+              </a:ext>
+            </a:extLst>
+          </p:cNvPr>
+          <p:cNvSpPr txBox="1"/>
+          <p:nvPr/>
+        </p:nvSpPr>
+        <p:spPr>
+          <a:xfrm>
+            <a:off x="3400157" y="2923115"/>
+            <a:ext cx="2674039" cy="646331"/>
+          </a:xfrm>
+          <a:prstGeom prst="rect">
+            <a:avLst/>
+          </a:prstGeom>
+          <a:noFill/>
+        </p:spPr>
+        <p:txBody>
+          <a:bodyPr wrap="square" rtlCol="0">
+            <a:spAutoFit/>
+          </a:bodyPr>
+          <a:lstStyle/>
+          <a:p>
+            <a:pPr algn="ctr"/>
+            <a:r>
+              <a:rPr lang="es-MX" dirty="0"/>
+              <a:t>¿ es de madera?</a:t>
+            </a:r>
+          </a:p>
+          <a:p>
+            <a:pPr algn="ctr"/>
+            <a:r>
+              <a:rPr lang="es-MX" dirty="0"/>
+              <a:t>si</a:t>
+            </a:r>
+            <a:endParaRPr lang="es-PE" dirty="0"/>
+          </a:p>
+        </p:txBody>
+      </p:sp>
+      <p:sp>
+        <p:nvSpPr>
+          <p:cNvPr id="32" name="CuadroTexto 31">
+            <a:extLst>
+              <a:ext uri="{FF2B5EF4-FFF2-40B4-BE49-F238E27FC236}">
+                <a16:creationId xmlns:a16="http://schemas.microsoft.com/office/drawing/2014/main" id="{ADC20E08-8855-40C1-A901-779D2AEE8A3E}"/>
+              </a:ext>
+            </a:extLst>
+          </p:cNvPr>
+          <p:cNvSpPr txBox="1"/>
+          <p:nvPr/>
+        </p:nvSpPr>
+        <p:spPr>
+          <a:xfrm>
+            <a:off x="3400157" y="3638896"/>
+            <a:ext cx="2674039" cy="646331"/>
+          </a:xfrm>
+          <a:prstGeom prst="rect">
+            <a:avLst/>
+          </a:prstGeom>
+          <a:noFill/>
+        </p:spPr>
+        <p:txBody>
+          <a:bodyPr wrap="square" rtlCol="0">
+            <a:spAutoFit/>
+          </a:bodyPr>
+          <a:lstStyle/>
+          <a:p>
+            <a:pPr algn="ctr"/>
+            <a:r>
+              <a:rPr lang="es-MX" dirty="0"/>
+              <a:t>¿ es liviano?</a:t>
+            </a:r>
+          </a:p>
+          <a:p>
+            <a:pPr algn="ctr"/>
+            <a:r>
+              <a:rPr lang="es-MX" dirty="0"/>
+              <a:t>si</a:t>
+            </a:r>
+            <a:endParaRPr lang="es-PE" dirty="0"/>
+          </a:p>
+        </p:txBody>
+      </p:sp>
+      <p:sp>
+        <p:nvSpPr>
+          <p:cNvPr id="33" name="CuadroTexto 32">
+            <a:extLst>
+              <a:ext uri="{FF2B5EF4-FFF2-40B4-BE49-F238E27FC236}">
+                <a16:creationId xmlns:a16="http://schemas.microsoft.com/office/drawing/2014/main" id="{A00CCDCE-55B8-4AC4-8F16-8406C636CD5A}"/>
+              </a:ext>
+            </a:extLst>
+          </p:cNvPr>
+          <p:cNvSpPr txBox="1"/>
+          <p:nvPr/>
+        </p:nvSpPr>
+        <p:spPr>
+          <a:xfrm>
+            <a:off x="3435237" y="4223275"/>
+            <a:ext cx="2674039" cy="646331"/>
+          </a:xfrm>
+          <a:prstGeom prst="rect">
+            <a:avLst/>
+          </a:prstGeom>
+          <a:noFill/>
+        </p:spPr>
+        <p:txBody>
+          <a:bodyPr wrap="square" rtlCol="0">
+            <a:spAutoFit/>
+          </a:bodyPr>
+          <a:lstStyle/>
+          <a:p>
+            <a:pPr algn="ctr"/>
+            <a:r>
+              <a:rPr lang="es-MX" dirty="0"/>
+              <a:t>¿ tiene cuerda?</a:t>
+            </a:r>
+          </a:p>
+          <a:p>
+            <a:pPr algn="ctr"/>
+            <a:r>
+              <a:rPr lang="es-MX" dirty="0"/>
+              <a:t>si</a:t>
+            </a:r>
+            <a:endParaRPr lang="es-PE" dirty="0"/>
+          </a:p>
+        </p:txBody>
+      </p:sp>
+    </p:spTree>
+    <p:extLst>
+      <p:ext uri="{BB962C8B-B14F-4D97-AF65-F5344CB8AC3E}">
+        <p14:creationId xmlns:p14="http://schemas.microsoft.com/office/powerpoint/2010/main" val="2290030162"/>
       </p:ext>
     </p:extLst>
   </p:cSld>
@@ -7191,6 +8402,100 @@
           </a:p>
         </p:txBody>
       </p:sp>
+      <p:pic>
+        <p:nvPicPr>
+          <p:cNvPr id="22" name="Picture 2" descr="X PNG para descargar gratis">
+            <a:extLst>
+              <a:ext uri="{FF2B5EF4-FFF2-40B4-BE49-F238E27FC236}">
+                <a16:creationId xmlns:a16="http://schemas.microsoft.com/office/drawing/2014/main" id="{14210AA6-143B-4C8B-A667-D54217B5D79D}"/>
+              </a:ext>
+            </a:extLst>
+          </p:cNvPr>
+          <p:cNvPicPr>
+            <a:picLocks noChangeAspect="1" noChangeArrowheads="1"/>
+          </p:cNvPicPr>
+          <p:nvPr/>
+        </p:nvPicPr>
+        <p:blipFill>
+          <a:blip r:embed="rId11">
+            <a:extLst>
+              <a:ext uri="{28A0092B-C50C-407E-A947-70E740481C1C}">
+                <a14:useLocalDpi xmlns:a14="http://schemas.microsoft.com/office/drawing/2010/main" val="0"/>
+              </a:ext>
+            </a:extLst>
+          </a:blip>
+          <a:srcRect/>
+          <a:stretch>
+            <a:fillRect/>
+          </a:stretch>
+        </p:blipFill>
+        <p:spPr bwMode="auto">
+          <a:xfrm>
+            <a:off x="233771" y="1827992"/>
+            <a:ext cx="1905000" cy="1905000"/>
+          </a:xfrm>
+          <a:prstGeom prst="rect">
+            <a:avLst/>
+          </a:prstGeom>
+          <a:noFill/>
+          <a:extLst>
+            <a:ext uri="{909E8E84-426E-40DD-AFC4-6F175D3DCCD1}">
+              <a14:hiddenFill xmlns:a14="http://schemas.microsoft.com/office/drawing/2010/main">
+                <a:solidFill>
+                  <a:srgbClr val="FFFFFF"/>
+                </a:solidFill>
+              </a14:hiddenFill>
+            </a:ext>
+          </a:extLst>
+        </p:spPr>
+      </p:pic>
+      <p:pic>
+        <p:nvPicPr>
+          <p:cNvPr id="23" name="Picture 2" descr="X PNG para descargar gratis">
+            <a:extLst>
+              <a:ext uri="{FF2B5EF4-FFF2-40B4-BE49-F238E27FC236}">
+                <a16:creationId xmlns:a16="http://schemas.microsoft.com/office/drawing/2014/main" id="{BFB6FF9D-C8B4-4CD8-8506-4BCF2F8F5F7C}"/>
+              </a:ext>
+            </a:extLst>
+          </p:cNvPr>
+          <p:cNvPicPr>
+            <a:picLocks noChangeAspect="1" noChangeArrowheads="1"/>
+          </p:cNvPicPr>
+          <p:nvPr/>
+        </p:nvPicPr>
+        <p:blipFill>
+          <a:blip r:embed="rId11">
+            <a:extLst>
+              <a:ext uri="{28A0092B-C50C-407E-A947-70E740481C1C}">
+                <a14:useLocalDpi xmlns:a14="http://schemas.microsoft.com/office/drawing/2010/main" val="0"/>
+              </a:ext>
+            </a:extLst>
+          </a:blip>
+          <a:srcRect/>
+          <a:stretch>
+            <a:fillRect/>
+          </a:stretch>
+        </p:blipFill>
+        <p:spPr bwMode="auto">
+          <a:xfrm>
+            <a:off x="1434201" y="4705683"/>
+            <a:ext cx="1905000" cy="1905000"/>
+          </a:xfrm>
+          <a:prstGeom prst="rect">
+            <a:avLst/>
+          </a:prstGeom>
+          <a:noFill/>
+          <a:extLst>
+            <a:ext uri="{909E8E84-426E-40DD-AFC4-6F175D3DCCD1}">
+              <a14:hiddenFill xmlns:a14="http://schemas.microsoft.com/office/drawing/2010/main">
+                <a:solidFill>
+                  <a:srgbClr val="FFFFFF"/>
+                </a:solidFill>
+              </a14:hiddenFill>
+            </a:ext>
+          </a:extLst>
+        </p:spPr>
+      </p:pic>
     </p:spTree>
     <p:extLst>
       <p:ext uri="{BB962C8B-B14F-4D97-AF65-F5344CB8AC3E}">
@@ -7201,6 +8506,280 @@
   <p:clrMapOvr>
     <a:masterClrMapping/>
   </p:clrMapOvr>
+  <p:timing>
+    <p:tnLst>
+      <p:par>
+        <p:cTn id="1" dur="indefinite" restart="never" nodeType="tmRoot">
+          <p:childTnLst>
+            <p:seq concurrent="1" nextAc="seek">
+              <p:cTn id="2" dur="indefinite" nodeType="mainSeq">
+                <p:childTnLst>
+                  <p:par>
+                    <p:cTn id="3" fill="hold">
+                      <p:stCondLst>
+                        <p:cond delay="indefinite"/>
+                      </p:stCondLst>
+                      <p:childTnLst>
+                        <p:par>
+                          <p:cTn id="4" fill="hold">
+                            <p:stCondLst>
+                              <p:cond delay="0"/>
+                            </p:stCondLst>
+                            <p:childTnLst>
+                              <p:par>
+                                <p:cTn id="5" presetID="31" presetClass="entr" presetSubtype="0" fill="hold" nodeType="clickEffect">
+                                  <p:stCondLst>
+                                    <p:cond delay="0"/>
+                                  </p:stCondLst>
+                                  <p:childTnLst>
+                                    <p:set>
+                                      <p:cBhvr>
+                                        <p:cTn id="6" dur="1" fill="hold">
+                                          <p:stCondLst>
+                                            <p:cond delay="0"/>
+                                          </p:stCondLst>
+                                        </p:cTn>
+                                        <p:tgtEl>
+                                          <p:spTgt spid="22"/>
+                                        </p:tgtEl>
+                                        <p:attrNameLst>
+                                          <p:attrName>style.visibility</p:attrName>
+                                        </p:attrNameLst>
+                                      </p:cBhvr>
+                                      <p:to>
+                                        <p:strVal val="visible"/>
+                                      </p:to>
+                                    </p:set>
+                                    <p:anim calcmode="lin" valueType="num">
+                                      <p:cBhvr>
+                                        <p:cTn id="7" dur="1000" fill="hold"/>
+                                        <p:tgtEl>
+                                          <p:spTgt spid="22"/>
+                                        </p:tgtEl>
+                                        <p:attrNameLst>
+                                          <p:attrName>ppt_w</p:attrName>
+                                        </p:attrNameLst>
+                                      </p:cBhvr>
+                                      <p:tavLst>
+                                        <p:tav tm="0">
+                                          <p:val>
+                                            <p:fltVal val="0"/>
+                                          </p:val>
+                                        </p:tav>
+                                        <p:tav tm="100000">
+                                          <p:val>
+                                            <p:strVal val="#ppt_w"/>
+                                          </p:val>
+                                        </p:tav>
+                                      </p:tavLst>
+                                    </p:anim>
+                                    <p:anim calcmode="lin" valueType="num">
+                                      <p:cBhvr>
+                                        <p:cTn id="8" dur="1000" fill="hold"/>
+                                        <p:tgtEl>
+                                          <p:spTgt spid="22"/>
+                                        </p:tgtEl>
+                                        <p:attrNameLst>
+                                          <p:attrName>ppt_h</p:attrName>
+                                        </p:attrNameLst>
+                                      </p:cBhvr>
+                                      <p:tavLst>
+                                        <p:tav tm="0">
+                                          <p:val>
+                                            <p:fltVal val="0"/>
+                                          </p:val>
+                                        </p:tav>
+                                        <p:tav tm="100000">
+                                          <p:val>
+                                            <p:strVal val="#ppt_h"/>
+                                          </p:val>
+                                        </p:tav>
+                                      </p:tavLst>
+                                    </p:anim>
+                                    <p:anim calcmode="lin" valueType="num">
+                                      <p:cBhvr>
+                                        <p:cTn id="9" dur="1000" fill="hold"/>
+                                        <p:tgtEl>
+                                          <p:spTgt spid="22"/>
+                                        </p:tgtEl>
+                                        <p:attrNameLst>
+                                          <p:attrName>style.rotation</p:attrName>
+                                        </p:attrNameLst>
+                                      </p:cBhvr>
+                                      <p:tavLst>
+                                        <p:tav tm="0">
+                                          <p:val>
+                                            <p:fltVal val="90"/>
+                                          </p:val>
+                                        </p:tav>
+                                        <p:tav tm="100000">
+                                          <p:val>
+                                            <p:fltVal val="0"/>
+                                          </p:val>
+                                        </p:tav>
+                                      </p:tavLst>
+                                    </p:anim>
+                                    <p:animEffect transition="in" filter="fade">
+                                      <p:cBhvr>
+                                        <p:cTn id="10" dur="1000"/>
+                                        <p:tgtEl>
+                                          <p:spTgt spid="22"/>
+                                        </p:tgtEl>
+                                      </p:cBhvr>
+                                    </p:animEffect>
+                                  </p:childTnLst>
+                                </p:cTn>
+                              </p:par>
+                            </p:childTnLst>
+                          </p:cTn>
+                        </p:par>
+                      </p:childTnLst>
+                    </p:cTn>
+                  </p:par>
+                  <p:par>
+                    <p:cTn id="11" fill="hold">
+                      <p:stCondLst>
+                        <p:cond delay="indefinite"/>
+                      </p:stCondLst>
+                      <p:childTnLst>
+                        <p:par>
+                          <p:cTn id="12" fill="hold">
+                            <p:stCondLst>
+                              <p:cond delay="0"/>
+                            </p:stCondLst>
+                            <p:childTnLst>
+                              <p:par>
+                                <p:cTn id="13" presetID="31" presetClass="entr" presetSubtype="0" fill="hold" nodeType="clickEffect">
+                                  <p:stCondLst>
+                                    <p:cond delay="0"/>
+                                  </p:stCondLst>
+                                  <p:childTnLst>
+                                    <p:set>
+                                      <p:cBhvr>
+                                        <p:cTn id="14" dur="1" fill="hold">
+                                          <p:stCondLst>
+                                            <p:cond delay="0"/>
+                                          </p:stCondLst>
+                                        </p:cTn>
+                                        <p:tgtEl>
+                                          <p:spTgt spid="23"/>
+                                        </p:tgtEl>
+                                        <p:attrNameLst>
+                                          <p:attrName>style.visibility</p:attrName>
+                                        </p:attrNameLst>
+                                      </p:cBhvr>
+                                      <p:to>
+                                        <p:strVal val="visible"/>
+                                      </p:to>
+                                    </p:set>
+                                    <p:anim calcmode="lin" valueType="num">
+                                      <p:cBhvr>
+                                        <p:cTn id="15" dur="1000" fill="hold"/>
+                                        <p:tgtEl>
+                                          <p:spTgt spid="23"/>
+                                        </p:tgtEl>
+                                        <p:attrNameLst>
+                                          <p:attrName>ppt_w</p:attrName>
+                                        </p:attrNameLst>
+                                      </p:cBhvr>
+                                      <p:tavLst>
+                                        <p:tav tm="0">
+                                          <p:val>
+                                            <p:fltVal val="0"/>
+                                          </p:val>
+                                        </p:tav>
+                                        <p:tav tm="100000">
+                                          <p:val>
+                                            <p:strVal val="#ppt_w"/>
+                                          </p:val>
+                                        </p:tav>
+                                      </p:tavLst>
+                                    </p:anim>
+                                    <p:anim calcmode="lin" valueType="num">
+                                      <p:cBhvr>
+                                        <p:cTn id="16" dur="1000" fill="hold"/>
+                                        <p:tgtEl>
+                                          <p:spTgt spid="23"/>
+                                        </p:tgtEl>
+                                        <p:attrNameLst>
+                                          <p:attrName>ppt_h</p:attrName>
+                                        </p:attrNameLst>
+                                      </p:cBhvr>
+                                      <p:tavLst>
+                                        <p:tav tm="0">
+                                          <p:val>
+                                            <p:fltVal val="0"/>
+                                          </p:val>
+                                        </p:tav>
+                                        <p:tav tm="100000">
+                                          <p:val>
+                                            <p:strVal val="#ppt_h"/>
+                                          </p:val>
+                                        </p:tav>
+                                      </p:tavLst>
+                                    </p:anim>
+                                    <p:anim calcmode="lin" valueType="num">
+                                      <p:cBhvr>
+                                        <p:cTn id="17" dur="1000" fill="hold"/>
+                                        <p:tgtEl>
+                                          <p:spTgt spid="23"/>
+                                        </p:tgtEl>
+                                        <p:attrNameLst>
+                                          <p:attrName>style.rotation</p:attrName>
+                                        </p:attrNameLst>
+                                      </p:cBhvr>
+                                      <p:tavLst>
+                                        <p:tav tm="0">
+                                          <p:val>
+                                            <p:fltVal val="90"/>
+                                          </p:val>
+                                        </p:tav>
+                                        <p:tav tm="100000">
+                                          <p:val>
+                                            <p:fltVal val="0"/>
+                                          </p:val>
+                                        </p:tav>
+                                      </p:tavLst>
+                                    </p:anim>
+                                    <p:animEffect transition="in" filter="fade">
+                                      <p:cBhvr>
+                                        <p:cTn id="18" dur="1000"/>
+                                        <p:tgtEl>
+                                          <p:spTgt spid="23"/>
+                                        </p:tgtEl>
+                                      </p:cBhvr>
+                                    </p:animEffect>
+                                  </p:childTnLst>
+                                </p:cTn>
+                              </p:par>
+                            </p:childTnLst>
+                          </p:cTn>
+                        </p:par>
+                      </p:childTnLst>
+                    </p:cTn>
+                  </p:par>
+                </p:childTnLst>
+              </p:cTn>
+              <p:prevCondLst>
+                <p:cond evt="onPrev" delay="0">
+                  <p:tgtEl>
+                    <p:sldTgt/>
+                  </p:tgtEl>
+                </p:cond>
+              </p:prevCondLst>
+              <p:nextCondLst>
+                <p:cond evt="onNext" delay="0">
+                  <p:tgtEl>
+                    <p:sldTgt/>
+                  </p:tgtEl>
+                </p:cond>
+              </p:nextCondLst>
+            </p:seq>
+          </p:childTnLst>
+        </p:cTn>
+      </p:par>
+    </p:tnLst>
+  </p:timing>
 </p:sld>
 </file>
 
@@ -7577,6 +9156,53 @@
           </a:p>
         </p:txBody>
       </p:sp>
+      <p:pic>
+        <p:nvPicPr>
+          <p:cNvPr id="22" name="Picture 2" descr="X PNG para descargar gratis">
+            <a:extLst>
+              <a:ext uri="{FF2B5EF4-FFF2-40B4-BE49-F238E27FC236}">
+                <a16:creationId xmlns:a16="http://schemas.microsoft.com/office/drawing/2014/main" id="{C913CAAA-BE98-4539-ACDB-8E15178C9645}"/>
+              </a:ext>
+            </a:extLst>
+          </p:cNvPr>
+          <p:cNvPicPr>
+            <a:picLocks noChangeAspect="1" noChangeArrowheads="1"/>
+          </p:cNvPicPr>
+          <p:nvPr/>
+        </p:nvPicPr>
+        <p:blipFill>
+          <a:blip r:embed="rId9">
+            <a:extLst>
+              <a:ext uri="{28A0092B-C50C-407E-A947-70E740481C1C}">
+                <a14:useLocalDpi xmlns:a14="http://schemas.microsoft.com/office/drawing/2010/main" val="0"/>
+              </a:ext>
+            </a:extLst>
+          </a:blip>
+          <a:srcRect/>
+          <a:stretch>
+            <a:fillRect/>
+          </a:stretch>
+        </p:blipFill>
+        <p:spPr bwMode="auto">
+          <a:xfrm>
+            <a:off x="7237578" y="2699477"/>
+            <a:ext cx="1905000" cy="1905000"/>
+          </a:xfrm>
+          <a:prstGeom prst="rect">
+            <a:avLst/>
+          </a:prstGeom>
+          <a:noFill/>
+          <a:extLst>
+            <a:ext uri="{909E8E84-426E-40DD-AFC4-6F175D3DCCD1}">
+              <a14:hiddenFill xmlns:a14="http://schemas.microsoft.com/office/drawing/2010/main">
+                <a:solidFill>
+                  <a:srgbClr val="FFFFFF"/>
+                </a:solidFill>
+              </a14:hiddenFill>
+            </a:ext>
+          </a:extLst>
+        </p:spPr>
+      </p:pic>
     </p:spTree>
     <p:extLst>
       <p:ext uri="{BB962C8B-B14F-4D97-AF65-F5344CB8AC3E}">
@@ -7587,6 +9213,158 @@
   <p:clrMapOvr>
     <a:masterClrMapping/>
   </p:clrMapOvr>
+  <p:timing>
+    <p:tnLst>
+      <p:par>
+        <p:cTn id="1" dur="indefinite" restart="never" nodeType="tmRoot">
+          <p:childTnLst>
+            <p:seq concurrent="1" nextAc="seek">
+              <p:cTn id="2" dur="indefinite" nodeType="mainSeq">
+                <p:childTnLst>
+                  <p:par>
+                    <p:cTn id="3" fill="hold">
+                      <p:stCondLst>
+                        <p:cond delay="indefinite"/>
+                      </p:stCondLst>
+                      <p:childTnLst>
+                        <p:par>
+                          <p:cTn id="4" fill="hold">
+                            <p:stCondLst>
+                              <p:cond delay="0"/>
+                            </p:stCondLst>
+                            <p:childTnLst>
+                              <p:par>
+                                <p:cTn id="5" presetID="31" presetClass="entr" presetSubtype="0" fill="hold" nodeType="clickEffect">
+                                  <p:stCondLst>
+                                    <p:cond delay="0"/>
+                                  </p:stCondLst>
+                                  <p:childTnLst>
+                                    <p:set>
+                                      <p:cBhvr>
+                                        <p:cTn id="6" dur="1" fill="hold">
+                                          <p:stCondLst>
+                                            <p:cond delay="0"/>
+                                          </p:stCondLst>
+                                        </p:cTn>
+                                        <p:tgtEl>
+                                          <p:spTgt spid="22"/>
+                                        </p:tgtEl>
+                                        <p:attrNameLst>
+                                          <p:attrName>style.visibility</p:attrName>
+                                        </p:attrNameLst>
+                                      </p:cBhvr>
+                                      <p:to>
+                                        <p:strVal val="visible"/>
+                                      </p:to>
+                                    </p:set>
+                                    <p:anim calcmode="lin" valueType="num">
+                                      <p:cBhvr>
+                                        <p:cTn id="7" dur="1000" fill="hold"/>
+                                        <p:tgtEl>
+                                          <p:spTgt spid="22"/>
+                                        </p:tgtEl>
+                                        <p:attrNameLst>
+                                          <p:attrName>ppt_w</p:attrName>
+                                        </p:attrNameLst>
+                                      </p:cBhvr>
+                                      <p:tavLst>
+                                        <p:tav tm="0">
+                                          <p:val>
+                                            <p:fltVal val="0"/>
+                                          </p:val>
+                                        </p:tav>
+                                        <p:tav tm="100000">
+                                          <p:val>
+                                            <p:strVal val="#ppt_w"/>
+                                          </p:val>
+                                        </p:tav>
+                                      </p:tavLst>
+                                    </p:anim>
+                                    <p:anim calcmode="lin" valueType="num">
+                                      <p:cBhvr>
+                                        <p:cTn id="8" dur="1000" fill="hold"/>
+                                        <p:tgtEl>
+                                          <p:spTgt spid="22"/>
+                                        </p:tgtEl>
+                                        <p:attrNameLst>
+                                          <p:attrName>ppt_h</p:attrName>
+                                        </p:attrNameLst>
+                                      </p:cBhvr>
+                                      <p:tavLst>
+                                        <p:tav tm="0">
+                                          <p:val>
+                                            <p:fltVal val="0"/>
+                                          </p:val>
+                                        </p:tav>
+                                        <p:tav tm="100000">
+                                          <p:val>
+                                            <p:strVal val="#ppt_h"/>
+                                          </p:val>
+                                        </p:tav>
+                                      </p:tavLst>
+                                    </p:anim>
+                                    <p:anim calcmode="lin" valueType="num">
+                                      <p:cBhvr>
+                                        <p:cTn id="9" dur="1000" fill="hold"/>
+                                        <p:tgtEl>
+                                          <p:spTgt spid="22"/>
+                                        </p:tgtEl>
+                                        <p:attrNameLst>
+                                          <p:attrName>style.rotation</p:attrName>
+                                        </p:attrNameLst>
+                                      </p:cBhvr>
+                                      <p:tavLst>
+                                        <p:tav tm="0">
+                                          <p:val>
+                                            <p:fltVal val="90"/>
+                                          </p:val>
+                                        </p:tav>
+                                        <p:tav tm="100000">
+                                          <p:val>
+                                            <p:fltVal val="0"/>
+                                          </p:val>
+                                        </p:tav>
+                                      </p:tavLst>
+                                    </p:anim>
+                                    <p:animEffect transition="in" filter="fade">
+                                      <p:cBhvr>
+                                        <p:cTn id="10" dur="1000"/>
+                                        <p:tgtEl>
+                                          <p:spTgt spid="22"/>
+                                        </p:tgtEl>
+                                      </p:cBhvr>
+                                    </p:animEffect>
+                                  </p:childTnLst>
+                                </p:cTn>
+                              </p:par>
+                            </p:childTnLst>
+                          </p:cTn>
+                        </p:par>
+                      </p:childTnLst>
+                    </p:cTn>
+                  </p:par>
+                </p:childTnLst>
+              </p:cTn>
+              <p:prevCondLst>
+                <p:cond evt="onPrev" delay="0">
+                  <p:tgtEl>
+                    <p:sldTgt/>
+                  </p:tgtEl>
+                </p:cond>
+              </p:prevCondLst>
+              <p:nextCondLst>
+                <p:cond evt="onNext" delay="0">
+                  <p:tgtEl>
+                    <p:sldTgt/>
+                  </p:tgtEl>
+                </p:cond>
+              </p:nextCondLst>
+            </p:seq>
+          </p:childTnLst>
+        </p:cTn>
+      </p:par>
+    </p:tnLst>
+  </p:timing>
 </p:sld>
 </file>
 
@@ -7683,7 +9461,7 @@
         </p:blipFill>
         <p:spPr bwMode="auto">
           <a:xfrm rot="1131174">
-            <a:off x="4922637" y="3544161"/>
+            <a:off x="4578033" y="3185021"/>
             <a:ext cx="972562" cy="1564792"/>
           </a:xfrm>
           <a:prstGeom prst="rect">
@@ -7730,7 +9508,7 @@
         </p:blipFill>
         <p:spPr bwMode="auto">
           <a:xfrm>
-            <a:off x="3799090" y="5178256"/>
+            <a:off x="2901643" y="5052596"/>
             <a:ext cx="1416925" cy="1464732"/>
           </a:xfrm>
           <a:prstGeom prst="rect">
@@ -7916,6 +9694,100 @@
           </a:p>
         </p:txBody>
       </p:sp>
+      <p:pic>
+        <p:nvPicPr>
+          <p:cNvPr id="22" name="Picture 2" descr="X PNG para descargar gratis">
+            <a:extLst>
+              <a:ext uri="{FF2B5EF4-FFF2-40B4-BE49-F238E27FC236}">
+                <a16:creationId xmlns:a16="http://schemas.microsoft.com/office/drawing/2014/main" id="{53D0ACD9-D2B5-4B23-B546-12A6F94C2975}"/>
+              </a:ext>
+            </a:extLst>
+          </p:cNvPr>
+          <p:cNvPicPr>
+            <a:picLocks noChangeAspect="1" noChangeArrowheads="1"/>
+          </p:cNvPicPr>
+          <p:nvPr/>
+        </p:nvPicPr>
+        <p:blipFill>
+          <a:blip r:embed="rId8">
+            <a:extLst>
+              <a:ext uri="{28A0092B-C50C-407E-A947-70E740481C1C}">
+                <a14:useLocalDpi xmlns:a14="http://schemas.microsoft.com/office/drawing/2010/main" val="0"/>
+              </a:ext>
+            </a:extLst>
+          </a:blip>
+          <a:srcRect/>
+          <a:stretch>
+            <a:fillRect/>
+          </a:stretch>
+        </p:blipFill>
+        <p:spPr bwMode="auto">
+          <a:xfrm>
+            <a:off x="1104025" y="3014918"/>
+            <a:ext cx="1905000" cy="1905000"/>
+          </a:xfrm>
+          <a:prstGeom prst="rect">
+            <a:avLst/>
+          </a:prstGeom>
+          <a:noFill/>
+          <a:extLst>
+            <a:ext uri="{909E8E84-426E-40DD-AFC4-6F175D3DCCD1}">
+              <a14:hiddenFill xmlns:a14="http://schemas.microsoft.com/office/drawing/2010/main">
+                <a:solidFill>
+                  <a:srgbClr val="FFFFFF"/>
+                </a:solidFill>
+              </a14:hiddenFill>
+            </a:ext>
+          </a:extLst>
+        </p:spPr>
+      </p:pic>
+      <p:pic>
+        <p:nvPicPr>
+          <p:cNvPr id="23" name="Picture 2" descr="X PNG para descargar gratis">
+            <a:extLst>
+              <a:ext uri="{FF2B5EF4-FFF2-40B4-BE49-F238E27FC236}">
+                <a16:creationId xmlns:a16="http://schemas.microsoft.com/office/drawing/2014/main" id="{7A5AC360-7C18-447A-AC42-AE31C2145B0B}"/>
+              </a:ext>
+            </a:extLst>
+          </p:cNvPr>
+          <p:cNvPicPr>
+            <a:picLocks noChangeAspect="1" noChangeArrowheads="1"/>
+          </p:cNvPicPr>
+          <p:nvPr/>
+        </p:nvPicPr>
+        <p:blipFill>
+          <a:blip r:embed="rId8">
+            <a:extLst>
+              <a:ext uri="{28A0092B-C50C-407E-A947-70E740481C1C}">
+                <a14:useLocalDpi xmlns:a14="http://schemas.microsoft.com/office/drawing/2010/main" val="0"/>
+              </a:ext>
+            </a:extLst>
+          </a:blip>
+          <a:srcRect/>
+          <a:stretch>
+            <a:fillRect/>
+          </a:stretch>
+        </p:blipFill>
+        <p:spPr bwMode="auto">
+          <a:xfrm>
+            <a:off x="5591258" y="4757055"/>
+            <a:ext cx="1905000" cy="1905000"/>
+          </a:xfrm>
+          <a:prstGeom prst="rect">
+            <a:avLst/>
+          </a:prstGeom>
+          <a:noFill/>
+          <a:extLst>
+            <a:ext uri="{909E8E84-426E-40DD-AFC4-6F175D3DCCD1}">
+              <a14:hiddenFill xmlns:a14="http://schemas.microsoft.com/office/drawing/2010/main">
+                <a:solidFill>
+                  <a:srgbClr val="FFFFFF"/>
+                </a:solidFill>
+              </a14:hiddenFill>
+            </a:ext>
+          </a:extLst>
+        </p:spPr>
+      </p:pic>
     </p:spTree>
     <p:extLst>
       <p:ext uri="{BB962C8B-B14F-4D97-AF65-F5344CB8AC3E}">
@@ -7926,6 +9798,280 @@
   <p:clrMapOvr>
     <a:masterClrMapping/>
   </p:clrMapOvr>
+  <p:timing>
+    <p:tnLst>
+      <p:par>
+        <p:cTn id="1" dur="indefinite" restart="never" nodeType="tmRoot">
+          <p:childTnLst>
+            <p:seq concurrent="1" nextAc="seek">
+              <p:cTn id="2" dur="indefinite" nodeType="mainSeq">
+                <p:childTnLst>
+                  <p:par>
+                    <p:cTn id="3" fill="hold">
+                      <p:stCondLst>
+                        <p:cond delay="indefinite"/>
+                      </p:stCondLst>
+                      <p:childTnLst>
+                        <p:par>
+                          <p:cTn id="4" fill="hold">
+                            <p:stCondLst>
+                              <p:cond delay="0"/>
+                            </p:stCondLst>
+                            <p:childTnLst>
+                              <p:par>
+                                <p:cTn id="5" presetID="31" presetClass="entr" presetSubtype="0" fill="hold" nodeType="clickEffect">
+                                  <p:stCondLst>
+                                    <p:cond delay="0"/>
+                                  </p:stCondLst>
+                                  <p:childTnLst>
+                                    <p:set>
+                                      <p:cBhvr>
+                                        <p:cTn id="6" dur="1" fill="hold">
+                                          <p:stCondLst>
+                                            <p:cond delay="0"/>
+                                          </p:stCondLst>
+                                        </p:cTn>
+                                        <p:tgtEl>
+                                          <p:spTgt spid="22"/>
+                                        </p:tgtEl>
+                                        <p:attrNameLst>
+                                          <p:attrName>style.visibility</p:attrName>
+                                        </p:attrNameLst>
+                                      </p:cBhvr>
+                                      <p:to>
+                                        <p:strVal val="visible"/>
+                                      </p:to>
+                                    </p:set>
+                                    <p:anim calcmode="lin" valueType="num">
+                                      <p:cBhvr>
+                                        <p:cTn id="7" dur="1000" fill="hold"/>
+                                        <p:tgtEl>
+                                          <p:spTgt spid="22"/>
+                                        </p:tgtEl>
+                                        <p:attrNameLst>
+                                          <p:attrName>ppt_w</p:attrName>
+                                        </p:attrNameLst>
+                                      </p:cBhvr>
+                                      <p:tavLst>
+                                        <p:tav tm="0">
+                                          <p:val>
+                                            <p:fltVal val="0"/>
+                                          </p:val>
+                                        </p:tav>
+                                        <p:tav tm="100000">
+                                          <p:val>
+                                            <p:strVal val="#ppt_w"/>
+                                          </p:val>
+                                        </p:tav>
+                                      </p:tavLst>
+                                    </p:anim>
+                                    <p:anim calcmode="lin" valueType="num">
+                                      <p:cBhvr>
+                                        <p:cTn id="8" dur="1000" fill="hold"/>
+                                        <p:tgtEl>
+                                          <p:spTgt spid="22"/>
+                                        </p:tgtEl>
+                                        <p:attrNameLst>
+                                          <p:attrName>ppt_h</p:attrName>
+                                        </p:attrNameLst>
+                                      </p:cBhvr>
+                                      <p:tavLst>
+                                        <p:tav tm="0">
+                                          <p:val>
+                                            <p:fltVal val="0"/>
+                                          </p:val>
+                                        </p:tav>
+                                        <p:tav tm="100000">
+                                          <p:val>
+                                            <p:strVal val="#ppt_h"/>
+                                          </p:val>
+                                        </p:tav>
+                                      </p:tavLst>
+                                    </p:anim>
+                                    <p:anim calcmode="lin" valueType="num">
+                                      <p:cBhvr>
+                                        <p:cTn id="9" dur="1000" fill="hold"/>
+                                        <p:tgtEl>
+                                          <p:spTgt spid="22"/>
+                                        </p:tgtEl>
+                                        <p:attrNameLst>
+                                          <p:attrName>style.rotation</p:attrName>
+                                        </p:attrNameLst>
+                                      </p:cBhvr>
+                                      <p:tavLst>
+                                        <p:tav tm="0">
+                                          <p:val>
+                                            <p:fltVal val="90"/>
+                                          </p:val>
+                                        </p:tav>
+                                        <p:tav tm="100000">
+                                          <p:val>
+                                            <p:fltVal val="0"/>
+                                          </p:val>
+                                        </p:tav>
+                                      </p:tavLst>
+                                    </p:anim>
+                                    <p:animEffect transition="in" filter="fade">
+                                      <p:cBhvr>
+                                        <p:cTn id="10" dur="1000"/>
+                                        <p:tgtEl>
+                                          <p:spTgt spid="22"/>
+                                        </p:tgtEl>
+                                      </p:cBhvr>
+                                    </p:animEffect>
+                                  </p:childTnLst>
+                                </p:cTn>
+                              </p:par>
+                            </p:childTnLst>
+                          </p:cTn>
+                        </p:par>
+                      </p:childTnLst>
+                    </p:cTn>
+                  </p:par>
+                  <p:par>
+                    <p:cTn id="11" fill="hold">
+                      <p:stCondLst>
+                        <p:cond delay="indefinite"/>
+                      </p:stCondLst>
+                      <p:childTnLst>
+                        <p:par>
+                          <p:cTn id="12" fill="hold">
+                            <p:stCondLst>
+                              <p:cond delay="0"/>
+                            </p:stCondLst>
+                            <p:childTnLst>
+                              <p:par>
+                                <p:cTn id="13" presetID="31" presetClass="entr" presetSubtype="0" fill="hold" nodeType="clickEffect">
+                                  <p:stCondLst>
+                                    <p:cond delay="0"/>
+                                  </p:stCondLst>
+                                  <p:childTnLst>
+                                    <p:set>
+                                      <p:cBhvr>
+                                        <p:cTn id="14" dur="1" fill="hold">
+                                          <p:stCondLst>
+                                            <p:cond delay="0"/>
+                                          </p:stCondLst>
+                                        </p:cTn>
+                                        <p:tgtEl>
+                                          <p:spTgt spid="23"/>
+                                        </p:tgtEl>
+                                        <p:attrNameLst>
+                                          <p:attrName>style.visibility</p:attrName>
+                                        </p:attrNameLst>
+                                      </p:cBhvr>
+                                      <p:to>
+                                        <p:strVal val="visible"/>
+                                      </p:to>
+                                    </p:set>
+                                    <p:anim calcmode="lin" valueType="num">
+                                      <p:cBhvr>
+                                        <p:cTn id="15" dur="1000" fill="hold"/>
+                                        <p:tgtEl>
+                                          <p:spTgt spid="23"/>
+                                        </p:tgtEl>
+                                        <p:attrNameLst>
+                                          <p:attrName>ppt_w</p:attrName>
+                                        </p:attrNameLst>
+                                      </p:cBhvr>
+                                      <p:tavLst>
+                                        <p:tav tm="0">
+                                          <p:val>
+                                            <p:fltVal val="0"/>
+                                          </p:val>
+                                        </p:tav>
+                                        <p:tav tm="100000">
+                                          <p:val>
+                                            <p:strVal val="#ppt_w"/>
+                                          </p:val>
+                                        </p:tav>
+                                      </p:tavLst>
+                                    </p:anim>
+                                    <p:anim calcmode="lin" valueType="num">
+                                      <p:cBhvr>
+                                        <p:cTn id="16" dur="1000" fill="hold"/>
+                                        <p:tgtEl>
+                                          <p:spTgt spid="23"/>
+                                        </p:tgtEl>
+                                        <p:attrNameLst>
+                                          <p:attrName>ppt_h</p:attrName>
+                                        </p:attrNameLst>
+                                      </p:cBhvr>
+                                      <p:tavLst>
+                                        <p:tav tm="0">
+                                          <p:val>
+                                            <p:fltVal val="0"/>
+                                          </p:val>
+                                        </p:tav>
+                                        <p:tav tm="100000">
+                                          <p:val>
+                                            <p:strVal val="#ppt_h"/>
+                                          </p:val>
+                                        </p:tav>
+                                      </p:tavLst>
+                                    </p:anim>
+                                    <p:anim calcmode="lin" valueType="num">
+                                      <p:cBhvr>
+                                        <p:cTn id="17" dur="1000" fill="hold"/>
+                                        <p:tgtEl>
+                                          <p:spTgt spid="23"/>
+                                        </p:tgtEl>
+                                        <p:attrNameLst>
+                                          <p:attrName>style.rotation</p:attrName>
+                                        </p:attrNameLst>
+                                      </p:cBhvr>
+                                      <p:tavLst>
+                                        <p:tav tm="0">
+                                          <p:val>
+                                            <p:fltVal val="90"/>
+                                          </p:val>
+                                        </p:tav>
+                                        <p:tav tm="100000">
+                                          <p:val>
+                                            <p:fltVal val="0"/>
+                                          </p:val>
+                                        </p:tav>
+                                      </p:tavLst>
+                                    </p:anim>
+                                    <p:animEffect transition="in" filter="fade">
+                                      <p:cBhvr>
+                                        <p:cTn id="18" dur="1000"/>
+                                        <p:tgtEl>
+                                          <p:spTgt spid="23"/>
+                                        </p:tgtEl>
+                                      </p:cBhvr>
+                                    </p:animEffect>
+                                  </p:childTnLst>
+                                </p:cTn>
+                              </p:par>
+                            </p:childTnLst>
+                          </p:cTn>
+                        </p:par>
+                      </p:childTnLst>
+                    </p:cTn>
+                  </p:par>
+                </p:childTnLst>
+              </p:cTn>
+              <p:prevCondLst>
+                <p:cond evt="onPrev" delay="0">
+                  <p:tgtEl>
+                    <p:sldTgt/>
+                  </p:tgtEl>
+                </p:cond>
+              </p:prevCondLst>
+              <p:nextCondLst>
+                <p:cond evt="onNext" delay="0">
+                  <p:tgtEl>
+                    <p:sldTgt/>
+                  </p:tgtEl>
+                </p:cond>
+              </p:nextCondLst>
+            </p:seq>
+          </p:childTnLst>
+        </p:cTn>
+      </p:par>
+    </p:tnLst>
+  </p:timing>
 </p:sld>
 </file>
 
@@ -8178,6 +10324,53 @@
           </a:p>
         </p:txBody>
       </p:sp>
+      <p:pic>
+        <p:nvPicPr>
+          <p:cNvPr id="16" name="Picture 2" descr="X PNG para descargar gratis">
+            <a:extLst>
+              <a:ext uri="{FF2B5EF4-FFF2-40B4-BE49-F238E27FC236}">
+                <a16:creationId xmlns:a16="http://schemas.microsoft.com/office/drawing/2014/main" id="{0D62D758-6B80-4AB9-817A-9893AF41DC53}"/>
+              </a:ext>
+            </a:extLst>
+          </p:cNvPr>
+          <p:cNvPicPr>
+            <a:picLocks noChangeAspect="1" noChangeArrowheads="1"/>
+          </p:cNvPicPr>
+          <p:nvPr/>
+        </p:nvPicPr>
+        <p:blipFill>
+          <a:blip r:embed="rId6">
+            <a:extLst>
+              <a:ext uri="{28A0092B-C50C-407E-A947-70E740481C1C}">
+                <a14:useLocalDpi xmlns:a14="http://schemas.microsoft.com/office/drawing/2010/main" val="0"/>
+              </a:ext>
+            </a:extLst>
+          </a:blip>
+          <a:srcRect/>
+          <a:stretch>
+            <a:fillRect/>
+          </a:stretch>
+        </p:blipFill>
+        <p:spPr bwMode="auto">
+          <a:xfrm>
+            <a:off x="7313494" y="3215355"/>
+            <a:ext cx="1905000" cy="1905000"/>
+          </a:xfrm>
+          <a:prstGeom prst="rect">
+            <a:avLst/>
+          </a:prstGeom>
+          <a:noFill/>
+          <a:extLst>
+            <a:ext uri="{909E8E84-426E-40DD-AFC4-6F175D3DCCD1}">
+              <a14:hiddenFill xmlns:a14="http://schemas.microsoft.com/office/drawing/2010/main">
+                <a:solidFill>
+                  <a:srgbClr val="FFFFFF"/>
+                </a:solidFill>
+              </a14:hiddenFill>
+            </a:ext>
+          </a:extLst>
+        </p:spPr>
+      </p:pic>
     </p:spTree>
     <p:extLst>
       <p:ext uri="{BB962C8B-B14F-4D97-AF65-F5344CB8AC3E}">
@@ -8188,6 +10381,158 @@
   <p:clrMapOvr>
     <a:masterClrMapping/>
   </p:clrMapOvr>
+  <p:timing>
+    <p:tnLst>
+      <p:par>
+        <p:cTn id="1" dur="indefinite" restart="never" nodeType="tmRoot">
+          <p:childTnLst>
+            <p:seq concurrent="1" nextAc="seek">
+              <p:cTn id="2" dur="indefinite" nodeType="mainSeq">
+                <p:childTnLst>
+                  <p:par>
+                    <p:cTn id="3" fill="hold">
+                      <p:stCondLst>
+                        <p:cond delay="indefinite"/>
+                      </p:stCondLst>
+                      <p:childTnLst>
+                        <p:par>
+                          <p:cTn id="4" fill="hold">
+                            <p:stCondLst>
+                              <p:cond delay="0"/>
+                            </p:stCondLst>
+                            <p:childTnLst>
+                              <p:par>
+                                <p:cTn id="5" presetID="31" presetClass="entr" presetSubtype="0" fill="hold" nodeType="clickEffect">
+                                  <p:stCondLst>
+                                    <p:cond delay="0"/>
+                                  </p:stCondLst>
+                                  <p:childTnLst>
+                                    <p:set>
+                                      <p:cBhvr>
+                                        <p:cTn id="6" dur="1" fill="hold">
+                                          <p:stCondLst>
+                                            <p:cond delay="0"/>
+                                          </p:stCondLst>
+                                        </p:cTn>
+                                        <p:tgtEl>
+                                          <p:spTgt spid="16"/>
+                                        </p:tgtEl>
+                                        <p:attrNameLst>
+                                          <p:attrName>style.visibility</p:attrName>
+                                        </p:attrNameLst>
+                                      </p:cBhvr>
+                                      <p:to>
+                                        <p:strVal val="visible"/>
+                                      </p:to>
+                                    </p:set>
+                                    <p:anim calcmode="lin" valueType="num">
+                                      <p:cBhvr>
+                                        <p:cTn id="7" dur="1000" fill="hold"/>
+                                        <p:tgtEl>
+                                          <p:spTgt spid="16"/>
+                                        </p:tgtEl>
+                                        <p:attrNameLst>
+                                          <p:attrName>ppt_w</p:attrName>
+                                        </p:attrNameLst>
+                                      </p:cBhvr>
+                                      <p:tavLst>
+                                        <p:tav tm="0">
+                                          <p:val>
+                                            <p:fltVal val="0"/>
+                                          </p:val>
+                                        </p:tav>
+                                        <p:tav tm="100000">
+                                          <p:val>
+                                            <p:strVal val="#ppt_w"/>
+                                          </p:val>
+                                        </p:tav>
+                                      </p:tavLst>
+                                    </p:anim>
+                                    <p:anim calcmode="lin" valueType="num">
+                                      <p:cBhvr>
+                                        <p:cTn id="8" dur="1000" fill="hold"/>
+                                        <p:tgtEl>
+                                          <p:spTgt spid="16"/>
+                                        </p:tgtEl>
+                                        <p:attrNameLst>
+                                          <p:attrName>ppt_h</p:attrName>
+                                        </p:attrNameLst>
+                                      </p:cBhvr>
+                                      <p:tavLst>
+                                        <p:tav tm="0">
+                                          <p:val>
+                                            <p:fltVal val="0"/>
+                                          </p:val>
+                                        </p:tav>
+                                        <p:tav tm="100000">
+                                          <p:val>
+                                            <p:strVal val="#ppt_h"/>
+                                          </p:val>
+                                        </p:tav>
+                                      </p:tavLst>
+                                    </p:anim>
+                                    <p:anim calcmode="lin" valueType="num">
+                                      <p:cBhvr>
+                                        <p:cTn id="9" dur="1000" fill="hold"/>
+                                        <p:tgtEl>
+                                          <p:spTgt spid="16"/>
+                                        </p:tgtEl>
+                                        <p:attrNameLst>
+                                          <p:attrName>style.rotation</p:attrName>
+                                        </p:attrNameLst>
+                                      </p:cBhvr>
+                                      <p:tavLst>
+                                        <p:tav tm="0">
+                                          <p:val>
+                                            <p:fltVal val="90"/>
+                                          </p:val>
+                                        </p:tav>
+                                        <p:tav tm="100000">
+                                          <p:val>
+                                            <p:fltVal val="0"/>
+                                          </p:val>
+                                        </p:tav>
+                                      </p:tavLst>
+                                    </p:anim>
+                                    <p:animEffect transition="in" filter="fade">
+                                      <p:cBhvr>
+                                        <p:cTn id="10" dur="1000"/>
+                                        <p:tgtEl>
+                                          <p:spTgt spid="16"/>
+                                        </p:tgtEl>
+                                      </p:cBhvr>
+                                    </p:animEffect>
+                                  </p:childTnLst>
+                                </p:cTn>
+                              </p:par>
+                            </p:childTnLst>
+                          </p:cTn>
+                        </p:par>
+                      </p:childTnLst>
+                    </p:cTn>
+                  </p:par>
+                </p:childTnLst>
+              </p:cTn>
+              <p:prevCondLst>
+                <p:cond evt="onPrev" delay="0">
+                  <p:tgtEl>
+                    <p:sldTgt/>
+                  </p:tgtEl>
+                </p:cond>
+              </p:prevCondLst>
+              <p:nextCondLst>
+                <p:cond evt="onNext" delay="0">
+                  <p:tgtEl>
+                    <p:sldTgt/>
+                  </p:tgtEl>
+                </p:cond>
+              </p:nextCondLst>
+            </p:seq>
+          </p:childTnLst>
+        </p:cTn>
+      </p:par>
+    </p:tnLst>
+  </p:timing>
 </p:sld>
 </file>
 
@@ -8393,6 +10738,53 @@
           </a:p>
         </p:txBody>
       </p:sp>
+      <p:pic>
+        <p:nvPicPr>
+          <p:cNvPr id="16" name="Picture 2" descr="X PNG para descargar gratis">
+            <a:extLst>
+              <a:ext uri="{FF2B5EF4-FFF2-40B4-BE49-F238E27FC236}">
+                <a16:creationId xmlns:a16="http://schemas.microsoft.com/office/drawing/2014/main" id="{B020D05C-63FA-4D64-841F-B02D230FBDCB}"/>
+              </a:ext>
+            </a:extLst>
+          </p:cNvPr>
+          <p:cNvPicPr>
+            <a:picLocks noChangeAspect="1" noChangeArrowheads="1"/>
+          </p:cNvPicPr>
+          <p:nvPr/>
+        </p:nvPicPr>
+        <p:blipFill>
+          <a:blip r:embed="rId5">
+            <a:extLst>
+              <a:ext uri="{28A0092B-C50C-407E-A947-70E740481C1C}">
+                <a14:useLocalDpi xmlns:a14="http://schemas.microsoft.com/office/drawing/2010/main" val="0"/>
+              </a:ext>
+            </a:extLst>
+          </a:blip>
+          <a:srcRect/>
+          <a:stretch>
+            <a:fillRect/>
+          </a:stretch>
+        </p:blipFill>
+        <p:spPr bwMode="auto">
+          <a:xfrm>
+            <a:off x="6746986" y="3038726"/>
+            <a:ext cx="1905000" cy="1905000"/>
+          </a:xfrm>
+          <a:prstGeom prst="rect">
+            <a:avLst/>
+          </a:prstGeom>
+          <a:noFill/>
+          <a:extLst>
+            <a:ext uri="{909E8E84-426E-40DD-AFC4-6F175D3DCCD1}">
+              <a14:hiddenFill xmlns:a14="http://schemas.microsoft.com/office/drawing/2010/main">
+                <a:solidFill>
+                  <a:srgbClr val="FFFFFF"/>
+                </a:solidFill>
+              </a14:hiddenFill>
+            </a:ext>
+          </a:extLst>
+        </p:spPr>
+      </p:pic>
     </p:spTree>
     <p:extLst>
       <p:ext uri="{BB962C8B-B14F-4D97-AF65-F5344CB8AC3E}">
@@ -8403,6 +10795,158 @@
   <p:clrMapOvr>
     <a:masterClrMapping/>
   </p:clrMapOvr>
+  <p:timing>
+    <p:tnLst>
+      <p:par>
+        <p:cTn id="1" dur="indefinite" restart="never" nodeType="tmRoot">
+          <p:childTnLst>
+            <p:seq concurrent="1" nextAc="seek">
+              <p:cTn id="2" dur="indefinite" nodeType="mainSeq">
+                <p:childTnLst>
+                  <p:par>
+                    <p:cTn id="3" fill="hold">
+                      <p:stCondLst>
+                        <p:cond delay="indefinite"/>
+                      </p:stCondLst>
+                      <p:childTnLst>
+                        <p:par>
+                          <p:cTn id="4" fill="hold">
+                            <p:stCondLst>
+                              <p:cond delay="0"/>
+                            </p:stCondLst>
+                            <p:childTnLst>
+                              <p:par>
+                                <p:cTn id="5" presetID="31" presetClass="entr" presetSubtype="0" fill="hold" nodeType="clickEffect">
+                                  <p:stCondLst>
+                                    <p:cond delay="0"/>
+                                  </p:stCondLst>
+                                  <p:childTnLst>
+                                    <p:set>
+                                      <p:cBhvr>
+                                        <p:cTn id="6" dur="1" fill="hold">
+                                          <p:stCondLst>
+                                            <p:cond delay="0"/>
+                                          </p:stCondLst>
+                                        </p:cTn>
+                                        <p:tgtEl>
+                                          <p:spTgt spid="16"/>
+                                        </p:tgtEl>
+                                        <p:attrNameLst>
+                                          <p:attrName>style.visibility</p:attrName>
+                                        </p:attrNameLst>
+                                      </p:cBhvr>
+                                      <p:to>
+                                        <p:strVal val="visible"/>
+                                      </p:to>
+                                    </p:set>
+                                    <p:anim calcmode="lin" valueType="num">
+                                      <p:cBhvr>
+                                        <p:cTn id="7" dur="1000" fill="hold"/>
+                                        <p:tgtEl>
+                                          <p:spTgt spid="16"/>
+                                        </p:tgtEl>
+                                        <p:attrNameLst>
+                                          <p:attrName>ppt_w</p:attrName>
+                                        </p:attrNameLst>
+                                      </p:cBhvr>
+                                      <p:tavLst>
+                                        <p:tav tm="0">
+                                          <p:val>
+                                            <p:fltVal val="0"/>
+                                          </p:val>
+                                        </p:tav>
+                                        <p:tav tm="100000">
+                                          <p:val>
+                                            <p:strVal val="#ppt_w"/>
+                                          </p:val>
+                                        </p:tav>
+                                      </p:tavLst>
+                                    </p:anim>
+                                    <p:anim calcmode="lin" valueType="num">
+                                      <p:cBhvr>
+                                        <p:cTn id="8" dur="1000" fill="hold"/>
+                                        <p:tgtEl>
+                                          <p:spTgt spid="16"/>
+                                        </p:tgtEl>
+                                        <p:attrNameLst>
+                                          <p:attrName>ppt_h</p:attrName>
+                                        </p:attrNameLst>
+                                      </p:cBhvr>
+                                      <p:tavLst>
+                                        <p:tav tm="0">
+                                          <p:val>
+                                            <p:fltVal val="0"/>
+                                          </p:val>
+                                        </p:tav>
+                                        <p:tav tm="100000">
+                                          <p:val>
+                                            <p:strVal val="#ppt_h"/>
+                                          </p:val>
+                                        </p:tav>
+                                      </p:tavLst>
+                                    </p:anim>
+                                    <p:anim calcmode="lin" valueType="num">
+                                      <p:cBhvr>
+                                        <p:cTn id="9" dur="1000" fill="hold"/>
+                                        <p:tgtEl>
+                                          <p:spTgt spid="16"/>
+                                        </p:tgtEl>
+                                        <p:attrNameLst>
+                                          <p:attrName>style.rotation</p:attrName>
+                                        </p:attrNameLst>
+                                      </p:cBhvr>
+                                      <p:tavLst>
+                                        <p:tav tm="0">
+                                          <p:val>
+                                            <p:fltVal val="90"/>
+                                          </p:val>
+                                        </p:tav>
+                                        <p:tav tm="100000">
+                                          <p:val>
+                                            <p:fltVal val="0"/>
+                                          </p:val>
+                                        </p:tav>
+                                      </p:tavLst>
+                                    </p:anim>
+                                    <p:animEffect transition="in" filter="fade">
+                                      <p:cBhvr>
+                                        <p:cTn id="10" dur="1000"/>
+                                        <p:tgtEl>
+                                          <p:spTgt spid="16"/>
+                                        </p:tgtEl>
+                                      </p:cBhvr>
+                                    </p:animEffect>
+                                  </p:childTnLst>
+                                </p:cTn>
+                              </p:par>
+                            </p:childTnLst>
+                          </p:cTn>
+                        </p:par>
+                      </p:childTnLst>
+                    </p:cTn>
+                  </p:par>
+                </p:childTnLst>
+              </p:cTn>
+              <p:prevCondLst>
+                <p:cond evt="onPrev" delay="0">
+                  <p:tgtEl>
+                    <p:sldTgt/>
+                  </p:tgtEl>
+                </p:cond>
+              </p:prevCondLst>
+              <p:nextCondLst>
+                <p:cond evt="onNext" delay="0">
+                  <p:tgtEl>
+                    <p:sldTgt/>
+                  </p:tgtEl>
+                </p:cond>
+              </p:nextCondLst>
+            </p:seq>
+          </p:childTnLst>
+        </p:cTn>
+      </p:par>
+    </p:tnLst>
+  </p:timing>
 </p:sld>
 </file>
 
@@ -8561,6 +11105,53 @@
           </a:p>
         </p:txBody>
       </p:sp>
+      <p:pic>
+        <p:nvPicPr>
+          <p:cNvPr id="16" name="Picture 2" descr="X PNG para descargar gratis">
+            <a:extLst>
+              <a:ext uri="{FF2B5EF4-FFF2-40B4-BE49-F238E27FC236}">
+                <a16:creationId xmlns:a16="http://schemas.microsoft.com/office/drawing/2014/main" id="{29F1B8A0-0926-4BF9-B849-120BC536DFFA}"/>
+              </a:ext>
+            </a:extLst>
+          </p:cNvPr>
+          <p:cNvPicPr>
+            <a:picLocks noChangeAspect="1" noChangeArrowheads="1"/>
+          </p:cNvPicPr>
+          <p:nvPr/>
+        </p:nvPicPr>
+        <p:blipFill>
+          <a:blip r:embed="rId4">
+            <a:extLst>
+              <a:ext uri="{28A0092B-C50C-407E-A947-70E740481C1C}">
+                <a14:useLocalDpi xmlns:a14="http://schemas.microsoft.com/office/drawing/2010/main" val="0"/>
+              </a:ext>
+            </a:extLst>
+          </a:blip>
+          <a:srcRect/>
+          <a:stretch>
+            <a:fillRect/>
+          </a:stretch>
+        </p:blipFill>
+        <p:spPr bwMode="auto">
+          <a:xfrm>
+            <a:off x="5563819" y="3680237"/>
+            <a:ext cx="1905000" cy="1905000"/>
+          </a:xfrm>
+          <a:prstGeom prst="rect">
+            <a:avLst/>
+          </a:prstGeom>
+          <a:noFill/>
+          <a:extLst>
+            <a:ext uri="{909E8E84-426E-40DD-AFC4-6F175D3DCCD1}">
+              <a14:hiddenFill xmlns:a14="http://schemas.microsoft.com/office/drawing/2010/main">
+                <a:solidFill>
+                  <a:srgbClr val="FFFFFF"/>
+                </a:solidFill>
+              </a14:hiddenFill>
+            </a:ext>
+          </a:extLst>
+        </p:spPr>
+      </p:pic>
     </p:spTree>
     <p:extLst>
       <p:ext uri="{BB962C8B-B14F-4D97-AF65-F5344CB8AC3E}">
@@ -8571,6 +11162,158 @@
   <p:clrMapOvr>
     <a:masterClrMapping/>
   </p:clrMapOvr>
+  <p:timing>
+    <p:tnLst>
+      <p:par>
+        <p:cTn id="1" dur="indefinite" restart="never" nodeType="tmRoot">
+          <p:childTnLst>
+            <p:seq concurrent="1" nextAc="seek">
+              <p:cTn id="2" dur="indefinite" nodeType="mainSeq">
+                <p:childTnLst>
+                  <p:par>
+                    <p:cTn id="3" fill="hold">
+                      <p:stCondLst>
+                        <p:cond delay="indefinite"/>
+                      </p:stCondLst>
+                      <p:childTnLst>
+                        <p:par>
+                          <p:cTn id="4" fill="hold">
+                            <p:stCondLst>
+                              <p:cond delay="0"/>
+                            </p:stCondLst>
+                            <p:childTnLst>
+                              <p:par>
+                                <p:cTn id="5" presetID="31" presetClass="entr" presetSubtype="0" fill="hold" nodeType="clickEffect">
+                                  <p:stCondLst>
+                                    <p:cond delay="0"/>
+                                  </p:stCondLst>
+                                  <p:childTnLst>
+                                    <p:set>
+                                      <p:cBhvr>
+                                        <p:cTn id="6" dur="1" fill="hold">
+                                          <p:stCondLst>
+                                            <p:cond delay="0"/>
+                                          </p:stCondLst>
+                                        </p:cTn>
+                                        <p:tgtEl>
+                                          <p:spTgt spid="16"/>
+                                        </p:tgtEl>
+                                        <p:attrNameLst>
+                                          <p:attrName>style.visibility</p:attrName>
+                                        </p:attrNameLst>
+                                      </p:cBhvr>
+                                      <p:to>
+                                        <p:strVal val="visible"/>
+                                      </p:to>
+                                    </p:set>
+                                    <p:anim calcmode="lin" valueType="num">
+                                      <p:cBhvr>
+                                        <p:cTn id="7" dur="1000" fill="hold"/>
+                                        <p:tgtEl>
+                                          <p:spTgt spid="16"/>
+                                        </p:tgtEl>
+                                        <p:attrNameLst>
+                                          <p:attrName>ppt_w</p:attrName>
+                                        </p:attrNameLst>
+                                      </p:cBhvr>
+                                      <p:tavLst>
+                                        <p:tav tm="0">
+                                          <p:val>
+                                            <p:fltVal val="0"/>
+                                          </p:val>
+                                        </p:tav>
+                                        <p:tav tm="100000">
+                                          <p:val>
+                                            <p:strVal val="#ppt_w"/>
+                                          </p:val>
+                                        </p:tav>
+                                      </p:tavLst>
+                                    </p:anim>
+                                    <p:anim calcmode="lin" valueType="num">
+                                      <p:cBhvr>
+                                        <p:cTn id="8" dur="1000" fill="hold"/>
+                                        <p:tgtEl>
+                                          <p:spTgt spid="16"/>
+                                        </p:tgtEl>
+                                        <p:attrNameLst>
+                                          <p:attrName>ppt_h</p:attrName>
+                                        </p:attrNameLst>
+                                      </p:cBhvr>
+                                      <p:tavLst>
+                                        <p:tav tm="0">
+                                          <p:val>
+                                            <p:fltVal val="0"/>
+                                          </p:val>
+                                        </p:tav>
+                                        <p:tav tm="100000">
+                                          <p:val>
+                                            <p:strVal val="#ppt_h"/>
+                                          </p:val>
+                                        </p:tav>
+                                      </p:tavLst>
+                                    </p:anim>
+                                    <p:anim calcmode="lin" valueType="num">
+                                      <p:cBhvr>
+                                        <p:cTn id="9" dur="1000" fill="hold"/>
+                                        <p:tgtEl>
+                                          <p:spTgt spid="16"/>
+                                        </p:tgtEl>
+                                        <p:attrNameLst>
+                                          <p:attrName>style.rotation</p:attrName>
+                                        </p:attrNameLst>
+                                      </p:cBhvr>
+                                      <p:tavLst>
+                                        <p:tav tm="0">
+                                          <p:val>
+                                            <p:fltVal val="90"/>
+                                          </p:val>
+                                        </p:tav>
+                                        <p:tav tm="100000">
+                                          <p:val>
+                                            <p:fltVal val="0"/>
+                                          </p:val>
+                                        </p:tav>
+                                      </p:tavLst>
+                                    </p:anim>
+                                    <p:animEffect transition="in" filter="fade">
+                                      <p:cBhvr>
+                                        <p:cTn id="10" dur="1000"/>
+                                        <p:tgtEl>
+                                          <p:spTgt spid="16"/>
+                                        </p:tgtEl>
+                                      </p:cBhvr>
+                                    </p:animEffect>
+                                  </p:childTnLst>
+                                </p:cTn>
+                              </p:par>
+                            </p:childTnLst>
+                          </p:cTn>
+                        </p:par>
+                      </p:childTnLst>
+                    </p:cTn>
+                  </p:par>
+                </p:childTnLst>
+              </p:cTn>
+              <p:prevCondLst>
+                <p:cond evt="onPrev" delay="0">
+                  <p:tgtEl>
+                    <p:sldTgt/>
+                  </p:tgtEl>
+                </p:cond>
+              </p:prevCondLst>
+              <p:nextCondLst>
+                <p:cond evt="onNext" delay="0">
+                  <p:tgtEl>
+                    <p:sldTgt/>
+                  </p:tgtEl>
+                </p:cond>
+              </p:nextCondLst>
+            </p:seq>
+          </p:childTnLst>
+        </p:cTn>
+      </p:par>
+    </p:tnLst>
+  </p:timing>
 </p:sld>
 </file>
 
@@ -8668,839 +11411,60 @@
           <a:chExt cx="0" cy="0"/>
         </a:xfrm>
       </p:grpSpPr>
-      <p:pic>
-        <p:nvPicPr>
-          <p:cNvPr id="2052" name="Picture 4" descr="Batería (instrumento musical) - Wikipedia, la enciclopedia libre">
+      <p:sp>
+        <p:nvSpPr>
+          <p:cNvPr id="2" name="Título 1">
             <a:extLst>
               <a:ext uri="{FF2B5EF4-FFF2-40B4-BE49-F238E27FC236}">
-                <a16:creationId xmlns:a16="http://schemas.microsoft.com/office/drawing/2014/main" id="{995B82D8-ED8F-40FD-982D-AFA104D7B10B}"/>
+                <a16:creationId xmlns:a16="http://schemas.microsoft.com/office/drawing/2014/main" id="{509F4784-28A3-433D-BBE2-43FC513119C9}"/>
               </a:ext>
             </a:extLst>
           </p:cNvPr>
-          <p:cNvPicPr>
-            <a:picLocks noChangeAspect="1" noChangeArrowheads="1"/>
-          </p:cNvPicPr>
-          <p:nvPr/>
-        </p:nvPicPr>
-        <p:blipFill>
-          <a:blip r:embed="rId2">
-            <a:lum bright="70000" contrast="-70000"/>
-            <a:extLst>
-              <a:ext uri="{28A0092B-C50C-407E-A947-70E740481C1C}">
-                <a14:useLocalDpi xmlns:a14="http://schemas.microsoft.com/office/drawing/2010/main" val="0"/>
-              </a:ext>
-            </a:extLst>
-          </a:blip>
-          <a:srcRect/>
-          <a:stretch>
-            <a:fillRect/>
-          </a:stretch>
-        </p:blipFill>
-        <p:spPr bwMode="auto">
-          <a:xfrm>
-            <a:off x="7361831" y="2998803"/>
-            <a:ext cx="2288209" cy="1727598"/>
-          </a:xfrm>
-          <a:prstGeom prst="rect">
-            <a:avLst/>
-          </a:prstGeom>
-          <a:noFill/>
-          <a:extLst>
-            <a:ext uri="{909E8E84-426E-40DD-AFC4-6F175D3DCCD1}">
-              <a14:hiddenFill xmlns:a14="http://schemas.microsoft.com/office/drawing/2010/main">
-                <a:solidFill>
-                  <a:srgbClr val="FFFFFF"/>
-                </a:solidFill>
-              </a14:hiddenFill>
-            </a:ext>
-          </a:extLst>
-        </p:spPr>
-      </p:pic>
-      <p:pic>
-        <p:nvPicPr>
-          <p:cNvPr id="2058" name="Picture 10" descr="mariachi instrumento musical violin 1206385 PNG">
+          <p:cNvSpPr>
+            <a:spLocks noGrp="1"/>
+          </p:cNvSpPr>
+          <p:nvPr>
+            <p:ph type="title"/>
+          </p:nvPr>
+        </p:nvSpPr>
+        <p:spPr/>
+        <p:txBody>
+          <a:bodyPr/>
+          <a:lstStyle/>
+          <a:p>
+            <a:endParaRPr lang="es-PE"/>
+          </a:p>
+        </p:txBody>
+      </p:sp>
+      <p:sp>
+        <p:nvSpPr>
+          <p:cNvPr id="3" name="Marcador de contenido 2">
             <a:extLst>
               <a:ext uri="{FF2B5EF4-FFF2-40B4-BE49-F238E27FC236}">
-                <a16:creationId xmlns:a16="http://schemas.microsoft.com/office/drawing/2014/main" id="{EB1E333C-6B1B-490E-81CB-1E825FC86D8C}"/>
+                <a16:creationId xmlns:a16="http://schemas.microsoft.com/office/drawing/2014/main" id="{92FCB6BE-5454-4B64-9382-561ECEE30F9B}"/>
               </a:ext>
             </a:extLst>
           </p:cNvPr>
-          <p:cNvPicPr>
-            <a:picLocks noChangeAspect="1" noChangeArrowheads="1"/>
-          </p:cNvPicPr>
-          <p:nvPr/>
-        </p:nvPicPr>
-        <p:blipFill>
-          <a:blip r:embed="rId3">
-            <a:extLst>
-              <a:ext uri="{28A0092B-C50C-407E-A947-70E740481C1C}">
-                <a14:useLocalDpi xmlns:a14="http://schemas.microsoft.com/office/drawing/2010/main" val="0"/>
-              </a:ext>
-            </a:extLst>
-          </a:blip>
-          <a:srcRect/>
-          <a:stretch>
-            <a:fillRect/>
-          </a:stretch>
-        </p:blipFill>
-        <p:spPr bwMode="auto">
-          <a:xfrm rot="1131174">
-            <a:off x="570536" y="380052"/>
-            <a:ext cx="1078765" cy="1735667"/>
-          </a:xfrm>
-          <a:prstGeom prst="rect">
-            <a:avLst/>
-          </a:prstGeom>
-          <a:noFill/>
-          <a:extLst>
-            <a:ext uri="{909E8E84-426E-40DD-AFC4-6F175D3DCCD1}">
-              <a14:hiddenFill xmlns:a14="http://schemas.microsoft.com/office/drawing/2010/main">
-                <a:solidFill>
-                  <a:srgbClr val="FFFFFF"/>
-                </a:solidFill>
-              </a14:hiddenFill>
-            </a:ext>
-          </a:extLst>
-        </p:spPr>
-      </p:pic>
-      <p:pic>
-        <p:nvPicPr>
-          <p:cNvPr id="2072" name="Picture 24">
-            <a:extLst>
-              <a:ext uri="{FF2B5EF4-FFF2-40B4-BE49-F238E27FC236}">
-                <a16:creationId xmlns:a16="http://schemas.microsoft.com/office/drawing/2014/main" id="{11C1434C-C96B-4ED9-BD96-BE2B57D9C6F7}"/>
-              </a:ext>
-            </a:extLst>
-          </p:cNvPr>
-          <p:cNvPicPr>
-            <a:picLocks noChangeAspect="1" noChangeArrowheads="1"/>
-          </p:cNvPicPr>
-          <p:nvPr/>
-        </p:nvPicPr>
-        <p:blipFill>
-          <a:blip r:embed="rId4">
-            <a:lum bright="70000" contrast="-70000"/>
-            <a:extLst>
-              <a:ext uri="{28A0092B-C50C-407E-A947-70E740481C1C}">
-                <a14:useLocalDpi xmlns:a14="http://schemas.microsoft.com/office/drawing/2010/main" val="0"/>
-              </a:ext>
-            </a:extLst>
-          </a:blip>
-          <a:srcRect/>
-          <a:stretch>
-            <a:fillRect/>
-          </a:stretch>
-        </p:blipFill>
-        <p:spPr bwMode="auto">
-          <a:xfrm>
-            <a:off x="2726775" y="5291441"/>
-            <a:ext cx="1416925" cy="1464732"/>
-          </a:xfrm>
-          <a:prstGeom prst="rect">
-            <a:avLst/>
-          </a:prstGeom>
-          <a:noFill/>
-          <a:extLst>
-            <a:ext uri="{909E8E84-426E-40DD-AFC4-6F175D3DCCD1}">
-              <a14:hiddenFill xmlns:a14="http://schemas.microsoft.com/office/drawing/2010/main">
-                <a:solidFill>
-                  <a:srgbClr val="FFFFFF"/>
-                </a:solidFill>
-              </a14:hiddenFill>
-            </a:ext>
-          </a:extLst>
-        </p:spPr>
-      </p:pic>
-      <p:pic>
-        <p:nvPicPr>
-          <p:cNvPr id="2074" name="Picture 26" descr="Maracas | Club Penguin Wiki | Fandom">
-            <a:extLst>
-              <a:ext uri="{FF2B5EF4-FFF2-40B4-BE49-F238E27FC236}">
-                <a16:creationId xmlns:a16="http://schemas.microsoft.com/office/drawing/2014/main" id="{2B556D2F-3F83-4837-A45F-E2E28860A7A3}"/>
-              </a:ext>
-            </a:extLst>
-          </p:cNvPr>
-          <p:cNvPicPr>
-            <a:picLocks noChangeAspect="1" noChangeArrowheads="1"/>
-          </p:cNvPicPr>
-          <p:nvPr/>
-        </p:nvPicPr>
-        <p:blipFill>
-          <a:blip r:embed="rId5">
-            <a:lum bright="70000" contrast="-70000"/>
-            <a:extLst>
-              <a:ext uri="{28A0092B-C50C-407E-A947-70E740481C1C}">
-                <a14:useLocalDpi xmlns:a14="http://schemas.microsoft.com/office/drawing/2010/main" val="0"/>
-              </a:ext>
-            </a:extLst>
-          </a:blip>
-          <a:srcRect/>
-          <a:stretch>
-            <a:fillRect/>
-          </a:stretch>
-        </p:blipFill>
-        <p:spPr bwMode="auto">
-          <a:xfrm>
-            <a:off x="169761" y="3449287"/>
-            <a:ext cx="1300957" cy="1543993"/>
-          </a:xfrm>
-          <a:prstGeom prst="rect">
-            <a:avLst/>
-          </a:prstGeom>
-          <a:noFill/>
-          <a:extLst>
-            <a:ext uri="{909E8E84-426E-40DD-AFC4-6F175D3DCCD1}">
-              <a14:hiddenFill xmlns:a14="http://schemas.microsoft.com/office/drawing/2010/main">
-                <a:solidFill>
-                  <a:srgbClr val="FFFFFF"/>
-                </a:solidFill>
-              </a14:hiddenFill>
-            </a:ext>
-          </a:extLst>
-        </p:spPr>
-      </p:pic>
-      <p:sp>
-        <p:nvSpPr>
-          <p:cNvPr id="4" name="CuadroTexto 3">
-            <a:extLst>
-              <a:ext uri="{FF2B5EF4-FFF2-40B4-BE49-F238E27FC236}">
-                <a16:creationId xmlns:a16="http://schemas.microsoft.com/office/drawing/2014/main" id="{44CBE067-DFBA-41BC-B17D-1D5856298F98}"/>
-              </a:ext>
-            </a:extLst>
-          </p:cNvPr>
-          <p:cNvSpPr txBox="1"/>
-          <p:nvPr/>
-        </p:nvSpPr>
-        <p:spPr>
-          <a:xfrm>
-            <a:off x="3256223" y="332176"/>
-            <a:ext cx="2414693" cy="646331"/>
-          </a:xfrm>
-          <a:prstGeom prst="rect">
-            <a:avLst/>
-          </a:prstGeom>
-          <a:noFill/>
-        </p:spPr>
-        <p:txBody>
-          <a:bodyPr wrap="square" rtlCol="0">
-            <a:spAutoFit/>
-          </a:bodyPr>
+          <p:cNvSpPr>
+            <a:spLocks noGrp="1"/>
+          </p:cNvSpPr>
+          <p:nvPr>
+            <p:ph sz="quarter" idx="13"/>
+          </p:nvPr>
+        </p:nvSpPr>
+        <p:spPr/>
+        <p:txBody>
+          <a:bodyPr/>
           <a:lstStyle/>
           <a:p>
-            <a:pPr algn="ctr"/>
-            <a:r>
-              <a:rPr lang="es-MX" dirty="0"/>
-              <a:t>¿ es un objeto o animal?</a:t>
-            </a:r>
-          </a:p>
-          <a:p>
-            <a:pPr algn="ctr"/>
-            <a:r>
-              <a:rPr lang="es-MX" dirty="0"/>
-              <a:t>Si es un objeto</a:t>
-            </a:r>
-            <a:endParaRPr lang="es-PE" dirty="0"/>
-          </a:p>
-        </p:txBody>
-      </p:sp>
-      <p:pic>
-        <p:nvPicPr>
-          <p:cNvPr id="18" name="Picture 6" descr="Tractores Agrícolas | John Deere LA">
-            <a:extLst>
-              <a:ext uri="{FF2B5EF4-FFF2-40B4-BE49-F238E27FC236}">
-                <a16:creationId xmlns:a16="http://schemas.microsoft.com/office/drawing/2014/main" id="{D34156E1-5FE8-481F-8F41-E55409C007F4}"/>
-              </a:ext>
-            </a:extLst>
-          </p:cNvPr>
-          <p:cNvPicPr>
-            <a:picLocks noChangeAspect="1" noChangeArrowheads="1"/>
-          </p:cNvPicPr>
-          <p:nvPr/>
-        </p:nvPicPr>
-        <p:blipFill>
-          <a:blip r:embed="rId6">
-            <a:lum bright="70000" contrast="-70000"/>
-            <a:extLst>
-              <a:ext uri="{28A0092B-C50C-407E-A947-70E740481C1C}">
-                <a14:useLocalDpi xmlns:a14="http://schemas.microsoft.com/office/drawing/2010/main" val="0"/>
-              </a:ext>
-            </a:extLst>
-          </a:blip>
-          <a:srcRect/>
-          <a:stretch>
-            <a:fillRect/>
-          </a:stretch>
-        </p:blipFill>
-        <p:spPr bwMode="auto">
-          <a:xfrm>
-            <a:off x="7738533" y="1247885"/>
-            <a:ext cx="2021457" cy="1459045"/>
-          </a:xfrm>
-          <a:prstGeom prst="rect">
-            <a:avLst/>
-          </a:prstGeom>
-          <a:noFill/>
-          <a:extLst>
-            <a:ext uri="{909E8E84-426E-40DD-AFC4-6F175D3DCCD1}">
-              <a14:hiddenFill xmlns:a14="http://schemas.microsoft.com/office/drawing/2010/main">
-                <a:solidFill>
-                  <a:srgbClr val="FFFFFF"/>
-                </a:solidFill>
-              </a14:hiddenFill>
-            </a:ext>
-          </a:extLst>
-        </p:spPr>
-      </p:pic>
-      <p:pic>
-        <p:nvPicPr>
-          <p:cNvPr id="2076" name="Picture 28" descr="dormido hora objetos acortar Arte dibujos animados alarma reloj 24996848 PNG">
-            <a:extLst>
-              <a:ext uri="{FF2B5EF4-FFF2-40B4-BE49-F238E27FC236}">
-                <a16:creationId xmlns:a16="http://schemas.microsoft.com/office/drawing/2014/main" id="{D2530CFB-65F0-4EB3-AC1B-7229C82890B3}"/>
-              </a:ext>
-            </a:extLst>
-          </p:cNvPr>
-          <p:cNvPicPr>
-            <a:picLocks noChangeAspect="1" noChangeArrowheads="1"/>
-          </p:cNvPicPr>
-          <p:nvPr/>
-        </p:nvPicPr>
-        <p:blipFill>
-          <a:blip r:embed="rId7">
-            <a:lum bright="70000" contrast="-70000"/>
-            <a:extLst>
-              <a:ext uri="{28A0092B-C50C-407E-A947-70E740481C1C}">
-                <a14:useLocalDpi xmlns:a14="http://schemas.microsoft.com/office/drawing/2010/main" val="0"/>
-              </a:ext>
-            </a:extLst>
-          </a:blip>
-          <a:srcRect/>
-          <a:stretch>
-            <a:fillRect/>
-          </a:stretch>
-        </p:blipFill>
-        <p:spPr bwMode="auto">
-          <a:xfrm>
-            <a:off x="4881768" y="4971933"/>
-            <a:ext cx="1761068" cy="1761068"/>
-          </a:xfrm>
-          <a:prstGeom prst="rect">
-            <a:avLst/>
-          </a:prstGeom>
-          <a:noFill/>
-          <a:extLst>
-            <a:ext uri="{909E8E84-426E-40DD-AFC4-6F175D3DCCD1}">
-              <a14:hiddenFill xmlns:a14="http://schemas.microsoft.com/office/drawing/2010/main">
-                <a:solidFill>
-                  <a:srgbClr val="FFFFFF"/>
-                </a:solidFill>
-              </a14:hiddenFill>
-            </a:ext>
-          </a:extLst>
-        </p:spPr>
-      </p:pic>
-      <p:pic>
-        <p:nvPicPr>
-          <p:cNvPr id="2078" name="Picture 30" descr="Toallas De Spa PNG, Vectores, PSD, e Clipart Para Descarga Gratuita -  Pngtree">
-            <a:extLst>
-              <a:ext uri="{FF2B5EF4-FFF2-40B4-BE49-F238E27FC236}">
-                <a16:creationId xmlns:a16="http://schemas.microsoft.com/office/drawing/2014/main" id="{77A9FEA2-BD44-4C4F-893D-9095252E1804}"/>
-              </a:ext>
-            </a:extLst>
-          </p:cNvPr>
-          <p:cNvPicPr>
-            <a:picLocks noChangeAspect="1" noChangeArrowheads="1"/>
-          </p:cNvPicPr>
-          <p:nvPr/>
-        </p:nvPicPr>
-        <p:blipFill>
-          <a:blip r:embed="rId8">
-            <a:lum bright="70000" contrast="-70000"/>
-            <a:extLst>
-              <a:ext uri="{28A0092B-C50C-407E-A947-70E740481C1C}">
-                <a14:useLocalDpi xmlns:a14="http://schemas.microsoft.com/office/drawing/2010/main" val="0"/>
-              </a:ext>
-            </a:extLst>
-          </a:blip>
-          <a:srcRect/>
-          <a:stretch>
-            <a:fillRect/>
-          </a:stretch>
-        </p:blipFill>
-        <p:spPr bwMode="auto">
-          <a:xfrm>
-            <a:off x="1400064" y="2310723"/>
-            <a:ext cx="1368973" cy="1026730"/>
-          </a:xfrm>
-          <a:prstGeom prst="rect">
-            <a:avLst/>
-          </a:prstGeom>
-          <a:noFill/>
-          <a:extLst>
-            <a:ext uri="{909E8E84-426E-40DD-AFC4-6F175D3DCCD1}">
-              <a14:hiddenFill xmlns:a14="http://schemas.microsoft.com/office/drawing/2010/main">
-                <a:solidFill>
-                  <a:srgbClr val="FFFFFF"/>
-                </a:solidFill>
-              </a14:hiddenFill>
-            </a:ext>
-          </a:extLst>
-        </p:spPr>
-      </p:pic>
-      <p:pic>
-        <p:nvPicPr>
-          <p:cNvPr id="2080" name="Picture 32" descr="Helado Suave Amarillo PNG ,dibujos Servicio Débil, Helado, Atender PNG  Imagen para Descarga Gratuita | Pngtree">
-            <a:extLst>
-              <a:ext uri="{FF2B5EF4-FFF2-40B4-BE49-F238E27FC236}">
-                <a16:creationId xmlns:a16="http://schemas.microsoft.com/office/drawing/2014/main" id="{15A867C7-E7DA-4E98-816D-5D2998CEEAF1}"/>
-              </a:ext>
-            </a:extLst>
-          </p:cNvPr>
-          <p:cNvPicPr>
-            <a:picLocks noChangeAspect="1" noChangeArrowheads="1"/>
-          </p:cNvPicPr>
-          <p:nvPr/>
-        </p:nvPicPr>
-        <p:blipFill>
-          <a:blip r:embed="rId9">
-            <a:lum bright="70000" contrast="-70000"/>
-            <a:extLst>
-              <a:ext uri="{28A0092B-C50C-407E-A947-70E740481C1C}">
-                <a14:useLocalDpi xmlns:a14="http://schemas.microsoft.com/office/drawing/2010/main" val="0"/>
-              </a:ext>
-            </a:extLst>
-          </a:blip>
-          <a:srcRect/>
-          <a:stretch>
-            <a:fillRect/>
-          </a:stretch>
-        </p:blipFill>
-        <p:spPr bwMode="auto">
-          <a:xfrm>
-            <a:off x="337723" y="4726401"/>
-            <a:ext cx="2252133" cy="2252133"/>
-          </a:xfrm>
-          <a:prstGeom prst="rect">
-            <a:avLst/>
-          </a:prstGeom>
-          <a:noFill/>
-          <a:extLst>
-            <a:ext uri="{909E8E84-426E-40DD-AFC4-6F175D3DCCD1}">
-              <a14:hiddenFill xmlns:a14="http://schemas.microsoft.com/office/drawing/2010/main">
-                <a:solidFill>
-                  <a:srgbClr val="FFFFFF"/>
-                </a:solidFill>
-              </a14:hiddenFill>
-            </a:ext>
-          </a:extLst>
-        </p:spPr>
-      </p:pic>
-      <p:pic>
-        <p:nvPicPr>
-          <p:cNvPr id="5" name="Imagen 4">
-            <a:extLst>
-              <a:ext uri="{FF2B5EF4-FFF2-40B4-BE49-F238E27FC236}">
-                <a16:creationId xmlns:a16="http://schemas.microsoft.com/office/drawing/2014/main" id="{2173F711-642A-43DB-8C92-EC2CC0FCE492}"/>
-              </a:ext>
-            </a:extLst>
-          </p:cNvPr>
-          <p:cNvPicPr>
-            <a:picLocks noChangeAspect="1"/>
-          </p:cNvPicPr>
-          <p:nvPr/>
-        </p:nvPicPr>
-        <p:blipFill>
-          <a:blip r:embed="rId10">
-            <a:lum bright="70000" contrast="-70000"/>
-          </a:blip>
-          <a:stretch>
-            <a:fillRect/>
-          </a:stretch>
-        </p:blipFill>
-        <p:spPr>
-          <a:xfrm>
-            <a:off x="1737606" y="3657867"/>
-            <a:ext cx="2148063" cy="1456733"/>
-          </a:xfrm>
-          <a:prstGeom prst="rect">
-            <a:avLst/>
-          </a:prstGeom>
-        </p:spPr>
-      </p:pic>
-      <p:pic>
-        <p:nvPicPr>
-          <p:cNvPr id="2082" name="Picture 34" descr="Más de 200 imágenes gratis de Puma y Naturaleza - Pixabay">
-            <a:extLst>
-              <a:ext uri="{FF2B5EF4-FFF2-40B4-BE49-F238E27FC236}">
-                <a16:creationId xmlns:a16="http://schemas.microsoft.com/office/drawing/2014/main" id="{B864A8CA-EC79-471C-B2A9-63EACBAC86DA}"/>
-              </a:ext>
-            </a:extLst>
-          </p:cNvPr>
-          <p:cNvPicPr>
-            <a:picLocks noChangeAspect="1" noChangeArrowheads="1"/>
-          </p:cNvPicPr>
-          <p:nvPr/>
-        </p:nvPicPr>
-        <p:blipFill>
-          <a:blip r:embed="rId11">
-            <a:lum bright="70000" contrast="-70000"/>
-            <a:extLst>
-              <a:ext uri="{28A0092B-C50C-407E-A947-70E740481C1C}">
-                <a14:useLocalDpi xmlns:a14="http://schemas.microsoft.com/office/drawing/2010/main" val="0"/>
-              </a:ext>
-            </a:extLst>
-          </a:blip>
-          <a:srcRect/>
-          <a:stretch>
-            <a:fillRect/>
-          </a:stretch>
-        </p:blipFill>
-        <p:spPr bwMode="auto">
-          <a:xfrm>
-            <a:off x="8040520" y="4937604"/>
-            <a:ext cx="1546438" cy="1761068"/>
-          </a:xfrm>
-          <a:prstGeom prst="rect">
-            <a:avLst/>
-          </a:prstGeom>
-          <a:extLst>
-            <a:ext uri="{909E8E84-426E-40DD-AFC4-6F175D3DCCD1}">
-              <a14:hiddenFill xmlns:a14="http://schemas.microsoft.com/office/drawing/2010/main">
-                <a:solidFill>
-                  <a:srgbClr val="FFFFFF"/>
-                </a:solidFill>
-              </a14:hiddenFill>
-            </a:ext>
-          </a:extLst>
-        </p:spPr>
-      </p:pic>
-      <p:pic>
-        <p:nvPicPr>
-          <p:cNvPr id="2084" name="Picture 36" descr="LOS ANIMALES DE LA GRANJA EN EI - Pictoeduca">
-            <a:extLst>
-              <a:ext uri="{FF2B5EF4-FFF2-40B4-BE49-F238E27FC236}">
-                <a16:creationId xmlns:a16="http://schemas.microsoft.com/office/drawing/2014/main" id="{14D91834-8D9E-4B92-891E-B58880899348}"/>
-              </a:ext>
-            </a:extLst>
-          </p:cNvPr>
-          <p:cNvPicPr>
-            <a:picLocks noChangeAspect="1" noChangeArrowheads="1"/>
-          </p:cNvPicPr>
-          <p:nvPr/>
-        </p:nvPicPr>
-        <p:blipFill>
-          <a:blip r:embed="rId12">
-            <a:lum bright="70000" contrast="-70000"/>
-            <a:extLst>
-              <a:ext uri="{28A0092B-C50C-407E-A947-70E740481C1C}">
-                <a14:useLocalDpi xmlns:a14="http://schemas.microsoft.com/office/drawing/2010/main" val="0"/>
-              </a:ext>
-            </a:extLst>
-          </a:blip>
-          <a:srcRect/>
-          <a:stretch>
-            <a:fillRect/>
-          </a:stretch>
-        </p:blipFill>
-        <p:spPr bwMode="auto">
-          <a:xfrm>
-            <a:off x="7009409" y="332176"/>
-            <a:ext cx="1680638" cy="1077434"/>
-          </a:xfrm>
-          <a:prstGeom prst="rect">
-            <a:avLst/>
-          </a:prstGeom>
-          <a:extLst>
-            <a:ext uri="{909E8E84-426E-40DD-AFC4-6F175D3DCCD1}">
-              <a14:hiddenFill xmlns:a14="http://schemas.microsoft.com/office/drawing/2010/main">
-                <a:solidFill>
-                  <a:srgbClr val="FFFFFF"/>
-                </a:solidFill>
-              </a14:hiddenFill>
-            </a:ext>
-          </a:extLst>
-        </p:spPr>
-      </p:pic>
-      <p:sp>
-        <p:nvSpPr>
-          <p:cNvPr id="26" name="CuadroTexto 25">
-            <a:extLst>
-              <a:ext uri="{FF2B5EF4-FFF2-40B4-BE49-F238E27FC236}">
-                <a16:creationId xmlns:a16="http://schemas.microsoft.com/office/drawing/2014/main" id="{C15FD58A-A29B-4F64-8C47-A3B83AD24760}"/>
-              </a:ext>
-            </a:extLst>
-          </p:cNvPr>
-          <p:cNvSpPr txBox="1"/>
-          <p:nvPr/>
-        </p:nvSpPr>
-        <p:spPr>
-          <a:xfrm>
-            <a:off x="3400157" y="1057548"/>
-            <a:ext cx="2414693" cy="646331"/>
-          </a:xfrm>
-          <a:prstGeom prst="rect">
-            <a:avLst/>
-          </a:prstGeom>
-          <a:noFill/>
-        </p:spPr>
-        <p:txBody>
-          <a:bodyPr wrap="square" rtlCol="0">
-            <a:spAutoFit/>
-          </a:bodyPr>
-          <a:lstStyle/>
-          <a:p>
-            <a:pPr algn="ctr"/>
-            <a:r>
-              <a:rPr lang="es-MX" dirty="0"/>
-              <a:t>¿ es suave o </a:t>
-            </a:r>
-            <a:r>
-              <a:rPr lang="es-MX" dirty="0" err="1"/>
-              <a:t>aspero</a:t>
-            </a:r>
-            <a:r>
-              <a:rPr lang="es-MX" dirty="0"/>
-              <a:t>?</a:t>
-            </a:r>
-          </a:p>
-          <a:p>
-            <a:pPr algn="ctr"/>
-            <a:r>
-              <a:rPr lang="es-MX" dirty="0"/>
-              <a:t>Es </a:t>
-            </a:r>
-            <a:r>
-              <a:rPr lang="es-MX" dirty="0" err="1"/>
-              <a:t>aspero</a:t>
-            </a:r>
-            <a:endParaRPr lang="es-PE" dirty="0"/>
-          </a:p>
-        </p:txBody>
-      </p:sp>
-      <p:sp>
-        <p:nvSpPr>
-          <p:cNvPr id="28" name="CuadroTexto 27">
-            <a:extLst>
-              <a:ext uri="{FF2B5EF4-FFF2-40B4-BE49-F238E27FC236}">
-                <a16:creationId xmlns:a16="http://schemas.microsoft.com/office/drawing/2014/main" id="{0AB1D748-9C50-47BA-829B-D20E6DE2E4C6}"/>
-              </a:ext>
-            </a:extLst>
-          </p:cNvPr>
-          <p:cNvSpPr txBox="1"/>
-          <p:nvPr/>
-        </p:nvSpPr>
-        <p:spPr>
-          <a:xfrm>
-            <a:off x="3270483" y="1711376"/>
-            <a:ext cx="2674039" cy="646331"/>
-          </a:xfrm>
-          <a:prstGeom prst="rect">
-            <a:avLst/>
-          </a:prstGeom>
-          <a:noFill/>
-        </p:spPr>
-        <p:txBody>
-          <a:bodyPr wrap="square" rtlCol="0">
-            <a:spAutoFit/>
-          </a:bodyPr>
-          <a:lstStyle/>
-          <a:p>
-            <a:pPr algn="ctr"/>
-            <a:r>
-              <a:rPr lang="es-MX" dirty="0"/>
-              <a:t>¿ su sonido es melodioso?</a:t>
-            </a:r>
-          </a:p>
-          <a:p>
-            <a:pPr algn="ctr"/>
-            <a:r>
-              <a:rPr lang="es-MX" dirty="0"/>
-              <a:t>si</a:t>
-            </a:r>
-            <a:endParaRPr lang="es-PE" dirty="0"/>
-          </a:p>
-        </p:txBody>
-      </p:sp>
-      <p:sp>
-        <p:nvSpPr>
-          <p:cNvPr id="29" name="CuadroTexto 28">
-            <a:extLst>
-              <a:ext uri="{FF2B5EF4-FFF2-40B4-BE49-F238E27FC236}">
-                <a16:creationId xmlns:a16="http://schemas.microsoft.com/office/drawing/2014/main" id="{54389017-4270-41A3-A8A4-C43091C54001}"/>
-              </a:ext>
-            </a:extLst>
-          </p:cNvPr>
-          <p:cNvSpPr txBox="1"/>
-          <p:nvPr/>
-        </p:nvSpPr>
-        <p:spPr>
-          <a:xfrm>
-            <a:off x="3355700" y="2383764"/>
-            <a:ext cx="2674039" cy="646331"/>
-          </a:xfrm>
-          <a:prstGeom prst="rect">
-            <a:avLst/>
-          </a:prstGeom>
-          <a:noFill/>
-        </p:spPr>
-        <p:txBody>
-          <a:bodyPr wrap="square" rtlCol="0">
-            <a:spAutoFit/>
-          </a:bodyPr>
-          <a:lstStyle/>
-          <a:p>
-            <a:pPr algn="ctr"/>
-            <a:r>
-              <a:rPr lang="es-MX" dirty="0"/>
-              <a:t>¿ es un instrumento musical?</a:t>
-            </a:r>
-          </a:p>
-          <a:p>
-            <a:pPr algn="ctr"/>
-            <a:r>
-              <a:rPr lang="es-MX" dirty="0"/>
-              <a:t>si</a:t>
-            </a:r>
-            <a:endParaRPr lang="es-PE" dirty="0"/>
-          </a:p>
-        </p:txBody>
-      </p:sp>
-      <p:sp>
-        <p:nvSpPr>
-          <p:cNvPr id="30" name="CuadroTexto 29">
-            <a:extLst>
-              <a:ext uri="{FF2B5EF4-FFF2-40B4-BE49-F238E27FC236}">
-                <a16:creationId xmlns:a16="http://schemas.microsoft.com/office/drawing/2014/main" id="{B334233B-EE3A-4FBE-A682-6CCE13634F5E}"/>
-              </a:ext>
-            </a:extLst>
-          </p:cNvPr>
-          <p:cNvSpPr txBox="1"/>
-          <p:nvPr/>
-        </p:nvSpPr>
-        <p:spPr>
-          <a:xfrm>
-            <a:off x="3400157" y="2923115"/>
-            <a:ext cx="2674039" cy="646331"/>
-          </a:xfrm>
-          <a:prstGeom prst="rect">
-            <a:avLst/>
-          </a:prstGeom>
-          <a:noFill/>
-        </p:spPr>
-        <p:txBody>
-          <a:bodyPr wrap="square" rtlCol="0">
-            <a:spAutoFit/>
-          </a:bodyPr>
-          <a:lstStyle/>
-          <a:p>
-            <a:pPr algn="ctr"/>
-            <a:r>
-              <a:rPr lang="es-MX" dirty="0"/>
-              <a:t>¿ es de madera?</a:t>
-            </a:r>
-          </a:p>
-          <a:p>
-            <a:pPr algn="ctr"/>
-            <a:r>
-              <a:rPr lang="es-MX" dirty="0"/>
-              <a:t>si</a:t>
-            </a:r>
-            <a:endParaRPr lang="es-PE" dirty="0"/>
-          </a:p>
-        </p:txBody>
-      </p:sp>
-      <p:sp>
-        <p:nvSpPr>
-          <p:cNvPr id="32" name="CuadroTexto 31">
-            <a:extLst>
-              <a:ext uri="{FF2B5EF4-FFF2-40B4-BE49-F238E27FC236}">
-                <a16:creationId xmlns:a16="http://schemas.microsoft.com/office/drawing/2014/main" id="{ADC20E08-8855-40C1-A901-779D2AEE8A3E}"/>
-              </a:ext>
-            </a:extLst>
-          </p:cNvPr>
-          <p:cNvSpPr txBox="1"/>
-          <p:nvPr/>
-        </p:nvSpPr>
-        <p:spPr>
-          <a:xfrm>
-            <a:off x="3400157" y="3638896"/>
-            <a:ext cx="2674039" cy="646331"/>
-          </a:xfrm>
-          <a:prstGeom prst="rect">
-            <a:avLst/>
-          </a:prstGeom>
-          <a:noFill/>
-        </p:spPr>
-        <p:txBody>
-          <a:bodyPr wrap="square" rtlCol="0">
-            <a:spAutoFit/>
-          </a:bodyPr>
-          <a:lstStyle/>
-          <a:p>
-            <a:pPr algn="ctr"/>
-            <a:r>
-              <a:rPr lang="es-MX" dirty="0"/>
-              <a:t>¿ es liviano?</a:t>
-            </a:r>
-          </a:p>
-          <a:p>
-            <a:pPr algn="ctr"/>
-            <a:r>
-              <a:rPr lang="es-MX" dirty="0"/>
-              <a:t>si</a:t>
-            </a:r>
-            <a:endParaRPr lang="es-PE" dirty="0"/>
-          </a:p>
-        </p:txBody>
-      </p:sp>
-      <p:sp>
-        <p:nvSpPr>
-          <p:cNvPr id="33" name="CuadroTexto 32">
-            <a:extLst>
-              <a:ext uri="{FF2B5EF4-FFF2-40B4-BE49-F238E27FC236}">
-                <a16:creationId xmlns:a16="http://schemas.microsoft.com/office/drawing/2014/main" id="{A00CCDCE-55B8-4AC4-8F16-8406C636CD5A}"/>
-              </a:ext>
-            </a:extLst>
-          </p:cNvPr>
-          <p:cNvSpPr txBox="1"/>
-          <p:nvPr/>
-        </p:nvSpPr>
-        <p:spPr>
-          <a:xfrm>
-            <a:off x="3435237" y="4223275"/>
-            <a:ext cx="2674039" cy="646331"/>
-          </a:xfrm>
-          <a:prstGeom prst="rect">
-            <a:avLst/>
-          </a:prstGeom>
-          <a:noFill/>
-        </p:spPr>
-        <p:txBody>
-          <a:bodyPr wrap="square" rtlCol="0">
-            <a:spAutoFit/>
-          </a:bodyPr>
-          <a:lstStyle/>
-          <a:p>
-            <a:pPr algn="ctr"/>
-            <a:r>
-              <a:rPr lang="es-MX" dirty="0"/>
-              <a:t>¿ tiene cuerda?</a:t>
-            </a:r>
-          </a:p>
-          <a:p>
-            <a:pPr algn="ctr"/>
-            <a:r>
-              <a:rPr lang="es-MX" dirty="0"/>
-              <a:t>si</a:t>
-            </a:r>
-            <a:endParaRPr lang="es-PE" dirty="0"/>
+            <a:endParaRPr lang="es-PE"/>
           </a:p>
         </p:txBody>
       </p:sp>
     </p:spTree>
     <p:extLst>
       <p:ext uri="{BB962C8B-B14F-4D97-AF65-F5344CB8AC3E}">
-        <p14:creationId xmlns:p14="http://schemas.microsoft.com/office/powerpoint/2010/main" val="2290030162"/>
+        <p14:creationId xmlns:p14="http://schemas.microsoft.com/office/powerpoint/2010/main" val="1626341345"/>
       </p:ext>
     </p:extLst>
   </p:cSld>
